--- a/DesignDocs/Design/기획 문서/UI 기획서 초안.pptx
+++ b/DesignDocs/Design/기획 문서/UI 기획서 초안.pptx
@@ -13,8 +13,8 @@
     <p:sldId id="266" r:id="rId7"/>
     <p:sldId id="269" r:id="rId8"/>
     <p:sldId id="267" r:id="rId9"/>
-    <p:sldId id="263" r:id="rId10"/>
-    <p:sldId id="258" r:id="rId11"/>
+    <p:sldId id="258" r:id="rId10"/>
+    <p:sldId id="272" r:id="rId11"/>
   </p:sldIdLst>
   <p:sldSz cx="12192000" cy="6858000"/>
   <p:notesSz cx="6858000" cy="9144000"/>
@@ -252,7 +252,7 @@
           <a:p>
             <a:fld id="{E50B4231-0B69-4E0A-80A9-473AFD899DE0}" type="datetimeFigureOut">
               <a:rPr lang="ko-KR" altLang="en-US" smtClean="0"/>
-              <a:t>2018-04-10</a:t>
+              <a:t>2018-04-11</a:t>
             </a:fld>
             <a:endParaRPr lang="ko-KR" altLang="en-US"/>
           </a:p>
@@ -422,7 +422,7 @@
           <a:p>
             <a:fld id="{E50B4231-0B69-4E0A-80A9-473AFD899DE0}" type="datetimeFigureOut">
               <a:rPr lang="ko-KR" altLang="en-US" smtClean="0"/>
-              <a:t>2018-04-10</a:t>
+              <a:t>2018-04-11</a:t>
             </a:fld>
             <a:endParaRPr lang="ko-KR" altLang="en-US"/>
           </a:p>
@@ -602,7 +602,7 @@
           <a:p>
             <a:fld id="{E50B4231-0B69-4E0A-80A9-473AFD899DE0}" type="datetimeFigureOut">
               <a:rPr lang="ko-KR" altLang="en-US" smtClean="0"/>
-              <a:t>2018-04-10</a:t>
+              <a:t>2018-04-11</a:t>
             </a:fld>
             <a:endParaRPr lang="ko-KR" altLang="en-US"/>
           </a:p>
@@ -772,7 +772,7 @@
           <a:p>
             <a:fld id="{E50B4231-0B69-4E0A-80A9-473AFD899DE0}" type="datetimeFigureOut">
               <a:rPr lang="ko-KR" altLang="en-US" smtClean="0"/>
-              <a:t>2018-04-10</a:t>
+              <a:t>2018-04-11</a:t>
             </a:fld>
             <a:endParaRPr lang="ko-KR" altLang="en-US"/>
           </a:p>
@@ -1018,7 +1018,7 @@
           <a:p>
             <a:fld id="{E50B4231-0B69-4E0A-80A9-473AFD899DE0}" type="datetimeFigureOut">
               <a:rPr lang="ko-KR" altLang="en-US" smtClean="0"/>
-              <a:t>2018-04-10</a:t>
+              <a:t>2018-04-11</a:t>
             </a:fld>
             <a:endParaRPr lang="ko-KR" altLang="en-US"/>
           </a:p>
@@ -1250,7 +1250,7 @@
           <a:p>
             <a:fld id="{E50B4231-0B69-4E0A-80A9-473AFD899DE0}" type="datetimeFigureOut">
               <a:rPr lang="ko-KR" altLang="en-US" smtClean="0"/>
-              <a:t>2018-04-10</a:t>
+              <a:t>2018-04-11</a:t>
             </a:fld>
             <a:endParaRPr lang="ko-KR" altLang="en-US"/>
           </a:p>
@@ -1617,7 +1617,7 @@
           <a:p>
             <a:fld id="{E50B4231-0B69-4E0A-80A9-473AFD899DE0}" type="datetimeFigureOut">
               <a:rPr lang="ko-KR" altLang="en-US" smtClean="0"/>
-              <a:t>2018-04-10</a:t>
+              <a:t>2018-04-11</a:t>
             </a:fld>
             <a:endParaRPr lang="ko-KR" altLang="en-US"/>
           </a:p>
@@ -1735,7 +1735,7 @@
           <a:p>
             <a:fld id="{E50B4231-0B69-4E0A-80A9-473AFD899DE0}" type="datetimeFigureOut">
               <a:rPr lang="ko-KR" altLang="en-US" smtClean="0"/>
-              <a:t>2018-04-10</a:t>
+              <a:t>2018-04-11</a:t>
             </a:fld>
             <a:endParaRPr lang="ko-KR" altLang="en-US"/>
           </a:p>
@@ -1830,7 +1830,7 @@
           <a:p>
             <a:fld id="{E50B4231-0B69-4E0A-80A9-473AFD899DE0}" type="datetimeFigureOut">
               <a:rPr lang="ko-KR" altLang="en-US" smtClean="0"/>
-              <a:t>2018-04-10</a:t>
+              <a:t>2018-04-11</a:t>
             </a:fld>
             <a:endParaRPr lang="ko-KR" altLang="en-US"/>
           </a:p>
@@ -2107,7 +2107,7 @@
           <a:p>
             <a:fld id="{E50B4231-0B69-4E0A-80A9-473AFD899DE0}" type="datetimeFigureOut">
               <a:rPr lang="ko-KR" altLang="en-US" smtClean="0"/>
-              <a:t>2018-04-10</a:t>
+              <a:t>2018-04-11</a:t>
             </a:fld>
             <a:endParaRPr lang="ko-KR" altLang="en-US"/>
           </a:p>
@@ -2364,7 +2364,7 @@
           <a:p>
             <a:fld id="{E50B4231-0B69-4E0A-80A9-473AFD899DE0}" type="datetimeFigureOut">
               <a:rPr lang="ko-KR" altLang="en-US" smtClean="0"/>
-              <a:t>2018-04-10</a:t>
+              <a:t>2018-04-11</a:t>
             </a:fld>
             <a:endParaRPr lang="ko-KR" altLang="en-US"/>
           </a:p>
@@ -2577,7 +2577,7 @@
           <a:p>
             <a:fld id="{E50B4231-0B69-4E0A-80A9-473AFD899DE0}" type="datetimeFigureOut">
               <a:rPr lang="ko-KR" altLang="en-US" smtClean="0"/>
-              <a:t>2018-04-10</a:t>
+              <a:t>2018-04-11</a:t>
             </a:fld>
             <a:endParaRPr lang="ko-KR" altLang="en-US"/>
           </a:p>
@@ -3964,10 +3964,10 @@
         </p:nvGrpSpPr>
         <p:grpSpPr>
           <a:xfrm rot="5400000">
-            <a:off x="7162095" y="492570"/>
-            <a:ext cx="2943225" cy="3371850"/>
-            <a:chOff x="944056" y="1152525"/>
-            <a:chExt cx="2943225" cy="3371850"/>
+            <a:off x="7565000" y="1671807"/>
+            <a:ext cx="2495655" cy="3371850"/>
+            <a:chOff x="944057" y="1152525"/>
+            <a:chExt cx="2495655" cy="3371850"/>
           </a:xfrm>
         </p:grpSpPr>
         <p:sp>
@@ -3984,8 +3984,8 @@
           </p:nvSpPr>
           <p:spPr>
             <a:xfrm>
-              <a:off x="944056" y="1152525"/>
-              <a:ext cx="2943225" cy="3371850"/>
+              <a:off x="944057" y="1152525"/>
+              <a:ext cx="2495655" cy="3371850"/>
             </a:xfrm>
             <a:prstGeom prst="rightArrowCallout">
               <a:avLst/>
@@ -4277,7 +4277,7 @@
         </p:nvGrpSpPr>
         <p:grpSpPr>
           <a:xfrm>
-            <a:off x="7643495" y="4110941"/>
+            <a:off x="7836580" y="4710717"/>
             <a:ext cx="1989458" cy="1647825"/>
             <a:chOff x="4106542" y="2050795"/>
             <a:chExt cx="1989458" cy="1647825"/>
@@ -4453,12 +4453,950 @@
           </p:pic>
         </p:grpSp>
       </p:grpSp>
+      <p:sp>
+        <p:nvSpPr>
+          <p:cNvPr id="28" name="사각형: 빗면 27">
+            <a:extLst>
+              <a:ext uri="{FF2B5EF4-FFF2-40B4-BE49-F238E27FC236}">
+                <a16:creationId xmlns:a16="http://schemas.microsoft.com/office/drawing/2014/main" id="{22A6311E-3649-42B5-8523-BF52560A5910}"/>
+              </a:ext>
+            </a:extLst>
+          </p:cNvPr>
+          <p:cNvSpPr/>
+          <p:nvPr/>
+        </p:nvSpPr>
+        <p:spPr>
+          <a:xfrm>
+            <a:off x="467105" y="1777712"/>
+            <a:ext cx="1193800" cy="1193800"/>
+          </a:xfrm>
+          <a:prstGeom prst="bevel">
+            <a:avLst>
+              <a:gd name="adj" fmla="val 5357"/>
+            </a:avLst>
+          </a:prstGeom>
+          <a:solidFill>
+            <a:schemeClr val="tx1">
+              <a:lumMod val="50000"/>
+              <a:lumOff val="50000"/>
+            </a:schemeClr>
+          </a:solidFill>
+          <a:effectLst>
+            <a:glow rad="228600">
+              <a:schemeClr val="accent4">
+                <a:satMod val="175000"/>
+                <a:alpha val="40000"/>
+              </a:schemeClr>
+            </a:glow>
+          </a:effectLst>
+        </p:spPr>
+        <p:style>
+          <a:lnRef idx="2">
+            <a:schemeClr val="accent3">
+              <a:shade val="50000"/>
+            </a:schemeClr>
+          </a:lnRef>
+          <a:fillRef idx="1">
+            <a:schemeClr val="accent3"/>
+          </a:fillRef>
+          <a:effectRef idx="0">
+            <a:schemeClr val="accent3"/>
+          </a:effectRef>
+          <a:fontRef idx="minor">
+            <a:schemeClr val="lt1"/>
+          </a:fontRef>
+        </p:style>
+        <p:txBody>
+          <a:bodyPr rtlCol="0" anchor="ctr"/>
+          <a:lstStyle/>
+          <a:p>
+            <a:pPr algn="ctr"/>
+            <a:endParaRPr lang="ko-KR" altLang="en-US"/>
+          </a:p>
+        </p:txBody>
+      </p:sp>
+      <p:sp>
+        <p:nvSpPr>
+          <p:cNvPr id="31" name="사각형: 빗면 30">
+            <a:extLst>
+              <a:ext uri="{FF2B5EF4-FFF2-40B4-BE49-F238E27FC236}">
+                <a16:creationId xmlns:a16="http://schemas.microsoft.com/office/drawing/2014/main" id="{0A53D2E7-940D-40FC-BF17-6CFCA7C71541}"/>
+              </a:ext>
+            </a:extLst>
+          </p:cNvPr>
+          <p:cNvSpPr/>
+          <p:nvPr/>
+        </p:nvSpPr>
+        <p:spPr>
+          <a:xfrm>
+            <a:off x="1840198" y="1777712"/>
+            <a:ext cx="1193800" cy="1193800"/>
+          </a:xfrm>
+          <a:prstGeom prst="bevel">
+            <a:avLst>
+              <a:gd name="adj" fmla="val 5357"/>
+            </a:avLst>
+          </a:prstGeom>
+          <a:solidFill>
+            <a:schemeClr val="tx1">
+              <a:lumMod val="50000"/>
+              <a:lumOff val="50000"/>
+            </a:schemeClr>
+          </a:solidFill>
+        </p:spPr>
+        <p:style>
+          <a:lnRef idx="2">
+            <a:schemeClr val="accent3">
+              <a:shade val="50000"/>
+            </a:schemeClr>
+          </a:lnRef>
+          <a:fillRef idx="1">
+            <a:schemeClr val="accent3"/>
+          </a:fillRef>
+          <a:effectRef idx="0">
+            <a:schemeClr val="accent3"/>
+          </a:effectRef>
+          <a:fontRef idx="minor">
+            <a:schemeClr val="lt1"/>
+          </a:fontRef>
+        </p:style>
+        <p:txBody>
+          <a:bodyPr rtlCol="0" anchor="ctr"/>
+          <a:lstStyle/>
+          <a:p>
+            <a:pPr algn="ctr"/>
+            <a:endParaRPr lang="ko-KR" altLang="en-US"/>
+          </a:p>
+        </p:txBody>
+      </p:sp>
+      <p:sp>
+        <p:nvSpPr>
+          <p:cNvPr id="32" name="사각형: 빗면 31">
+            <a:extLst>
+              <a:ext uri="{FF2B5EF4-FFF2-40B4-BE49-F238E27FC236}">
+                <a16:creationId xmlns:a16="http://schemas.microsoft.com/office/drawing/2014/main" id="{0EDB189A-6CE4-4771-BD0E-E17AC4288191}"/>
+              </a:ext>
+            </a:extLst>
+          </p:cNvPr>
+          <p:cNvSpPr/>
+          <p:nvPr/>
+        </p:nvSpPr>
+        <p:spPr>
+          <a:xfrm>
+            <a:off x="1906567" y="3262551"/>
+            <a:ext cx="1193800" cy="1193800"/>
+          </a:xfrm>
+          <a:prstGeom prst="bevel">
+            <a:avLst>
+              <a:gd name="adj" fmla="val 5357"/>
+            </a:avLst>
+          </a:prstGeom>
+          <a:solidFill>
+            <a:schemeClr val="tx1">
+              <a:lumMod val="50000"/>
+              <a:lumOff val="50000"/>
+            </a:schemeClr>
+          </a:solidFill>
+        </p:spPr>
+        <p:style>
+          <a:lnRef idx="2">
+            <a:schemeClr val="accent3">
+              <a:shade val="50000"/>
+            </a:schemeClr>
+          </a:lnRef>
+          <a:fillRef idx="1">
+            <a:schemeClr val="accent3"/>
+          </a:fillRef>
+          <a:effectRef idx="0">
+            <a:schemeClr val="accent3"/>
+          </a:effectRef>
+          <a:fontRef idx="minor">
+            <a:schemeClr val="lt1"/>
+          </a:fontRef>
+        </p:style>
+        <p:txBody>
+          <a:bodyPr rtlCol="0" anchor="ctr"/>
+          <a:lstStyle/>
+          <a:p>
+            <a:pPr algn="ctr"/>
+            <a:endParaRPr lang="ko-KR" altLang="en-US"/>
+          </a:p>
+        </p:txBody>
+      </p:sp>
+      <p:sp>
+        <p:nvSpPr>
+          <p:cNvPr id="33" name="사각형: 빗면 32">
+            <a:extLst>
+              <a:ext uri="{FF2B5EF4-FFF2-40B4-BE49-F238E27FC236}">
+                <a16:creationId xmlns:a16="http://schemas.microsoft.com/office/drawing/2014/main" id="{2E3159EC-E8AA-4CB2-8E22-16E7DAC965F1}"/>
+              </a:ext>
+            </a:extLst>
+          </p:cNvPr>
+          <p:cNvSpPr/>
+          <p:nvPr/>
+        </p:nvSpPr>
+        <p:spPr>
+          <a:xfrm>
+            <a:off x="413675" y="3254197"/>
+            <a:ext cx="1193800" cy="1193800"/>
+          </a:xfrm>
+          <a:prstGeom prst="bevel">
+            <a:avLst>
+              <a:gd name="adj" fmla="val 5357"/>
+            </a:avLst>
+          </a:prstGeom>
+          <a:solidFill>
+            <a:schemeClr val="tx1">
+              <a:lumMod val="50000"/>
+              <a:lumOff val="50000"/>
+            </a:schemeClr>
+          </a:solidFill>
+        </p:spPr>
+        <p:style>
+          <a:lnRef idx="2">
+            <a:schemeClr val="accent3">
+              <a:shade val="50000"/>
+            </a:schemeClr>
+          </a:lnRef>
+          <a:fillRef idx="1">
+            <a:schemeClr val="accent3"/>
+          </a:fillRef>
+          <a:effectRef idx="0">
+            <a:schemeClr val="accent3"/>
+          </a:effectRef>
+          <a:fontRef idx="minor">
+            <a:schemeClr val="lt1"/>
+          </a:fontRef>
+        </p:style>
+        <p:txBody>
+          <a:bodyPr rtlCol="0" anchor="ctr"/>
+          <a:lstStyle/>
+          <a:p>
+            <a:pPr algn="ctr"/>
+            <a:endParaRPr lang="ko-KR" altLang="en-US"/>
+          </a:p>
+        </p:txBody>
+      </p:sp>
+      <p:sp>
+        <p:nvSpPr>
+          <p:cNvPr id="34" name="사각형: 빗면 33">
+            <a:extLst>
+              <a:ext uri="{FF2B5EF4-FFF2-40B4-BE49-F238E27FC236}">
+                <a16:creationId xmlns:a16="http://schemas.microsoft.com/office/drawing/2014/main" id="{F2E64A0F-DFED-4E9C-B27A-BCE51DE7CD55}"/>
+              </a:ext>
+            </a:extLst>
+          </p:cNvPr>
+          <p:cNvSpPr/>
+          <p:nvPr/>
+        </p:nvSpPr>
+        <p:spPr>
+          <a:xfrm>
+            <a:off x="4628393" y="1800471"/>
+            <a:ext cx="1193800" cy="1193800"/>
+          </a:xfrm>
+          <a:prstGeom prst="bevel">
+            <a:avLst>
+              <a:gd name="adj" fmla="val 5357"/>
+            </a:avLst>
+          </a:prstGeom>
+          <a:solidFill>
+            <a:schemeClr val="tx1">
+              <a:lumMod val="50000"/>
+              <a:lumOff val="50000"/>
+            </a:schemeClr>
+          </a:solidFill>
+        </p:spPr>
+        <p:style>
+          <a:lnRef idx="2">
+            <a:schemeClr val="accent3">
+              <a:shade val="50000"/>
+            </a:schemeClr>
+          </a:lnRef>
+          <a:fillRef idx="1">
+            <a:schemeClr val="accent3"/>
+          </a:fillRef>
+          <a:effectRef idx="0">
+            <a:schemeClr val="accent3"/>
+          </a:effectRef>
+          <a:fontRef idx="minor">
+            <a:schemeClr val="lt1"/>
+          </a:fontRef>
+        </p:style>
+        <p:txBody>
+          <a:bodyPr rtlCol="0" anchor="ctr"/>
+          <a:lstStyle/>
+          <a:p>
+            <a:pPr algn="ctr"/>
+            <a:endParaRPr lang="ko-KR" altLang="en-US"/>
+          </a:p>
+        </p:txBody>
+      </p:sp>
+      <p:sp>
+        <p:nvSpPr>
+          <p:cNvPr id="35" name="사각형: 빗면 34">
+            <a:extLst>
+              <a:ext uri="{FF2B5EF4-FFF2-40B4-BE49-F238E27FC236}">
+                <a16:creationId xmlns:a16="http://schemas.microsoft.com/office/drawing/2014/main" id="{B0D82ED6-CC06-48C7-981F-B523E1C13DD5}"/>
+              </a:ext>
+            </a:extLst>
+          </p:cNvPr>
+          <p:cNvSpPr/>
+          <p:nvPr/>
+        </p:nvSpPr>
+        <p:spPr>
+          <a:xfrm>
+            <a:off x="3209042" y="1800182"/>
+            <a:ext cx="1193800" cy="1193800"/>
+          </a:xfrm>
+          <a:prstGeom prst="bevel">
+            <a:avLst>
+              <a:gd name="adj" fmla="val 5357"/>
+            </a:avLst>
+          </a:prstGeom>
+          <a:solidFill>
+            <a:schemeClr val="tx1">
+              <a:lumMod val="50000"/>
+              <a:lumOff val="50000"/>
+            </a:schemeClr>
+          </a:solidFill>
+        </p:spPr>
+        <p:style>
+          <a:lnRef idx="2">
+            <a:schemeClr val="accent3">
+              <a:shade val="50000"/>
+            </a:schemeClr>
+          </a:lnRef>
+          <a:fillRef idx="1">
+            <a:schemeClr val="accent3"/>
+          </a:fillRef>
+          <a:effectRef idx="0">
+            <a:schemeClr val="accent3"/>
+          </a:effectRef>
+          <a:fontRef idx="minor">
+            <a:schemeClr val="lt1"/>
+          </a:fontRef>
+        </p:style>
+        <p:txBody>
+          <a:bodyPr rtlCol="0" anchor="ctr"/>
+          <a:lstStyle/>
+          <a:p>
+            <a:pPr algn="ctr"/>
+            <a:endParaRPr lang="ko-KR" altLang="en-US"/>
+          </a:p>
+        </p:txBody>
+      </p:sp>
+      <p:sp>
+        <p:nvSpPr>
+          <p:cNvPr id="36" name="사각형: 빗면 35">
+            <a:extLst>
+              <a:ext uri="{FF2B5EF4-FFF2-40B4-BE49-F238E27FC236}">
+                <a16:creationId xmlns:a16="http://schemas.microsoft.com/office/drawing/2014/main" id="{F76642C4-3F46-4419-B6C4-66E7D79F6F99}"/>
+              </a:ext>
+            </a:extLst>
+          </p:cNvPr>
+          <p:cNvSpPr/>
+          <p:nvPr/>
+        </p:nvSpPr>
+        <p:spPr>
+          <a:xfrm>
+            <a:off x="3259941" y="3266095"/>
+            <a:ext cx="1193800" cy="1193800"/>
+          </a:xfrm>
+          <a:prstGeom prst="bevel">
+            <a:avLst>
+              <a:gd name="adj" fmla="val 5357"/>
+            </a:avLst>
+          </a:prstGeom>
+          <a:solidFill>
+            <a:schemeClr val="tx1">
+              <a:lumMod val="50000"/>
+              <a:lumOff val="50000"/>
+            </a:schemeClr>
+          </a:solidFill>
+        </p:spPr>
+        <p:style>
+          <a:lnRef idx="2">
+            <a:schemeClr val="accent3">
+              <a:shade val="50000"/>
+            </a:schemeClr>
+          </a:lnRef>
+          <a:fillRef idx="1">
+            <a:schemeClr val="accent3"/>
+          </a:fillRef>
+          <a:effectRef idx="0">
+            <a:schemeClr val="accent3"/>
+          </a:effectRef>
+          <a:fontRef idx="minor">
+            <a:schemeClr val="lt1"/>
+          </a:fontRef>
+        </p:style>
+        <p:txBody>
+          <a:bodyPr rtlCol="0" anchor="ctr"/>
+          <a:lstStyle/>
+          <a:p>
+            <a:pPr algn="ctr"/>
+            <a:endParaRPr lang="ko-KR" altLang="en-US"/>
+          </a:p>
+        </p:txBody>
+      </p:sp>
+      <p:sp>
+        <p:nvSpPr>
+          <p:cNvPr id="37" name="사각형: 빗면 36">
+            <a:extLst>
+              <a:ext uri="{FF2B5EF4-FFF2-40B4-BE49-F238E27FC236}">
+                <a16:creationId xmlns:a16="http://schemas.microsoft.com/office/drawing/2014/main" id="{8D315A87-4A6C-46CB-928F-6883620D06AC}"/>
+              </a:ext>
+            </a:extLst>
+          </p:cNvPr>
+          <p:cNvSpPr/>
+          <p:nvPr/>
+        </p:nvSpPr>
+        <p:spPr>
+          <a:xfrm>
+            <a:off x="4634237" y="3266095"/>
+            <a:ext cx="1193800" cy="1193800"/>
+          </a:xfrm>
+          <a:prstGeom prst="bevel">
+            <a:avLst>
+              <a:gd name="adj" fmla="val 5357"/>
+            </a:avLst>
+          </a:prstGeom>
+          <a:solidFill>
+            <a:schemeClr val="tx1">
+              <a:lumMod val="50000"/>
+              <a:lumOff val="50000"/>
+            </a:schemeClr>
+          </a:solidFill>
+        </p:spPr>
+        <p:style>
+          <a:lnRef idx="2">
+            <a:schemeClr val="accent3">
+              <a:shade val="50000"/>
+            </a:schemeClr>
+          </a:lnRef>
+          <a:fillRef idx="1">
+            <a:schemeClr val="accent3"/>
+          </a:fillRef>
+          <a:effectRef idx="0">
+            <a:schemeClr val="accent3"/>
+          </a:effectRef>
+          <a:fontRef idx="minor">
+            <a:schemeClr val="lt1"/>
+          </a:fontRef>
+        </p:style>
+        <p:txBody>
+          <a:bodyPr rtlCol="0" anchor="ctr"/>
+          <a:lstStyle/>
+          <a:p>
+            <a:pPr algn="ctr"/>
+            <a:endParaRPr lang="ko-KR" altLang="en-US"/>
+          </a:p>
+        </p:txBody>
+      </p:sp>
+      <p:sp>
+        <p:nvSpPr>
+          <p:cNvPr id="38" name="사각형: 빗면 37">
+            <a:extLst>
+              <a:ext uri="{FF2B5EF4-FFF2-40B4-BE49-F238E27FC236}">
+                <a16:creationId xmlns:a16="http://schemas.microsoft.com/office/drawing/2014/main" id="{94FD8009-CE10-441F-B758-740AD7D1BEE9}"/>
+              </a:ext>
+            </a:extLst>
+          </p:cNvPr>
+          <p:cNvSpPr/>
+          <p:nvPr/>
+        </p:nvSpPr>
+        <p:spPr>
+          <a:xfrm>
+            <a:off x="389939" y="4698685"/>
+            <a:ext cx="1193800" cy="1193800"/>
+          </a:xfrm>
+          <a:prstGeom prst="bevel">
+            <a:avLst>
+              <a:gd name="adj" fmla="val 5357"/>
+            </a:avLst>
+          </a:prstGeom>
+          <a:solidFill>
+            <a:schemeClr val="tx1">
+              <a:lumMod val="50000"/>
+              <a:lumOff val="50000"/>
+            </a:schemeClr>
+          </a:solidFill>
+        </p:spPr>
+        <p:style>
+          <a:lnRef idx="2">
+            <a:schemeClr val="accent3">
+              <a:shade val="50000"/>
+            </a:schemeClr>
+          </a:lnRef>
+          <a:fillRef idx="1">
+            <a:schemeClr val="accent3"/>
+          </a:fillRef>
+          <a:effectRef idx="0">
+            <a:schemeClr val="accent3"/>
+          </a:effectRef>
+          <a:fontRef idx="minor">
+            <a:schemeClr val="lt1"/>
+          </a:fontRef>
+        </p:style>
+        <p:txBody>
+          <a:bodyPr rtlCol="0" anchor="ctr"/>
+          <a:lstStyle/>
+          <a:p>
+            <a:pPr algn="ctr"/>
+            <a:endParaRPr lang="ko-KR" altLang="en-US"/>
+          </a:p>
+        </p:txBody>
+      </p:sp>
+      <p:sp>
+        <p:nvSpPr>
+          <p:cNvPr id="39" name="사각형: 빗면 38">
+            <a:extLst>
+              <a:ext uri="{FF2B5EF4-FFF2-40B4-BE49-F238E27FC236}">
+                <a16:creationId xmlns:a16="http://schemas.microsoft.com/office/drawing/2014/main" id="{7FEF0719-A50D-45F1-B756-BC75A6736562}"/>
+              </a:ext>
+            </a:extLst>
+          </p:cNvPr>
+          <p:cNvSpPr/>
+          <p:nvPr/>
+        </p:nvSpPr>
+        <p:spPr>
+          <a:xfrm>
+            <a:off x="1879744" y="4710717"/>
+            <a:ext cx="1193800" cy="1193800"/>
+          </a:xfrm>
+          <a:prstGeom prst="bevel">
+            <a:avLst>
+              <a:gd name="adj" fmla="val 5357"/>
+            </a:avLst>
+          </a:prstGeom>
+          <a:solidFill>
+            <a:schemeClr val="tx1">
+              <a:lumMod val="50000"/>
+              <a:lumOff val="50000"/>
+            </a:schemeClr>
+          </a:solidFill>
+        </p:spPr>
+        <p:style>
+          <a:lnRef idx="2">
+            <a:schemeClr val="accent3">
+              <a:shade val="50000"/>
+            </a:schemeClr>
+          </a:lnRef>
+          <a:fillRef idx="1">
+            <a:schemeClr val="accent3"/>
+          </a:fillRef>
+          <a:effectRef idx="0">
+            <a:schemeClr val="accent3"/>
+          </a:effectRef>
+          <a:fontRef idx="minor">
+            <a:schemeClr val="lt1"/>
+          </a:fontRef>
+        </p:style>
+        <p:txBody>
+          <a:bodyPr rtlCol="0" anchor="ctr"/>
+          <a:lstStyle/>
+          <a:p>
+            <a:pPr algn="ctr"/>
+            <a:endParaRPr lang="ko-KR" altLang="en-US"/>
+          </a:p>
+        </p:txBody>
+      </p:sp>
+      <p:pic>
+        <p:nvPicPr>
+          <p:cNvPr id="41" name="그래픽 40" descr="링크">
+            <a:extLst>
+              <a:ext uri="{FF2B5EF4-FFF2-40B4-BE49-F238E27FC236}">
+                <a16:creationId xmlns:a16="http://schemas.microsoft.com/office/drawing/2014/main" id="{FE61AE61-81D0-43BA-93D3-B3059AE26709}"/>
+              </a:ext>
+            </a:extLst>
+          </p:cNvPr>
+          <p:cNvPicPr>
+            <a:picLocks noChangeAspect="1"/>
+          </p:cNvPicPr>
+          <p:nvPr/>
+        </p:nvPicPr>
+        <p:blipFill>
+          <a:blip r:embed="rId4">
+            <a:extLst>
+              <a:ext uri="{28A0092B-C50C-407E-A947-70E740481C1C}">
+                <a14:useLocalDpi xmlns:a14="http://schemas.microsoft.com/office/drawing/2010/main" val="0"/>
+              </a:ext>
+              <a:ext uri="{96DAC541-7B7A-43D3-8B79-37D633B846F1}">
+                <asvg:svgBlip xmlns:asvg="http://schemas.microsoft.com/office/drawing/2016/SVG/main" r:embed="rId5"/>
+              </a:ext>
+            </a:extLst>
+          </a:blip>
+          <a:stretch>
+            <a:fillRect/>
+          </a:stretch>
+        </p:blipFill>
+        <p:spPr>
+          <a:xfrm>
+            <a:off x="3335947" y="1972217"/>
+            <a:ext cx="914400" cy="914400"/>
+          </a:xfrm>
+          <a:prstGeom prst="rect">
+            <a:avLst/>
+          </a:prstGeom>
+        </p:spPr>
+      </p:pic>
+      <p:pic>
+        <p:nvPicPr>
+          <p:cNvPr id="42" name="그래픽 41" descr="상향 추세">
+            <a:extLst>
+              <a:ext uri="{FF2B5EF4-FFF2-40B4-BE49-F238E27FC236}">
+                <a16:creationId xmlns:a16="http://schemas.microsoft.com/office/drawing/2014/main" id="{063CA1CD-B865-4D79-B70E-05FEBEC3F68B}"/>
+              </a:ext>
+            </a:extLst>
+          </p:cNvPr>
+          <p:cNvPicPr>
+            <a:picLocks noChangeAspect="1"/>
+          </p:cNvPicPr>
+          <p:nvPr/>
+        </p:nvPicPr>
+        <p:blipFill>
+          <a:blip r:embed="rId6">
+            <a:extLst>
+              <a:ext uri="{28A0092B-C50C-407E-A947-70E740481C1C}">
+                <a14:useLocalDpi xmlns:a14="http://schemas.microsoft.com/office/drawing/2010/main" val="0"/>
+              </a:ext>
+              <a:ext uri="{96DAC541-7B7A-43D3-8B79-37D633B846F1}">
+                <asvg:svgBlip xmlns:asvg="http://schemas.microsoft.com/office/drawing/2016/SVG/main" r:embed="rId7"/>
+              </a:ext>
+            </a:extLst>
+          </a:blip>
+          <a:stretch>
+            <a:fillRect/>
+          </a:stretch>
+        </p:blipFill>
+        <p:spPr>
+          <a:xfrm>
+            <a:off x="4754917" y="1947747"/>
+            <a:ext cx="914400" cy="914400"/>
+          </a:xfrm>
+          <a:prstGeom prst="rect">
+            <a:avLst/>
+          </a:prstGeom>
+        </p:spPr>
+      </p:pic>
+      <p:pic>
+        <p:nvPicPr>
+          <p:cNvPr id="43" name="그래픽 42" descr="톱니바퀴">
+            <a:extLst>
+              <a:ext uri="{FF2B5EF4-FFF2-40B4-BE49-F238E27FC236}">
+                <a16:creationId xmlns:a16="http://schemas.microsoft.com/office/drawing/2014/main" id="{3B18F7B7-021B-4443-ABDD-6F2689950BC4}"/>
+              </a:ext>
+            </a:extLst>
+          </p:cNvPr>
+          <p:cNvPicPr>
+            <a:picLocks noChangeAspect="1"/>
+          </p:cNvPicPr>
+          <p:nvPr/>
+        </p:nvPicPr>
+        <p:blipFill>
+          <a:blip r:embed="rId8">
+            <a:extLst>
+              <a:ext uri="{28A0092B-C50C-407E-A947-70E740481C1C}">
+                <a14:useLocalDpi xmlns:a14="http://schemas.microsoft.com/office/drawing/2010/main" val="0"/>
+              </a:ext>
+              <a:ext uri="{96DAC541-7B7A-43D3-8B79-37D633B846F1}">
+                <asvg:svgBlip xmlns:asvg="http://schemas.microsoft.com/office/drawing/2016/SVG/main" r:embed="rId9"/>
+              </a:ext>
+            </a:extLst>
+          </a:blip>
+          <a:stretch>
+            <a:fillRect/>
+          </a:stretch>
+        </p:blipFill>
+        <p:spPr>
+          <a:xfrm>
+            <a:off x="546931" y="3354999"/>
+            <a:ext cx="914400" cy="914400"/>
+          </a:xfrm>
+          <a:prstGeom prst="rect">
+            <a:avLst/>
+          </a:prstGeom>
+        </p:spPr>
+      </p:pic>
+      <p:pic>
+        <p:nvPicPr>
+          <p:cNvPr id="44" name="그래픽 43" descr="머리와 톱니바퀴">
+            <a:extLst>
+              <a:ext uri="{FF2B5EF4-FFF2-40B4-BE49-F238E27FC236}">
+                <a16:creationId xmlns:a16="http://schemas.microsoft.com/office/drawing/2014/main" id="{517E87FA-7EF6-4A22-8C76-E2BC7BBDF795}"/>
+              </a:ext>
+            </a:extLst>
+          </p:cNvPr>
+          <p:cNvPicPr>
+            <a:picLocks noChangeAspect="1"/>
+          </p:cNvPicPr>
+          <p:nvPr/>
+        </p:nvPicPr>
+        <p:blipFill>
+          <a:blip r:embed="rId10">
+            <a:extLst>
+              <a:ext uri="{28A0092B-C50C-407E-A947-70E740481C1C}">
+                <a14:useLocalDpi xmlns:a14="http://schemas.microsoft.com/office/drawing/2010/main" val="0"/>
+              </a:ext>
+              <a:ext uri="{96DAC541-7B7A-43D3-8B79-37D633B846F1}">
+                <asvg:svgBlip xmlns:asvg="http://schemas.microsoft.com/office/drawing/2016/SVG/main" r:embed="rId11"/>
+              </a:ext>
+            </a:extLst>
+          </a:blip>
+          <a:stretch>
+            <a:fillRect/>
+          </a:stretch>
+        </p:blipFill>
+        <p:spPr>
+          <a:xfrm>
+            <a:off x="3402400" y="3421884"/>
+            <a:ext cx="914400" cy="914400"/>
+          </a:xfrm>
+          <a:prstGeom prst="rect">
+            <a:avLst/>
+          </a:prstGeom>
+        </p:spPr>
+      </p:pic>
+      <p:pic>
+        <p:nvPicPr>
+          <p:cNvPr id="45" name="그래픽 44" descr="바코드">
+            <a:extLst>
+              <a:ext uri="{FF2B5EF4-FFF2-40B4-BE49-F238E27FC236}">
+                <a16:creationId xmlns:a16="http://schemas.microsoft.com/office/drawing/2014/main" id="{E66D79AB-0626-4BB9-B278-45CC41468013}"/>
+              </a:ext>
+            </a:extLst>
+          </p:cNvPr>
+          <p:cNvPicPr>
+            <a:picLocks noChangeAspect="1"/>
+          </p:cNvPicPr>
+          <p:nvPr/>
+        </p:nvPicPr>
+        <p:blipFill>
+          <a:blip r:embed="rId12">
+            <a:extLst>
+              <a:ext uri="{28A0092B-C50C-407E-A947-70E740481C1C}">
+                <a14:useLocalDpi xmlns:a14="http://schemas.microsoft.com/office/drawing/2010/main" val="0"/>
+              </a:ext>
+              <a:ext uri="{96DAC541-7B7A-43D3-8B79-37D633B846F1}">
+                <asvg:svgBlip xmlns:asvg="http://schemas.microsoft.com/office/drawing/2016/SVG/main" r:embed="rId13"/>
+              </a:ext>
+            </a:extLst>
+          </a:blip>
+          <a:stretch>
+            <a:fillRect/>
+          </a:stretch>
+        </p:blipFill>
+        <p:spPr>
+          <a:xfrm>
+            <a:off x="4780736" y="3417827"/>
+            <a:ext cx="914400" cy="914400"/>
+          </a:xfrm>
+          <a:prstGeom prst="rect">
+            <a:avLst/>
+          </a:prstGeom>
+        </p:spPr>
+      </p:pic>
+      <p:pic>
+        <p:nvPicPr>
+          <p:cNvPr id="46" name="그래픽 45" descr="가위">
+            <a:extLst>
+              <a:ext uri="{FF2B5EF4-FFF2-40B4-BE49-F238E27FC236}">
+                <a16:creationId xmlns:a16="http://schemas.microsoft.com/office/drawing/2014/main" id="{EDD57709-E6EB-45C5-ACEC-72FB577D0299}"/>
+              </a:ext>
+            </a:extLst>
+          </p:cNvPr>
+          <p:cNvPicPr>
+            <a:picLocks noChangeAspect="1"/>
+          </p:cNvPicPr>
+          <p:nvPr/>
+        </p:nvPicPr>
+        <p:blipFill>
+          <a:blip r:embed="rId14">
+            <a:extLst>
+              <a:ext uri="{28A0092B-C50C-407E-A947-70E740481C1C}">
+                <a14:useLocalDpi xmlns:a14="http://schemas.microsoft.com/office/drawing/2010/main" val="0"/>
+              </a:ext>
+              <a:ext uri="{96DAC541-7B7A-43D3-8B79-37D633B846F1}">
+                <asvg:svgBlip xmlns:asvg="http://schemas.microsoft.com/office/drawing/2016/SVG/main" r:embed="rId15"/>
+              </a:ext>
+            </a:extLst>
+          </a:blip>
+          <a:stretch>
+            <a:fillRect/>
+          </a:stretch>
+        </p:blipFill>
+        <p:spPr>
+          <a:xfrm>
+            <a:off x="537215" y="4838385"/>
+            <a:ext cx="914400" cy="914400"/>
+          </a:xfrm>
+          <a:prstGeom prst="rect">
+            <a:avLst/>
+          </a:prstGeom>
+        </p:spPr>
+      </p:pic>
+      <p:pic>
+        <p:nvPicPr>
+          <p:cNvPr id="47" name="그래픽 46" descr="태양계">
+            <a:extLst>
+              <a:ext uri="{FF2B5EF4-FFF2-40B4-BE49-F238E27FC236}">
+                <a16:creationId xmlns:a16="http://schemas.microsoft.com/office/drawing/2014/main" id="{E789E988-04B2-4474-84FA-1E9234181847}"/>
+              </a:ext>
+            </a:extLst>
+          </p:cNvPr>
+          <p:cNvPicPr>
+            <a:picLocks noChangeAspect="1"/>
+          </p:cNvPicPr>
+          <p:nvPr/>
+        </p:nvPicPr>
+        <p:blipFill>
+          <a:blip r:embed="rId16">
+            <a:extLst>
+              <a:ext uri="{28A0092B-C50C-407E-A947-70E740481C1C}">
+                <a14:useLocalDpi xmlns:a14="http://schemas.microsoft.com/office/drawing/2010/main" val="0"/>
+              </a:ext>
+              <a:ext uri="{96DAC541-7B7A-43D3-8B79-37D633B846F1}">
+                <asvg:svgBlip xmlns:asvg="http://schemas.microsoft.com/office/drawing/2016/SVG/main" r:embed="rId17"/>
+              </a:ext>
+            </a:extLst>
+          </a:blip>
+          <a:stretch>
+            <a:fillRect/>
+          </a:stretch>
+        </p:blipFill>
+        <p:spPr>
+          <a:xfrm>
+            <a:off x="1989019" y="4850417"/>
+            <a:ext cx="914400" cy="914400"/>
+          </a:xfrm>
+          <a:prstGeom prst="rect">
+            <a:avLst/>
+          </a:prstGeom>
+        </p:spPr>
+      </p:pic>
+      <p:pic>
+        <p:nvPicPr>
+          <p:cNvPr id="48" name="그래픽 47" descr="메달">
+            <a:extLst>
+              <a:ext uri="{FF2B5EF4-FFF2-40B4-BE49-F238E27FC236}">
+                <a16:creationId xmlns:a16="http://schemas.microsoft.com/office/drawing/2014/main" id="{EAB496AE-8FC0-42D8-9950-F2C3452AE7C3}"/>
+              </a:ext>
+            </a:extLst>
+          </p:cNvPr>
+          <p:cNvPicPr>
+            <a:picLocks noChangeAspect="1"/>
+          </p:cNvPicPr>
+          <p:nvPr/>
+        </p:nvPicPr>
+        <p:blipFill>
+          <a:blip r:embed="rId18">
+            <a:extLst>
+              <a:ext uri="{28A0092B-C50C-407E-A947-70E740481C1C}">
+                <a14:useLocalDpi xmlns:a14="http://schemas.microsoft.com/office/drawing/2010/main" val="0"/>
+              </a:ext>
+              <a:ext uri="{96DAC541-7B7A-43D3-8B79-37D633B846F1}">
+                <asvg:svgBlip xmlns:asvg="http://schemas.microsoft.com/office/drawing/2016/SVG/main" r:embed="rId19"/>
+              </a:ext>
+            </a:extLst>
+          </a:blip>
+          <a:stretch>
+            <a:fillRect/>
+          </a:stretch>
+        </p:blipFill>
+        <p:spPr>
+          <a:xfrm>
+            <a:off x="2003424" y="3425537"/>
+            <a:ext cx="914400" cy="914400"/>
+          </a:xfrm>
+          <a:prstGeom prst="rect">
+            <a:avLst/>
+          </a:prstGeom>
+        </p:spPr>
+      </p:pic>
+      <p:pic>
+        <p:nvPicPr>
+          <p:cNvPr id="50" name="그래픽 49" descr="방사능">
+            <a:extLst>
+              <a:ext uri="{FF2B5EF4-FFF2-40B4-BE49-F238E27FC236}">
+                <a16:creationId xmlns:a16="http://schemas.microsoft.com/office/drawing/2014/main" id="{5866C0B6-9F03-422E-8E57-33A744AC6A48}"/>
+              </a:ext>
+            </a:extLst>
+          </p:cNvPr>
+          <p:cNvPicPr>
+            <a:picLocks noChangeAspect="1"/>
+          </p:cNvPicPr>
+          <p:nvPr/>
+        </p:nvPicPr>
+        <p:blipFill>
+          <a:blip r:embed="rId20">
+            <a:extLst>
+              <a:ext uri="{28A0092B-C50C-407E-A947-70E740481C1C}">
+                <a14:useLocalDpi xmlns:a14="http://schemas.microsoft.com/office/drawing/2010/main" val="0"/>
+              </a:ext>
+              <a:ext uri="{96DAC541-7B7A-43D3-8B79-37D633B846F1}">
+                <asvg:svgBlip xmlns:asvg="http://schemas.microsoft.com/office/drawing/2016/SVG/main" r:embed="rId21"/>
+              </a:ext>
+            </a:extLst>
+          </a:blip>
+          <a:stretch>
+            <a:fillRect/>
+          </a:stretch>
+        </p:blipFill>
+        <p:spPr>
+          <a:xfrm>
+            <a:off x="1989019" y="1936488"/>
+            <a:ext cx="914400" cy="914400"/>
+          </a:xfrm>
+          <a:prstGeom prst="rect">
+            <a:avLst/>
+          </a:prstGeom>
+        </p:spPr>
+      </p:pic>
+      <p:pic>
+        <p:nvPicPr>
+          <p:cNvPr id="51" name="그래픽 50" descr="눈꽃">
+            <a:extLst>
+              <a:ext uri="{FF2B5EF4-FFF2-40B4-BE49-F238E27FC236}">
+                <a16:creationId xmlns:a16="http://schemas.microsoft.com/office/drawing/2014/main" id="{5EA8FBC2-5320-4949-993D-FBCB87E4F816}"/>
+              </a:ext>
+            </a:extLst>
+          </p:cNvPr>
+          <p:cNvPicPr>
+            <a:picLocks noChangeAspect="1"/>
+          </p:cNvPicPr>
+          <p:nvPr/>
+        </p:nvPicPr>
+        <p:blipFill>
+          <a:blip r:embed="rId22">
+            <a:extLst>
+              <a:ext uri="{28A0092B-C50C-407E-A947-70E740481C1C}">
+                <a14:useLocalDpi xmlns:a14="http://schemas.microsoft.com/office/drawing/2010/main" val="0"/>
+              </a:ext>
+              <a:ext uri="{96DAC541-7B7A-43D3-8B79-37D633B846F1}">
+                <asvg:svgBlip xmlns:asvg="http://schemas.microsoft.com/office/drawing/2016/SVG/main" r:embed="rId23"/>
+              </a:ext>
+            </a:extLst>
+          </a:blip>
+          <a:stretch>
+            <a:fillRect/>
+          </a:stretch>
+        </p:blipFill>
+        <p:spPr>
+          <a:xfrm>
+            <a:off x="610525" y="1917412"/>
+            <a:ext cx="914400" cy="914400"/>
+          </a:xfrm>
+          <a:prstGeom prst="rect">
+            <a:avLst/>
+          </a:prstGeom>
+        </p:spPr>
+      </p:pic>
       <p:grpSp>
         <p:nvGrpSpPr>
-          <p:cNvPr id="25" name="그룹 24">
-            <a:extLst>
-              <a:ext uri="{FF2B5EF4-FFF2-40B4-BE49-F238E27FC236}">
-                <a16:creationId xmlns:a16="http://schemas.microsoft.com/office/drawing/2014/main" id="{6805D1D3-24CB-4432-B8B4-F1ADA4835FD1}"/>
+          <p:cNvPr id="52" name="그룹 51">
+            <a:extLst>
+              <a:ext uri="{FF2B5EF4-FFF2-40B4-BE49-F238E27FC236}">
+                <a16:creationId xmlns:a16="http://schemas.microsoft.com/office/drawing/2014/main" id="{8326DB77-47A5-477C-976A-FE9D810E7158}"/>
               </a:ext>
             </a:extLst>
           </p:cNvPr>
@@ -4467,18 +5405,18 @@
         </p:nvGrpSpPr>
         <p:grpSpPr>
           <a:xfrm>
-            <a:off x="429347" y="1397563"/>
-            <a:ext cx="5238750" cy="4361202"/>
-            <a:chOff x="6391436" y="1066560"/>
-            <a:chExt cx="5238750" cy="4361202"/>
+            <a:off x="4661650" y="366051"/>
+            <a:ext cx="7530350" cy="1647825"/>
+            <a:chOff x="307974" y="371472"/>
+            <a:chExt cx="9636191" cy="1647825"/>
           </a:xfrm>
         </p:grpSpPr>
         <p:sp>
           <p:nvSpPr>
-            <p:cNvPr id="13" name="직사각형 12">
+            <p:cNvPr id="53" name="평행 사변형 52">
               <a:extLst>
                 <a:ext uri="{FF2B5EF4-FFF2-40B4-BE49-F238E27FC236}">
-                  <a16:creationId xmlns:a16="http://schemas.microsoft.com/office/drawing/2014/main" id="{7C16ADAB-54DC-4ADD-924C-147109C887B3}"/>
+                  <a16:creationId xmlns:a16="http://schemas.microsoft.com/office/drawing/2014/main" id="{ED529CC9-DB5E-45D8-B213-7A4C9CC09704}"/>
                 </a:ext>
               </a:extLst>
             </p:cNvPr>
@@ -4486,13 +5424,18 @@
             <p:nvPr/>
           </p:nvSpPr>
           <p:spPr>
-            <a:xfrm>
-              <a:off x="6915537" y="1066560"/>
-              <a:ext cx="4126231" cy="4361202"/>
+            <a:xfrm flipV="1">
+              <a:off x="307974" y="371472"/>
+              <a:ext cx="9636191" cy="1647825"/>
             </a:xfrm>
-            <a:prstGeom prst="rect">
-              <a:avLst/>
+            <a:prstGeom prst="parallelogram">
+              <a:avLst>
+                <a:gd name="adj" fmla="val 114041"/>
+              </a:avLst>
             </a:prstGeom>
+            <a:ln>
+              <a:noFill/>
+            </a:ln>
           </p:spPr>
           <p:style>
             <a:lnRef idx="2">
@@ -4519,382 +5462,12 @@
             </a:p>
           </p:txBody>
         </p:sp>
-        <p:grpSp>
-          <p:nvGrpSpPr>
-            <p:cNvPr id="14" name="그룹 13">
+        <p:sp>
+          <p:nvSpPr>
+            <p:cNvPr id="54" name="직사각형 53">
               <a:extLst>
                 <a:ext uri="{FF2B5EF4-FFF2-40B4-BE49-F238E27FC236}">
-                  <a16:creationId xmlns:a16="http://schemas.microsoft.com/office/drawing/2014/main" id="{5A8E07F9-D2C0-467F-86D1-2227E92FFF81}"/>
-                </a:ext>
-              </a:extLst>
-            </p:cNvPr>
-            <p:cNvGrpSpPr/>
-            <p:nvPr/>
-          </p:nvGrpSpPr>
-          <p:grpSpPr>
-            <a:xfrm>
-              <a:off x="6391436" y="2584386"/>
-              <a:ext cx="5238750" cy="323851"/>
-              <a:chOff x="1044607" y="3814762"/>
-              <a:chExt cx="5996021" cy="323851"/>
-            </a:xfrm>
-          </p:grpSpPr>
-          <p:grpSp>
-            <p:nvGrpSpPr>
-              <p:cNvPr id="15" name="그룹 14">
-                <a:extLst>
-                  <a:ext uri="{FF2B5EF4-FFF2-40B4-BE49-F238E27FC236}">
-                    <a16:creationId xmlns:a16="http://schemas.microsoft.com/office/drawing/2014/main" id="{862E29AC-6648-410B-813E-54F82ADE51F7}"/>
-                  </a:ext>
-                </a:extLst>
-              </p:cNvPr>
-              <p:cNvGrpSpPr/>
-              <p:nvPr/>
-            </p:nvGrpSpPr>
-            <p:grpSpPr>
-              <a:xfrm>
-                <a:off x="1044607" y="3814762"/>
-                <a:ext cx="352528" cy="323851"/>
-                <a:chOff x="1044607" y="3814762"/>
-                <a:chExt cx="352528" cy="323851"/>
-              </a:xfrm>
-            </p:grpSpPr>
-            <p:sp>
-              <p:nvSpPr>
-                <p:cNvPr id="19" name="이등변 삼각형 18">
-                  <a:extLst>
-                    <a:ext uri="{FF2B5EF4-FFF2-40B4-BE49-F238E27FC236}">
-                      <a16:creationId xmlns:a16="http://schemas.microsoft.com/office/drawing/2014/main" id="{AA28CBBF-0861-45BB-9659-2745EBB238BB}"/>
-                    </a:ext>
-                  </a:extLst>
-                </p:cNvPr>
-                <p:cNvSpPr/>
-                <p:nvPr/>
-              </p:nvSpPr>
-              <p:spPr>
-                <a:xfrm rot="16200000">
-                  <a:off x="1018415" y="3840955"/>
-                  <a:ext cx="323850" cy="271465"/>
-                </a:xfrm>
-                <a:prstGeom prst="triangle">
-                  <a:avLst/>
-                </a:prstGeom>
-              </p:spPr>
-              <p:style>
-                <a:lnRef idx="2">
-                  <a:schemeClr val="accent1">
-                    <a:shade val="50000"/>
-                  </a:schemeClr>
-                </a:lnRef>
-                <a:fillRef idx="1">
-                  <a:schemeClr val="accent1"/>
-                </a:fillRef>
-                <a:effectRef idx="0">
-                  <a:schemeClr val="accent1"/>
-                </a:effectRef>
-                <a:fontRef idx="minor">
-                  <a:schemeClr val="lt1"/>
-                </a:fontRef>
-              </p:style>
-              <p:txBody>
-                <a:bodyPr rtlCol="0" anchor="ctr"/>
-                <a:lstStyle/>
-                <a:p>
-                  <a:pPr algn="ctr"/>
-                  <a:endParaRPr lang="ko-KR" altLang="en-US"/>
-                </a:p>
-              </p:txBody>
-            </p:sp>
-            <p:sp>
-              <p:nvSpPr>
-                <p:cNvPr id="20" name="직사각형 19">
-                  <a:extLst>
-                    <a:ext uri="{FF2B5EF4-FFF2-40B4-BE49-F238E27FC236}">
-                      <a16:creationId xmlns:a16="http://schemas.microsoft.com/office/drawing/2014/main" id="{8087D248-38B9-453C-B4CC-F28603CBA0A6}"/>
-                    </a:ext>
-                  </a:extLst>
-                </p:cNvPr>
-                <p:cNvSpPr/>
-                <p:nvPr/>
-              </p:nvSpPr>
-              <p:spPr>
-                <a:xfrm>
-                  <a:off x="1351416" y="3814762"/>
-                  <a:ext cx="45719" cy="323851"/>
-                </a:xfrm>
-                <a:prstGeom prst="rect">
-                  <a:avLst/>
-                </a:prstGeom>
-              </p:spPr>
-              <p:style>
-                <a:lnRef idx="2">
-                  <a:schemeClr val="accent1">
-                    <a:shade val="50000"/>
-                  </a:schemeClr>
-                </a:lnRef>
-                <a:fillRef idx="1">
-                  <a:schemeClr val="accent1"/>
-                </a:fillRef>
-                <a:effectRef idx="0">
-                  <a:schemeClr val="accent1"/>
-                </a:effectRef>
-                <a:fontRef idx="minor">
-                  <a:schemeClr val="lt1"/>
-                </a:fontRef>
-              </p:style>
-              <p:txBody>
-                <a:bodyPr rtlCol="0" anchor="ctr"/>
-                <a:lstStyle/>
-                <a:p>
-                  <a:pPr algn="ctr"/>
-                  <a:endParaRPr lang="ko-KR" altLang="en-US"/>
-                </a:p>
-              </p:txBody>
-            </p:sp>
-          </p:grpSp>
-          <p:grpSp>
-            <p:nvGrpSpPr>
-              <p:cNvPr id="16" name="그룹 15">
-                <a:extLst>
-                  <a:ext uri="{FF2B5EF4-FFF2-40B4-BE49-F238E27FC236}">
-                    <a16:creationId xmlns:a16="http://schemas.microsoft.com/office/drawing/2014/main" id="{1136A182-767C-42B3-87FD-DA5934146A82}"/>
-                  </a:ext>
-                </a:extLst>
-              </p:cNvPr>
-              <p:cNvGrpSpPr/>
-              <p:nvPr/>
-            </p:nvGrpSpPr>
-            <p:grpSpPr>
-              <a:xfrm flipH="1">
-                <a:off x="6735624" y="3814762"/>
-                <a:ext cx="305004" cy="323851"/>
-                <a:chOff x="1044607" y="3814762"/>
-                <a:chExt cx="352528" cy="323851"/>
-              </a:xfrm>
-            </p:grpSpPr>
-            <p:sp>
-              <p:nvSpPr>
-                <p:cNvPr id="17" name="이등변 삼각형 16">
-                  <a:extLst>
-                    <a:ext uri="{FF2B5EF4-FFF2-40B4-BE49-F238E27FC236}">
-                      <a16:creationId xmlns:a16="http://schemas.microsoft.com/office/drawing/2014/main" id="{2A772FF7-F486-4D59-A818-B9E449FA6FE3}"/>
-                    </a:ext>
-                  </a:extLst>
-                </p:cNvPr>
-                <p:cNvSpPr/>
-                <p:nvPr/>
-              </p:nvSpPr>
-              <p:spPr>
-                <a:xfrm rot="16200000">
-                  <a:off x="1018415" y="3840955"/>
-                  <a:ext cx="323850" cy="271465"/>
-                </a:xfrm>
-                <a:prstGeom prst="triangle">
-                  <a:avLst/>
-                </a:prstGeom>
-              </p:spPr>
-              <p:style>
-                <a:lnRef idx="2">
-                  <a:schemeClr val="accent1">
-                    <a:shade val="50000"/>
-                  </a:schemeClr>
-                </a:lnRef>
-                <a:fillRef idx="1">
-                  <a:schemeClr val="accent1"/>
-                </a:fillRef>
-                <a:effectRef idx="0">
-                  <a:schemeClr val="accent1"/>
-                </a:effectRef>
-                <a:fontRef idx="minor">
-                  <a:schemeClr val="lt1"/>
-                </a:fontRef>
-              </p:style>
-              <p:txBody>
-                <a:bodyPr rtlCol="0" anchor="ctr"/>
-                <a:lstStyle/>
-                <a:p>
-                  <a:pPr algn="ctr"/>
-                  <a:endParaRPr lang="ko-KR" altLang="en-US"/>
-                </a:p>
-              </p:txBody>
-            </p:sp>
-            <p:sp>
-              <p:nvSpPr>
-                <p:cNvPr id="18" name="직사각형 17">
-                  <a:extLst>
-                    <a:ext uri="{FF2B5EF4-FFF2-40B4-BE49-F238E27FC236}">
-                      <a16:creationId xmlns:a16="http://schemas.microsoft.com/office/drawing/2014/main" id="{29DDEAB3-7F53-451C-B526-AF849AD15C5C}"/>
-                    </a:ext>
-                  </a:extLst>
-                </p:cNvPr>
-                <p:cNvSpPr/>
-                <p:nvPr/>
-              </p:nvSpPr>
-              <p:spPr>
-                <a:xfrm>
-                  <a:off x="1351416" y="3814762"/>
-                  <a:ext cx="45719" cy="323851"/>
-                </a:xfrm>
-                <a:prstGeom prst="rect">
-                  <a:avLst/>
-                </a:prstGeom>
-              </p:spPr>
-              <p:style>
-                <a:lnRef idx="2">
-                  <a:schemeClr val="accent1">
-                    <a:shade val="50000"/>
-                  </a:schemeClr>
-                </a:lnRef>
-                <a:fillRef idx="1">
-                  <a:schemeClr val="accent1"/>
-                </a:fillRef>
-                <a:effectRef idx="0">
-                  <a:schemeClr val="accent1"/>
-                </a:effectRef>
-                <a:fontRef idx="minor">
-                  <a:schemeClr val="lt1"/>
-                </a:fontRef>
-              </p:style>
-              <p:txBody>
-                <a:bodyPr rtlCol="0" anchor="ctr"/>
-                <a:lstStyle/>
-                <a:p>
-                  <a:pPr algn="ctr"/>
-                  <a:endParaRPr lang="ko-KR" altLang="en-US"/>
-                </a:p>
-              </p:txBody>
-            </p:sp>
-          </p:grpSp>
-        </p:grpSp>
-        <p:grpSp>
-          <p:nvGrpSpPr>
-            <p:cNvPr id="21" name="그룹 20">
-              <a:extLst>
-                <a:ext uri="{FF2B5EF4-FFF2-40B4-BE49-F238E27FC236}">
-                  <a16:creationId xmlns:a16="http://schemas.microsoft.com/office/drawing/2014/main" id="{0D85E80C-FD48-4498-AC5A-4F172333A451}"/>
-                </a:ext>
-              </a:extLst>
-            </p:cNvPr>
-            <p:cNvGrpSpPr/>
-            <p:nvPr/>
-          </p:nvGrpSpPr>
-          <p:grpSpPr>
-            <a:xfrm>
-              <a:off x="7198576" y="1459845"/>
-              <a:ext cx="1193800" cy="1193800"/>
-              <a:chOff x="7886635" y="168275"/>
-              <a:chExt cx="838200" cy="838200"/>
-            </a:xfrm>
-          </p:grpSpPr>
-          <p:sp>
-            <p:nvSpPr>
-              <p:cNvPr id="22" name="사각형: 빗면 21">
-                <a:extLst>
-                  <a:ext uri="{FF2B5EF4-FFF2-40B4-BE49-F238E27FC236}">
-                    <a16:creationId xmlns:a16="http://schemas.microsoft.com/office/drawing/2014/main" id="{CA1668C3-3AFE-466A-9BA7-6C93ED9EC260}"/>
-                  </a:ext>
-                </a:extLst>
-              </p:cNvPr>
-              <p:cNvSpPr/>
-              <p:nvPr/>
-            </p:nvSpPr>
-            <p:spPr>
-              <a:xfrm>
-                <a:off x="7886635" y="168275"/>
-                <a:ext cx="838200" cy="838200"/>
-              </a:xfrm>
-              <a:prstGeom prst="bevel">
-                <a:avLst>
-                  <a:gd name="adj" fmla="val 5357"/>
-                </a:avLst>
-              </a:prstGeom>
-              <a:solidFill>
-                <a:schemeClr val="tx1">
-                  <a:lumMod val="50000"/>
-                  <a:lumOff val="50000"/>
-                </a:schemeClr>
-              </a:solidFill>
-            </p:spPr>
-            <p:style>
-              <a:lnRef idx="2">
-                <a:schemeClr val="accent3">
-                  <a:shade val="50000"/>
-                </a:schemeClr>
-              </a:lnRef>
-              <a:fillRef idx="1">
-                <a:schemeClr val="accent3"/>
-              </a:fillRef>
-              <a:effectRef idx="0">
-                <a:schemeClr val="accent3"/>
-              </a:effectRef>
-              <a:fontRef idx="minor">
-                <a:schemeClr val="lt1"/>
-              </a:fontRef>
-            </p:style>
-            <p:txBody>
-              <a:bodyPr rtlCol="0" anchor="ctr"/>
-              <a:lstStyle/>
-              <a:p>
-                <a:pPr algn="ctr"/>
-                <a:endParaRPr lang="ko-KR" altLang="en-US"/>
-              </a:p>
-            </p:txBody>
-          </p:sp>
-          <p:pic>
-            <p:nvPicPr>
-              <p:cNvPr id="23" name="그림 22">
-                <a:extLst>
-                  <a:ext uri="{FF2B5EF4-FFF2-40B4-BE49-F238E27FC236}">
-                    <a16:creationId xmlns:a16="http://schemas.microsoft.com/office/drawing/2014/main" id="{F7F3480E-98BB-4AB1-BC0C-8F16DCEF55B5}"/>
-                  </a:ext>
-                </a:extLst>
-              </p:cNvPr>
-              <p:cNvPicPr>
-                <a:picLocks noChangeAspect="1"/>
-              </p:cNvPicPr>
-              <p:nvPr/>
-            </p:nvPicPr>
-            <p:blipFill>
-              <a:blip r:embed="rId2">
-                <a:extLst>
-                  <a:ext uri="{BEBA8EAE-BF5A-486C-A8C5-ECC9F3942E4B}">
-                    <a14:imgProps xmlns:a14="http://schemas.microsoft.com/office/drawing/2010/main">
-                      <a14:imgLayer r:embed="rId3">
-                        <a14:imgEffect>
-                          <a14:backgroundRemoval t="10000" b="90000" l="10000" r="90000">
-                            <a14:foregroundMark x1="25000" y1="61719" x2="25000" y2="61719"/>
-                            <a14:foregroundMark x1="60938" y1="76563" x2="60938" y2="76563"/>
-                          </a14:backgroundRemoval>
-                        </a14:imgEffect>
-                      </a14:imgLayer>
-                    </a14:imgProps>
-                  </a:ext>
-                  <a:ext uri="{28A0092B-C50C-407E-A947-70E740481C1C}">
-                    <a14:useLocalDpi xmlns:a14="http://schemas.microsoft.com/office/drawing/2010/main" val="0"/>
-                  </a:ext>
-                </a:extLst>
-              </a:blip>
-              <a:stretch>
-                <a:fillRect/>
-              </a:stretch>
-            </p:blipFill>
-            <p:spPr>
-              <a:xfrm>
-                <a:off x="8094069" y="375708"/>
-                <a:ext cx="423333" cy="423333"/>
-              </a:xfrm>
-              <a:prstGeom prst="rect">
-                <a:avLst/>
-              </a:prstGeom>
-            </p:spPr>
-          </p:pic>
-        </p:grpSp>
-        <p:sp>
-          <p:nvSpPr>
-            <p:cNvPr id="24" name="직사각형 23">
-              <a:extLst>
-                <a:ext uri="{FF2B5EF4-FFF2-40B4-BE49-F238E27FC236}">
-                  <a16:creationId xmlns:a16="http://schemas.microsoft.com/office/drawing/2014/main" id="{F1FE4D22-E9AC-49E0-A17A-158BB2100153}"/>
+                  <a16:creationId xmlns:a16="http://schemas.microsoft.com/office/drawing/2014/main" id="{BCFCF666-EF96-4B1B-A48F-AFF5EC921CDD}"/>
                 </a:ext>
               </a:extLst>
             </p:cNvPr>
@@ -4903,24 +5476,27 @@
           </p:nvSpPr>
           <p:spPr>
             <a:xfrm>
-              <a:off x="7198576" y="2809813"/>
-              <a:ext cx="3624470" cy="2442490"/>
+              <a:off x="7527168" y="371472"/>
+              <a:ext cx="2416997" cy="1647824"/>
             </a:xfrm>
             <a:prstGeom prst="rect">
               <a:avLst/>
             </a:prstGeom>
+            <a:ln>
+              <a:noFill/>
+            </a:ln>
           </p:spPr>
           <p:style>
             <a:lnRef idx="2">
-              <a:schemeClr val="accent6">
+              <a:schemeClr val="accent1">
                 <a:shade val="50000"/>
               </a:schemeClr>
             </a:lnRef>
             <a:fillRef idx="1">
-              <a:schemeClr val="accent6"/>
+              <a:schemeClr val="accent1"/>
             </a:fillRef>
             <a:effectRef idx="0">
-              <a:schemeClr val="accent6"/>
+              <a:schemeClr val="accent1"/>
             </a:effectRef>
             <a:fontRef idx="minor">
               <a:schemeClr val="lt1"/>
@@ -4936,10 +5512,990 @@
           </p:txBody>
         </p:sp>
       </p:grpSp>
+      <p:sp>
+        <p:nvSpPr>
+          <p:cNvPr id="55" name="사각형: 빗면 54">
+            <a:extLst>
+              <a:ext uri="{FF2B5EF4-FFF2-40B4-BE49-F238E27FC236}">
+                <a16:creationId xmlns:a16="http://schemas.microsoft.com/office/drawing/2014/main" id="{8F0B0D27-EAC0-4CDB-8884-E82FE2B301CE}"/>
+              </a:ext>
+            </a:extLst>
+          </p:cNvPr>
+          <p:cNvSpPr/>
+          <p:nvPr/>
+        </p:nvSpPr>
+        <p:spPr>
+          <a:xfrm>
+            <a:off x="6503602" y="563276"/>
+            <a:ext cx="1193800" cy="1193800"/>
+          </a:xfrm>
+          <a:prstGeom prst="bevel">
+            <a:avLst>
+              <a:gd name="adj" fmla="val 5357"/>
+            </a:avLst>
+          </a:prstGeom>
+          <a:solidFill>
+            <a:schemeClr val="tx1">
+              <a:lumMod val="50000"/>
+              <a:lumOff val="50000"/>
+            </a:schemeClr>
+          </a:solidFill>
+        </p:spPr>
+        <p:style>
+          <a:lnRef idx="2">
+            <a:schemeClr val="accent3">
+              <a:shade val="50000"/>
+            </a:schemeClr>
+          </a:lnRef>
+          <a:fillRef idx="1">
+            <a:schemeClr val="accent3"/>
+          </a:fillRef>
+          <a:effectRef idx="0">
+            <a:schemeClr val="accent3"/>
+          </a:effectRef>
+          <a:fontRef idx="minor">
+            <a:schemeClr val="lt1"/>
+          </a:fontRef>
+        </p:style>
+        <p:txBody>
+          <a:bodyPr rtlCol="0" anchor="ctr"/>
+          <a:lstStyle/>
+          <a:p>
+            <a:pPr algn="ctr"/>
+            <a:endParaRPr lang="ko-KR" altLang="en-US"/>
+          </a:p>
+        </p:txBody>
+      </p:sp>
+      <p:grpSp>
+        <p:nvGrpSpPr>
+          <p:cNvPr id="56" name="그룹 55">
+            <a:extLst>
+              <a:ext uri="{FF2B5EF4-FFF2-40B4-BE49-F238E27FC236}">
+                <a16:creationId xmlns:a16="http://schemas.microsoft.com/office/drawing/2014/main" id="{E1EC41B9-8638-43AC-9848-87A52A0D1FD3}"/>
+              </a:ext>
+            </a:extLst>
+          </p:cNvPr>
+          <p:cNvGrpSpPr/>
+          <p:nvPr/>
+        </p:nvGrpSpPr>
+        <p:grpSpPr>
+          <a:xfrm>
+            <a:off x="7932352" y="583912"/>
+            <a:ext cx="1193800" cy="1193800"/>
+            <a:chOff x="7886635" y="168275"/>
+            <a:chExt cx="838200" cy="838200"/>
+          </a:xfrm>
+        </p:grpSpPr>
+        <p:sp>
+          <p:nvSpPr>
+            <p:cNvPr id="57" name="사각형: 빗면 56">
+              <a:extLst>
+                <a:ext uri="{FF2B5EF4-FFF2-40B4-BE49-F238E27FC236}">
+                  <a16:creationId xmlns:a16="http://schemas.microsoft.com/office/drawing/2014/main" id="{674EEDCB-4E46-483A-B0B3-D49876A1F118}"/>
+                </a:ext>
+              </a:extLst>
+            </p:cNvPr>
+            <p:cNvSpPr/>
+            <p:nvPr/>
+          </p:nvSpPr>
+          <p:spPr>
+            <a:xfrm>
+              <a:off x="7886635" y="168275"/>
+              <a:ext cx="838200" cy="838200"/>
+            </a:xfrm>
+            <a:prstGeom prst="bevel">
+              <a:avLst>
+                <a:gd name="adj" fmla="val 5357"/>
+              </a:avLst>
+            </a:prstGeom>
+            <a:solidFill>
+              <a:schemeClr val="tx1">
+                <a:lumMod val="50000"/>
+                <a:lumOff val="50000"/>
+              </a:schemeClr>
+            </a:solidFill>
+          </p:spPr>
+          <p:style>
+            <a:lnRef idx="2">
+              <a:schemeClr val="accent3">
+                <a:shade val="50000"/>
+              </a:schemeClr>
+            </a:lnRef>
+            <a:fillRef idx="1">
+              <a:schemeClr val="accent3"/>
+            </a:fillRef>
+            <a:effectRef idx="0">
+              <a:schemeClr val="accent3"/>
+            </a:effectRef>
+            <a:fontRef idx="minor">
+              <a:schemeClr val="lt1"/>
+            </a:fontRef>
+          </p:style>
+          <p:txBody>
+            <a:bodyPr rtlCol="0" anchor="ctr"/>
+            <a:lstStyle/>
+            <a:p>
+              <a:pPr algn="ctr"/>
+              <a:endParaRPr lang="ko-KR" altLang="en-US"/>
+            </a:p>
+          </p:txBody>
+        </p:sp>
+        <p:pic>
+          <p:nvPicPr>
+            <p:cNvPr id="58" name="그림 57">
+              <a:extLst>
+                <a:ext uri="{FF2B5EF4-FFF2-40B4-BE49-F238E27FC236}">
+                  <a16:creationId xmlns:a16="http://schemas.microsoft.com/office/drawing/2014/main" id="{C80B0C8B-C65E-4B97-885B-0BA8B6AC08B5}"/>
+                </a:ext>
+              </a:extLst>
+            </p:cNvPr>
+            <p:cNvPicPr>
+              <a:picLocks noChangeAspect="1"/>
+            </p:cNvPicPr>
+            <p:nvPr/>
+          </p:nvPicPr>
+          <p:blipFill>
+            <a:blip r:embed="rId2">
+              <a:extLst>
+                <a:ext uri="{BEBA8EAE-BF5A-486C-A8C5-ECC9F3942E4B}">
+                  <a14:imgProps xmlns:a14="http://schemas.microsoft.com/office/drawing/2010/main">
+                    <a14:imgLayer r:embed="rId3">
+                      <a14:imgEffect>
+                        <a14:backgroundRemoval t="10000" b="90000" l="10000" r="90000">
+                          <a14:foregroundMark x1="25000" y1="61719" x2="25000" y2="61719"/>
+                          <a14:foregroundMark x1="60938" y1="76563" x2="60938" y2="76563"/>
+                        </a14:backgroundRemoval>
+                      </a14:imgEffect>
+                    </a14:imgLayer>
+                  </a14:imgProps>
+                </a:ext>
+                <a:ext uri="{28A0092B-C50C-407E-A947-70E740481C1C}">
+                  <a14:useLocalDpi xmlns:a14="http://schemas.microsoft.com/office/drawing/2010/main" val="0"/>
+                </a:ext>
+              </a:extLst>
+            </a:blip>
+            <a:stretch>
+              <a:fillRect/>
+            </a:stretch>
+          </p:blipFill>
+          <p:spPr>
+            <a:xfrm>
+              <a:off x="8094069" y="375708"/>
+              <a:ext cx="423333" cy="423333"/>
+            </a:xfrm>
+            <a:prstGeom prst="rect">
+              <a:avLst/>
+            </a:prstGeom>
+          </p:spPr>
+        </p:pic>
+      </p:grpSp>
+      <p:grpSp>
+        <p:nvGrpSpPr>
+          <p:cNvPr id="59" name="그룹 58">
+            <a:extLst>
+              <a:ext uri="{FF2B5EF4-FFF2-40B4-BE49-F238E27FC236}">
+                <a16:creationId xmlns:a16="http://schemas.microsoft.com/office/drawing/2014/main" id="{6A2E993B-5F25-4E3B-BEEC-169F5D20D915}"/>
+              </a:ext>
+            </a:extLst>
+          </p:cNvPr>
+          <p:cNvGrpSpPr/>
+          <p:nvPr/>
+        </p:nvGrpSpPr>
+        <p:grpSpPr>
+          <a:xfrm>
+            <a:off x="9342052" y="563275"/>
+            <a:ext cx="1193800" cy="1193800"/>
+            <a:chOff x="7886635" y="168275"/>
+            <a:chExt cx="838200" cy="838200"/>
+          </a:xfrm>
+        </p:grpSpPr>
+        <p:sp>
+          <p:nvSpPr>
+            <p:cNvPr id="60" name="사각형: 빗면 59">
+              <a:extLst>
+                <a:ext uri="{FF2B5EF4-FFF2-40B4-BE49-F238E27FC236}">
+                  <a16:creationId xmlns:a16="http://schemas.microsoft.com/office/drawing/2014/main" id="{6FA356AB-22E7-4AD9-8602-5E66B0B71711}"/>
+                </a:ext>
+              </a:extLst>
+            </p:cNvPr>
+            <p:cNvSpPr/>
+            <p:nvPr/>
+          </p:nvSpPr>
+          <p:spPr>
+            <a:xfrm>
+              <a:off x="7886635" y="168275"/>
+              <a:ext cx="838200" cy="838200"/>
+            </a:xfrm>
+            <a:prstGeom prst="bevel">
+              <a:avLst>
+                <a:gd name="adj" fmla="val 5357"/>
+              </a:avLst>
+            </a:prstGeom>
+            <a:solidFill>
+              <a:schemeClr val="tx1">
+                <a:lumMod val="50000"/>
+                <a:lumOff val="50000"/>
+              </a:schemeClr>
+            </a:solidFill>
+          </p:spPr>
+          <p:style>
+            <a:lnRef idx="2">
+              <a:schemeClr val="accent3">
+                <a:shade val="50000"/>
+              </a:schemeClr>
+            </a:lnRef>
+            <a:fillRef idx="1">
+              <a:schemeClr val="accent3"/>
+            </a:fillRef>
+            <a:effectRef idx="0">
+              <a:schemeClr val="accent3"/>
+            </a:effectRef>
+            <a:fontRef idx="minor">
+              <a:schemeClr val="lt1"/>
+            </a:fontRef>
+          </p:style>
+          <p:txBody>
+            <a:bodyPr rtlCol="0" anchor="ctr"/>
+            <a:lstStyle/>
+            <a:p>
+              <a:pPr algn="ctr"/>
+              <a:endParaRPr lang="ko-KR" altLang="en-US"/>
+            </a:p>
+          </p:txBody>
+        </p:sp>
+        <p:pic>
+          <p:nvPicPr>
+            <p:cNvPr id="61" name="그림 60">
+              <a:extLst>
+                <a:ext uri="{FF2B5EF4-FFF2-40B4-BE49-F238E27FC236}">
+                  <a16:creationId xmlns:a16="http://schemas.microsoft.com/office/drawing/2014/main" id="{2A951D99-219F-4E40-A647-402625FC5F10}"/>
+                </a:ext>
+              </a:extLst>
+            </p:cNvPr>
+            <p:cNvPicPr>
+              <a:picLocks noChangeAspect="1"/>
+            </p:cNvPicPr>
+            <p:nvPr/>
+          </p:nvPicPr>
+          <p:blipFill>
+            <a:blip r:embed="rId2">
+              <a:extLst>
+                <a:ext uri="{BEBA8EAE-BF5A-486C-A8C5-ECC9F3942E4B}">
+                  <a14:imgProps xmlns:a14="http://schemas.microsoft.com/office/drawing/2010/main">
+                    <a14:imgLayer r:embed="rId3">
+                      <a14:imgEffect>
+                        <a14:backgroundRemoval t="10000" b="90000" l="10000" r="90000">
+                          <a14:foregroundMark x1="25000" y1="61719" x2="25000" y2="61719"/>
+                          <a14:foregroundMark x1="60938" y1="76563" x2="60938" y2="76563"/>
+                        </a14:backgroundRemoval>
+                      </a14:imgEffect>
+                    </a14:imgLayer>
+                  </a14:imgProps>
+                </a:ext>
+                <a:ext uri="{28A0092B-C50C-407E-A947-70E740481C1C}">
+                  <a14:useLocalDpi xmlns:a14="http://schemas.microsoft.com/office/drawing/2010/main" val="0"/>
+                </a:ext>
+              </a:extLst>
+            </a:blip>
+            <a:stretch>
+              <a:fillRect/>
+            </a:stretch>
+          </p:blipFill>
+          <p:spPr>
+            <a:xfrm>
+              <a:off x="8094069" y="375708"/>
+              <a:ext cx="423333" cy="423333"/>
+            </a:xfrm>
+            <a:prstGeom prst="rect">
+              <a:avLst/>
+            </a:prstGeom>
+          </p:spPr>
+        </p:pic>
+      </p:grpSp>
+      <p:sp>
+        <p:nvSpPr>
+          <p:cNvPr id="62" name="사각형: 빗면 61">
+            <a:extLst>
+              <a:ext uri="{FF2B5EF4-FFF2-40B4-BE49-F238E27FC236}">
+                <a16:creationId xmlns:a16="http://schemas.microsoft.com/office/drawing/2014/main" id="{5B221793-C1E9-44F6-AF29-6A8C7E9C468D}"/>
+              </a:ext>
+            </a:extLst>
+          </p:cNvPr>
+          <p:cNvSpPr/>
+          <p:nvPr/>
+        </p:nvSpPr>
+        <p:spPr>
+          <a:xfrm>
+            <a:off x="10675552" y="563275"/>
+            <a:ext cx="1193800" cy="1193800"/>
+          </a:xfrm>
+          <a:prstGeom prst="bevel">
+            <a:avLst>
+              <a:gd name="adj" fmla="val 5357"/>
+            </a:avLst>
+          </a:prstGeom>
+          <a:solidFill>
+            <a:schemeClr val="tx1">
+              <a:lumMod val="50000"/>
+              <a:lumOff val="50000"/>
+            </a:schemeClr>
+          </a:solidFill>
+        </p:spPr>
+        <p:style>
+          <a:lnRef idx="2">
+            <a:schemeClr val="accent3">
+              <a:shade val="50000"/>
+            </a:schemeClr>
+          </a:lnRef>
+          <a:fillRef idx="1">
+            <a:schemeClr val="accent3"/>
+          </a:fillRef>
+          <a:effectRef idx="0">
+            <a:schemeClr val="accent3"/>
+          </a:effectRef>
+          <a:fontRef idx="minor">
+            <a:schemeClr val="lt1"/>
+          </a:fontRef>
+        </p:style>
+        <p:txBody>
+          <a:bodyPr rtlCol="0" anchor="ctr"/>
+          <a:lstStyle/>
+          <a:p>
+            <a:pPr algn="ctr"/>
+            <a:endParaRPr lang="ko-KR" altLang="en-US"/>
+          </a:p>
+        </p:txBody>
+      </p:sp>
+      <p:grpSp>
+        <p:nvGrpSpPr>
+          <p:cNvPr id="63" name="그룹 62">
+            <a:extLst>
+              <a:ext uri="{FF2B5EF4-FFF2-40B4-BE49-F238E27FC236}">
+                <a16:creationId xmlns:a16="http://schemas.microsoft.com/office/drawing/2014/main" id="{1321442C-556F-4AA2-8BA3-7EDB424D89B4}"/>
+              </a:ext>
+            </a:extLst>
+          </p:cNvPr>
+          <p:cNvGrpSpPr/>
+          <p:nvPr/>
+        </p:nvGrpSpPr>
+        <p:grpSpPr>
+          <a:xfrm>
+            <a:off x="7919332" y="550724"/>
+            <a:ext cx="1193800" cy="1193800"/>
+            <a:chOff x="1234482" y="1791331"/>
+            <a:chExt cx="1193800" cy="1193800"/>
+          </a:xfrm>
+        </p:grpSpPr>
+        <p:sp>
+          <p:nvSpPr>
+            <p:cNvPr id="64" name="사각형: 빗면 63">
+              <a:extLst>
+                <a:ext uri="{FF2B5EF4-FFF2-40B4-BE49-F238E27FC236}">
+                  <a16:creationId xmlns:a16="http://schemas.microsoft.com/office/drawing/2014/main" id="{0AA5446D-863C-48B8-9207-365593E23F45}"/>
+                </a:ext>
+              </a:extLst>
+            </p:cNvPr>
+            <p:cNvSpPr/>
+            <p:nvPr/>
+          </p:nvSpPr>
+          <p:spPr>
+            <a:xfrm>
+              <a:off x="1234482" y="1791331"/>
+              <a:ext cx="1193800" cy="1193800"/>
+            </a:xfrm>
+            <a:prstGeom prst="bevel">
+              <a:avLst>
+                <a:gd name="adj" fmla="val 5357"/>
+              </a:avLst>
+            </a:prstGeom>
+            <a:solidFill>
+              <a:schemeClr val="tx1">
+                <a:lumMod val="50000"/>
+                <a:lumOff val="50000"/>
+              </a:schemeClr>
+            </a:solidFill>
+          </p:spPr>
+          <p:style>
+            <a:lnRef idx="2">
+              <a:schemeClr val="accent3">
+                <a:shade val="50000"/>
+              </a:schemeClr>
+            </a:lnRef>
+            <a:fillRef idx="1">
+              <a:schemeClr val="accent3"/>
+            </a:fillRef>
+            <a:effectRef idx="0">
+              <a:schemeClr val="accent3"/>
+            </a:effectRef>
+            <a:fontRef idx="minor">
+              <a:schemeClr val="lt1"/>
+            </a:fontRef>
+          </p:style>
+          <p:txBody>
+            <a:bodyPr rtlCol="0" anchor="ctr"/>
+            <a:lstStyle/>
+            <a:p>
+              <a:pPr algn="ctr"/>
+              <a:endParaRPr lang="ko-KR" altLang="en-US"/>
+            </a:p>
+          </p:txBody>
+        </p:sp>
+        <p:pic>
+          <p:nvPicPr>
+            <p:cNvPr id="65" name="그래픽 64" descr="사용자">
+              <a:extLst>
+                <a:ext uri="{FF2B5EF4-FFF2-40B4-BE49-F238E27FC236}">
+                  <a16:creationId xmlns:a16="http://schemas.microsoft.com/office/drawing/2014/main" id="{FDC89FE5-069A-4FE9-AD3F-D442E7590440}"/>
+                </a:ext>
+              </a:extLst>
+            </p:cNvPr>
+            <p:cNvPicPr>
+              <a:picLocks noChangeAspect="1"/>
+            </p:cNvPicPr>
+            <p:nvPr/>
+          </p:nvPicPr>
+          <p:blipFill>
+            <a:blip r:embed="rId24">
+              <a:extLst>
+                <a:ext uri="{28A0092B-C50C-407E-A947-70E740481C1C}">
+                  <a14:useLocalDpi xmlns:a14="http://schemas.microsoft.com/office/drawing/2010/main" val="0"/>
+                </a:ext>
+                <a:ext uri="{96DAC541-7B7A-43D3-8B79-37D633B846F1}">
+                  <asvg:svgBlip xmlns:asvg="http://schemas.microsoft.com/office/drawing/2016/SVG/main" r:embed="rId25"/>
+                </a:ext>
+              </a:extLst>
+            </a:blip>
+            <a:stretch>
+              <a:fillRect/>
+            </a:stretch>
+          </p:blipFill>
+          <p:spPr>
+            <a:xfrm>
+              <a:off x="1374182" y="1931031"/>
+              <a:ext cx="914400" cy="914400"/>
+            </a:xfrm>
+            <a:prstGeom prst="rect">
+              <a:avLst/>
+            </a:prstGeom>
+          </p:spPr>
+        </p:pic>
+      </p:grpSp>
+      <p:sp>
+        <p:nvSpPr>
+          <p:cNvPr id="66" name="사각형: 빗면 65">
+            <a:extLst>
+              <a:ext uri="{FF2B5EF4-FFF2-40B4-BE49-F238E27FC236}">
+                <a16:creationId xmlns:a16="http://schemas.microsoft.com/office/drawing/2014/main" id="{3CB7B5D2-B475-460A-9165-A676305B7BC4}"/>
+              </a:ext>
+            </a:extLst>
+          </p:cNvPr>
+          <p:cNvSpPr/>
+          <p:nvPr/>
+        </p:nvSpPr>
+        <p:spPr>
+          <a:xfrm>
+            <a:off x="9364939" y="583912"/>
+            <a:ext cx="1193800" cy="1193800"/>
+          </a:xfrm>
+          <a:prstGeom prst="bevel">
+            <a:avLst>
+              <a:gd name="adj" fmla="val 5357"/>
+            </a:avLst>
+          </a:prstGeom>
+          <a:solidFill>
+            <a:schemeClr val="tx1">
+              <a:lumMod val="50000"/>
+              <a:lumOff val="50000"/>
+            </a:schemeClr>
+          </a:solidFill>
+        </p:spPr>
+        <p:style>
+          <a:lnRef idx="2">
+            <a:schemeClr val="accent3">
+              <a:shade val="50000"/>
+            </a:schemeClr>
+          </a:lnRef>
+          <a:fillRef idx="1">
+            <a:schemeClr val="accent3"/>
+          </a:fillRef>
+          <a:effectRef idx="0">
+            <a:schemeClr val="accent3"/>
+          </a:effectRef>
+          <a:fontRef idx="minor">
+            <a:schemeClr val="lt1"/>
+          </a:fontRef>
+        </p:style>
+        <p:txBody>
+          <a:bodyPr rtlCol="0" anchor="ctr"/>
+          <a:lstStyle/>
+          <a:p>
+            <a:pPr algn="ctr"/>
+            <a:endParaRPr lang="ko-KR" altLang="en-US"/>
+          </a:p>
+        </p:txBody>
+      </p:sp>
+      <p:pic>
+        <p:nvPicPr>
+          <p:cNvPr id="67" name="그래픽 66" descr="리모콘">
+            <a:extLst>
+              <a:ext uri="{FF2B5EF4-FFF2-40B4-BE49-F238E27FC236}">
+                <a16:creationId xmlns:a16="http://schemas.microsoft.com/office/drawing/2014/main" id="{84CAD786-8E66-42F0-BC3B-BF0F15029192}"/>
+              </a:ext>
+            </a:extLst>
+          </p:cNvPr>
+          <p:cNvPicPr>
+            <a:picLocks noChangeAspect="1"/>
+          </p:cNvPicPr>
+          <p:nvPr/>
+        </p:nvPicPr>
+        <p:blipFill>
+          <a:blip r:embed="rId26">
+            <a:extLst>
+              <a:ext uri="{28A0092B-C50C-407E-A947-70E740481C1C}">
+                <a14:useLocalDpi xmlns:a14="http://schemas.microsoft.com/office/drawing/2010/main" val="0"/>
+              </a:ext>
+              <a:ext uri="{96DAC541-7B7A-43D3-8B79-37D633B846F1}">
+                <asvg:svgBlip xmlns:asvg="http://schemas.microsoft.com/office/drawing/2016/SVG/main" r:embed="rId27"/>
+              </a:ext>
+            </a:extLst>
+          </a:blip>
+          <a:stretch>
+            <a:fillRect/>
+          </a:stretch>
+        </p:blipFill>
+        <p:spPr>
+          <a:xfrm>
+            <a:off x="9503228" y="762682"/>
+            <a:ext cx="914400" cy="914400"/>
+          </a:xfrm>
+          <a:prstGeom prst="rect">
+            <a:avLst/>
+          </a:prstGeom>
+        </p:spPr>
+      </p:pic>
+      <p:pic>
+        <p:nvPicPr>
+          <p:cNvPr id="68" name="그림 67">
+            <a:extLst>
+              <a:ext uri="{FF2B5EF4-FFF2-40B4-BE49-F238E27FC236}">
+                <a16:creationId xmlns:a16="http://schemas.microsoft.com/office/drawing/2014/main" id="{0525322B-BDB1-4C99-B77B-22F4AC09D583}"/>
+              </a:ext>
+            </a:extLst>
+          </p:cNvPr>
+          <p:cNvPicPr>
+            <a:picLocks noChangeAspect="1"/>
+          </p:cNvPicPr>
+          <p:nvPr/>
+        </p:nvPicPr>
+        <p:blipFill>
+          <a:blip r:embed="rId28">
+            <a:extLst>
+              <a:ext uri="{BEBA8EAE-BF5A-486C-A8C5-ECC9F3942E4B}">
+                <a14:imgProps xmlns:a14="http://schemas.microsoft.com/office/drawing/2010/main">
+                  <a14:imgLayer r:embed="rId29">
+                    <a14:imgEffect>
+                      <a14:backgroundRemoval t="8203" b="93555" l="9961" r="97266">
+                        <a14:foregroundMark x1="37109" y1="41406" x2="32227" y2="44531"/>
+                        <a14:foregroundMark x1="32422" y1="47461" x2="31641" y2="89063"/>
+                        <a14:foregroundMark x1="31641" y1="89063" x2="37109" y2="94141"/>
+                        <a14:foregroundMark x1="37109" y1="94141" x2="61914" y2="94336"/>
+                        <a14:foregroundMark x1="61914" y1="94336" x2="89063" y2="93555"/>
+                        <a14:foregroundMark x1="89063" y1="93555" x2="94727" y2="91992"/>
+                        <a14:foregroundMark x1="42773" y1="42188" x2="51172" y2="42188"/>
+                        <a14:foregroundMark x1="51172" y1="42188" x2="68945" y2="41016"/>
+                        <a14:foregroundMark x1="68945" y1="41016" x2="88477" y2="41797"/>
+                        <a14:foregroundMark x1="94531" y1="42969" x2="96680" y2="48633"/>
+                        <a14:foregroundMark x1="96680" y1="51172" x2="95898" y2="72852"/>
+                        <a14:foregroundMark x1="97070" y1="50977" x2="97266" y2="49414"/>
+                        <a14:foregroundMark x1="96484" y1="48828" x2="96680" y2="51563"/>
+                        <a14:foregroundMark x1="95898" y1="73047" x2="97070" y2="91211"/>
+                        <a14:foregroundMark x1="63867" y1="72852" x2="63867" y2="63672"/>
+                        <a14:foregroundMark x1="53320" y1="11914" x2="60352" y2="8984"/>
+                        <a14:foregroundMark x1="60352" y1="8984" x2="68359" y2="8594"/>
+                        <a14:foregroundMark x1="68359" y1="8594" x2="75195" y2="11328"/>
+                        <a14:foregroundMark x1="75195" y1="11328" x2="75586" y2="11719"/>
+                        <a14:foregroundMark x1="55469" y1="8984" x2="57422" y2="8203"/>
+                        <a14:backgroundMark x1="14648" y1="14648" x2="14648" y2="14648"/>
+                        <a14:backgroundMark x1="19922" y1="21875" x2="9961" y2="41211"/>
+                        <a14:backgroundMark x1="9961" y1="41211" x2="17383" y2="46094"/>
+                        <a14:backgroundMark x1="17383" y1="46094" x2="25195" y2="34766"/>
+                        <a14:backgroundMark x1="25195" y1="34766" x2="34180" y2="4297"/>
+                        <a14:backgroundMark x1="34180" y1="4297" x2="16406" y2="52148"/>
+                        <a14:backgroundMark x1="6055" y1="47461" x2="5664" y2="21289"/>
+                        <a14:backgroundMark x1="5664" y1="21289" x2="10742" y2="14648"/>
+                        <a14:backgroundMark x1="10742" y1="14648" x2="16016" y2="25977"/>
+                        <a14:backgroundMark x1="16016" y1="25977" x2="13281" y2="44531"/>
+                        <a14:backgroundMark x1="13281" y1="44531" x2="5273" y2="62500"/>
+                        <a14:backgroundMark x1="5273" y1="62500" x2="11328" y2="72852"/>
+                        <a14:backgroundMark x1="11328" y1="72852" x2="12305" y2="80273"/>
+                        <a14:backgroundMark x1="12305" y1="80273" x2="15039" y2="87109"/>
+                        <a14:backgroundMark x1="28351" y1="87307" x2="23828" y2="59570"/>
+                        <a14:backgroundMark x1="28965" y1="91070" x2="28628" y2="89006"/>
+                        <a14:backgroundMark x1="29688" y1="95508" x2="28992" y2="91241"/>
+                        <a14:backgroundMark x1="23828" y1="59570" x2="26758" y2="41602"/>
+                        <a14:backgroundMark x1="26758" y1="41602" x2="44336" y2="8984"/>
+                        <a14:backgroundMark x1="44336" y1="8984" x2="56029" y2="7893"/>
+                        <a14:backgroundMark x1="77176" y1="10470" x2="83203" y2="12695"/>
+                        <a14:backgroundMark x1="76215" y1="10115" x2="76572" y2="10247"/>
+                        <a14:backgroundMark x1="83203" y1="12695" x2="90820" y2="19922"/>
+                        <a14:backgroundMark x1="90820" y1="19922" x2="96094" y2="28906"/>
+                        <a14:backgroundMark x1="96629" y1="48651" x2="96633" y2="48817"/>
+                        <a14:backgroundMark x1="96094" y1="28906" x2="96456" y2="42271"/>
+                        <a14:backgroundMark x1="91929" y1="95245" x2="89063" y2="99609"/>
+                        <a14:backgroundMark x1="35697" y1="96349" x2="28320" y2="95898"/>
+                        <a14:backgroundMark x1="89063" y1="99609" x2="46842" y2="97030"/>
+                      </a14:backgroundRemoval>
+                    </a14:imgEffect>
+                  </a14:imgLayer>
+                </a14:imgProps>
+              </a:ext>
+              <a:ext uri="{28A0092B-C50C-407E-A947-70E740481C1C}">
+                <a14:useLocalDpi xmlns:a14="http://schemas.microsoft.com/office/drawing/2010/main" val="0"/>
+              </a:ext>
+            </a:extLst>
+          </a:blip>
+          <a:stretch>
+            <a:fillRect/>
+          </a:stretch>
+        </p:blipFill>
+        <p:spPr>
+          <a:xfrm flipH="1">
+            <a:off x="11048523" y="830755"/>
+            <a:ext cx="651521" cy="651521"/>
+          </a:xfrm>
+          <a:prstGeom prst="rect">
+            <a:avLst/>
+          </a:prstGeom>
+        </p:spPr>
+      </p:pic>
+      <p:pic>
+        <p:nvPicPr>
+          <p:cNvPr id="69" name="그래픽 68" descr="혜성">
+            <a:extLst>
+              <a:ext uri="{FF2B5EF4-FFF2-40B4-BE49-F238E27FC236}">
+                <a16:creationId xmlns:a16="http://schemas.microsoft.com/office/drawing/2014/main" id="{E168B11F-8EA6-4485-951A-1DC1F85D2866}"/>
+              </a:ext>
+            </a:extLst>
+          </p:cNvPr>
+          <p:cNvPicPr>
+            <a:picLocks noChangeAspect="1"/>
+          </p:cNvPicPr>
+          <p:nvPr/>
+        </p:nvPicPr>
+        <p:blipFill>
+          <a:blip r:embed="rId30">
+            <a:extLst>
+              <a:ext uri="{28A0092B-C50C-407E-A947-70E740481C1C}">
+                <a14:useLocalDpi xmlns:a14="http://schemas.microsoft.com/office/drawing/2010/main" val="0"/>
+              </a:ext>
+              <a:ext uri="{96DAC541-7B7A-43D3-8B79-37D633B846F1}">
+                <asvg:svgBlip xmlns:asvg="http://schemas.microsoft.com/office/drawing/2016/SVG/main" r:embed="rId31"/>
+              </a:ext>
+            </a:extLst>
+          </a:blip>
+          <a:stretch>
+            <a:fillRect/>
+          </a:stretch>
+        </p:blipFill>
+        <p:spPr>
+          <a:xfrm>
+            <a:off x="6669703" y="699315"/>
+            <a:ext cx="914400" cy="914400"/>
+          </a:xfrm>
+          <a:prstGeom prst="rect">
+            <a:avLst/>
+          </a:prstGeom>
+        </p:spPr>
+      </p:pic>
+      <p:grpSp>
+        <p:nvGrpSpPr>
+          <p:cNvPr id="70" name="그룹 69">
+            <a:extLst>
+              <a:ext uri="{FF2B5EF4-FFF2-40B4-BE49-F238E27FC236}">
+                <a16:creationId xmlns:a16="http://schemas.microsoft.com/office/drawing/2014/main" id="{BAE0F0FA-E957-4D8B-BBCE-EEB54DB49390}"/>
+              </a:ext>
+            </a:extLst>
+          </p:cNvPr>
+          <p:cNvGrpSpPr/>
+          <p:nvPr/>
+        </p:nvGrpSpPr>
+        <p:grpSpPr>
+          <a:xfrm>
+            <a:off x="8229893" y="4942923"/>
+            <a:ext cx="1193800" cy="1193800"/>
+            <a:chOff x="7886635" y="168275"/>
+            <a:chExt cx="838200" cy="838200"/>
+          </a:xfrm>
+        </p:grpSpPr>
+        <p:sp>
+          <p:nvSpPr>
+            <p:cNvPr id="71" name="사각형: 빗면 70">
+              <a:extLst>
+                <a:ext uri="{FF2B5EF4-FFF2-40B4-BE49-F238E27FC236}">
+                  <a16:creationId xmlns:a16="http://schemas.microsoft.com/office/drawing/2014/main" id="{966FC3D5-E095-46D2-B501-EEA08C6DE8B4}"/>
+                </a:ext>
+              </a:extLst>
+            </p:cNvPr>
+            <p:cNvSpPr/>
+            <p:nvPr/>
+          </p:nvSpPr>
+          <p:spPr>
+            <a:xfrm>
+              <a:off x="7886635" y="168275"/>
+              <a:ext cx="838200" cy="838200"/>
+            </a:xfrm>
+            <a:prstGeom prst="bevel">
+              <a:avLst>
+                <a:gd name="adj" fmla="val 5357"/>
+              </a:avLst>
+            </a:prstGeom>
+            <a:solidFill>
+              <a:schemeClr val="tx1">
+                <a:lumMod val="50000"/>
+                <a:lumOff val="50000"/>
+              </a:schemeClr>
+            </a:solidFill>
+          </p:spPr>
+          <p:style>
+            <a:lnRef idx="2">
+              <a:schemeClr val="accent3">
+                <a:shade val="50000"/>
+              </a:schemeClr>
+            </a:lnRef>
+            <a:fillRef idx="1">
+              <a:schemeClr val="accent3"/>
+            </a:fillRef>
+            <a:effectRef idx="0">
+              <a:schemeClr val="accent3"/>
+            </a:effectRef>
+            <a:fontRef idx="minor">
+              <a:schemeClr val="lt1"/>
+            </a:fontRef>
+          </p:style>
+          <p:txBody>
+            <a:bodyPr rtlCol="0" anchor="ctr"/>
+            <a:lstStyle/>
+            <a:p>
+              <a:pPr algn="ctr"/>
+              <a:endParaRPr lang="ko-KR" altLang="en-US"/>
+            </a:p>
+          </p:txBody>
+        </p:sp>
+        <p:pic>
+          <p:nvPicPr>
+            <p:cNvPr id="72" name="그림 71">
+              <a:extLst>
+                <a:ext uri="{FF2B5EF4-FFF2-40B4-BE49-F238E27FC236}">
+                  <a16:creationId xmlns:a16="http://schemas.microsoft.com/office/drawing/2014/main" id="{56CF0B66-2BBF-47C4-A358-B81A0556DB86}"/>
+                </a:ext>
+              </a:extLst>
+            </p:cNvPr>
+            <p:cNvPicPr>
+              <a:picLocks noChangeAspect="1"/>
+            </p:cNvPicPr>
+            <p:nvPr/>
+          </p:nvPicPr>
+          <p:blipFill>
+            <a:blip r:embed="rId2">
+              <a:extLst>
+                <a:ext uri="{BEBA8EAE-BF5A-486C-A8C5-ECC9F3942E4B}">
+                  <a14:imgProps xmlns:a14="http://schemas.microsoft.com/office/drawing/2010/main">
+                    <a14:imgLayer r:embed="rId3">
+                      <a14:imgEffect>
+                        <a14:backgroundRemoval t="10000" b="90000" l="10000" r="90000">
+                          <a14:foregroundMark x1="25000" y1="61719" x2="25000" y2="61719"/>
+                          <a14:foregroundMark x1="60938" y1="76563" x2="60938" y2="76563"/>
+                        </a14:backgroundRemoval>
+                      </a14:imgEffect>
+                    </a14:imgLayer>
+                  </a14:imgProps>
+                </a:ext>
+                <a:ext uri="{28A0092B-C50C-407E-A947-70E740481C1C}">
+                  <a14:useLocalDpi xmlns:a14="http://schemas.microsoft.com/office/drawing/2010/main" val="0"/>
+                </a:ext>
+              </a:extLst>
+            </a:blip>
+            <a:stretch>
+              <a:fillRect/>
+            </a:stretch>
+          </p:blipFill>
+          <p:spPr>
+            <a:xfrm>
+              <a:off x="8094069" y="375708"/>
+              <a:ext cx="423333" cy="423333"/>
+            </a:xfrm>
+            <a:prstGeom prst="rect">
+              <a:avLst/>
+            </a:prstGeom>
+          </p:spPr>
+        </p:pic>
+      </p:grpSp>
+      <p:grpSp>
+        <p:nvGrpSpPr>
+          <p:cNvPr id="74" name="그룹 73">
+            <a:extLst>
+              <a:ext uri="{FF2B5EF4-FFF2-40B4-BE49-F238E27FC236}">
+                <a16:creationId xmlns:a16="http://schemas.microsoft.com/office/drawing/2014/main" id="{D6C2F9CC-E29E-4752-A460-EA9C0FBD005B}"/>
+              </a:ext>
+            </a:extLst>
+          </p:cNvPr>
+          <p:cNvGrpSpPr/>
+          <p:nvPr/>
+        </p:nvGrpSpPr>
+        <p:grpSpPr>
+          <a:xfrm>
+            <a:off x="3296732" y="4721655"/>
+            <a:ext cx="1193800" cy="1193800"/>
+            <a:chOff x="7886635" y="168275"/>
+            <a:chExt cx="838200" cy="838200"/>
+          </a:xfrm>
+        </p:grpSpPr>
+        <p:sp>
+          <p:nvSpPr>
+            <p:cNvPr id="75" name="사각형: 빗면 74">
+              <a:extLst>
+                <a:ext uri="{FF2B5EF4-FFF2-40B4-BE49-F238E27FC236}">
+                  <a16:creationId xmlns:a16="http://schemas.microsoft.com/office/drawing/2014/main" id="{77F62BE0-A3D5-4334-B3B2-A892DC99A738}"/>
+                </a:ext>
+              </a:extLst>
+            </p:cNvPr>
+            <p:cNvSpPr/>
+            <p:nvPr/>
+          </p:nvSpPr>
+          <p:spPr>
+            <a:xfrm>
+              <a:off x="7886635" y="168275"/>
+              <a:ext cx="838200" cy="838200"/>
+            </a:xfrm>
+            <a:prstGeom prst="bevel">
+              <a:avLst>
+                <a:gd name="adj" fmla="val 5357"/>
+              </a:avLst>
+            </a:prstGeom>
+            <a:solidFill>
+              <a:schemeClr val="tx1">
+                <a:lumMod val="50000"/>
+                <a:lumOff val="50000"/>
+              </a:schemeClr>
+            </a:solidFill>
+          </p:spPr>
+          <p:style>
+            <a:lnRef idx="2">
+              <a:schemeClr val="accent3">
+                <a:shade val="50000"/>
+              </a:schemeClr>
+            </a:lnRef>
+            <a:fillRef idx="1">
+              <a:schemeClr val="accent3"/>
+            </a:fillRef>
+            <a:effectRef idx="0">
+              <a:schemeClr val="accent3"/>
+            </a:effectRef>
+            <a:fontRef idx="minor">
+              <a:schemeClr val="lt1"/>
+            </a:fontRef>
+          </p:style>
+          <p:txBody>
+            <a:bodyPr rtlCol="0" anchor="ctr"/>
+            <a:lstStyle/>
+            <a:p>
+              <a:pPr algn="ctr"/>
+              <a:endParaRPr lang="ko-KR" altLang="en-US"/>
+            </a:p>
+          </p:txBody>
+        </p:sp>
+        <p:pic>
+          <p:nvPicPr>
+            <p:cNvPr id="76" name="그림 75">
+              <a:extLst>
+                <a:ext uri="{FF2B5EF4-FFF2-40B4-BE49-F238E27FC236}">
+                  <a16:creationId xmlns:a16="http://schemas.microsoft.com/office/drawing/2014/main" id="{3D9AE3C7-56F6-4892-89BD-8FF32517BA22}"/>
+                </a:ext>
+              </a:extLst>
+            </p:cNvPr>
+            <p:cNvPicPr>
+              <a:picLocks noChangeAspect="1"/>
+            </p:cNvPicPr>
+            <p:nvPr/>
+          </p:nvPicPr>
+          <p:blipFill>
+            <a:blip r:embed="rId2">
+              <a:extLst>
+                <a:ext uri="{BEBA8EAE-BF5A-486C-A8C5-ECC9F3942E4B}">
+                  <a14:imgProps xmlns:a14="http://schemas.microsoft.com/office/drawing/2010/main">
+                    <a14:imgLayer r:embed="rId3">
+                      <a14:imgEffect>
+                        <a14:backgroundRemoval t="10000" b="90000" l="10000" r="90000">
+                          <a14:foregroundMark x1="25000" y1="61719" x2="25000" y2="61719"/>
+                          <a14:foregroundMark x1="60938" y1="76563" x2="60938" y2="76563"/>
+                        </a14:backgroundRemoval>
+                      </a14:imgEffect>
+                    </a14:imgLayer>
+                  </a14:imgProps>
+                </a:ext>
+                <a:ext uri="{28A0092B-C50C-407E-A947-70E740481C1C}">
+                  <a14:useLocalDpi xmlns:a14="http://schemas.microsoft.com/office/drawing/2010/main" val="0"/>
+                </a:ext>
+              </a:extLst>
+            </a:blip>
+            <a:stretch>
+              <a:fillRect/>
+            </a:stretch>
+          </p:blipFill>
+          <p:spPr>
+            <a:xfrm>
+              <a:off x="8094069" y="375708"/>
+              <a:ext cx="423333" cy="423333"/>
+            </a:xfrm>
+            <a:prstGeom prst="rect">
+              <a:avLst/>
+            </a:prstGeom>
+          </p:spPr>
+        </p:pic>
+      </p:grpSp>
+      <p:pic>
+        <p:nvPicPr>
+          <p:cNvPr id="77" name="그래픽 76" descr="드라마">
+            <a:extLst>
+              <a:ext uri="{FF2B5EF4-FFF2-40B4-BE49-F238E27FC236}">
+                <a16:creationId xmlns:a16="http://schemas.microsoft.com/office/drawing/2014/main" id="{87AA23EC-C44E-4434-B42C-D05618807C5E}"/>
+              </a:ext>
+            </a:extLst>
+          </p:cNvPr>
+          <p:cNvPicPr>
+            <a:picLocks noChangeAspect="1"/>
+          </p:cNvPicPr>
+          <p:nvPr/>
+        </p:nvPicPr>
+        <p:blipFill>
+          <a:blip r:embed="rId32">
+            <a:extLst>
+              <a:ext uri="{28A0092B-C50C-407E-A947-70E740481C1C}">
+                <a14:useLocalDpi xmlns:a14="http://schemas.microsoft.com/office/drawing/2010/main" val="0"/>
+              </a:ext>
+              <a:ext uri="{96DAC541-7B7A-43D3-8B79-37D633B846F1}">
+                <asvg:svgBlip xmlns:asvg="http://schemas.microsoft.com/office/drawing/2016/SVG/main" r:embed="rId33"/>
+              </a:ext>
+            </a:extLst>
+          </a:blip>
+          <a:stretch>
+            <a:fillRect/>
+          </a:stretch>
+        </p:blipFill>
+        <p:spPr>
+          <a:xfrm>
+            <a:off x="3422466" y="4876584"/>
+            <a:ext cx="914400" cy="914400"/>
+          </a:xfrm>
+          <a:prstGeom prst="rect">
+            <a:avLst/>
+          </a:prstGeom>
+        </p:spPr>
+      </p:pic>
     </p:spTree>
     <p:extLst>
       <p:ext uri="{BB962C8B-B14F-4D97-AF65-F5344CB8AC3E}">
-        <p14:creationId xmlns:p14="http://schemas.microsoft.com/office/powerpoint/2010/main" val="1710254888"/>
+        <p14:creationId xmlns:p14="http://schemas.microsoft.com/office/powerpoint/2010/main" val="52286316"/>
       </p:ext>
     </p:extLst>
   </p:cSld>
@@ -6401,160 +7957,13 @@
           <a:lstStyle/>
           <a:p>
             <a:pPr algn="ctr"/>
-            <a:endParaRPr lang="ko-KR" altLang="en-US"/>
-          </a:p>
-        </p:txBody>
-      </p:sp>
-      <p:sp>
-        <p:nvSpPr>
-          <p:cNvPr id="2" name="직사각형 1">
-            <a:hlinkClick r:id="rId4" action="ppaction://hlinksldjump"/>
-            <a:extLst>
-              <a:ext uri="{FF2B5EF4-FFF2-40B4-BE49-F238E27FC236}">
-                <a16:creationId xmlns:a16="http://schemas.microsoft.com/office/drawing/2014/main" id="{2F2D33B6-0029-4CE4-B4AB-07A4A5D4876E}"/>
-              </a:ext>
-            </a:extLst>
-          </p:cNvPr>
-          <p:cNvSpPr/>
-          <p:nvPr/>
-        </p:nvSpPr>
-        <p:spPr>
-          <a:xfrm>
-            <a:off x="1861765" y="6152533"/>
-            <a:ext cx="542163" cy="553674"/>
-          </a:xfrm>
-          <a:prstGeom prst="rect">
-            <a:avLst/>
-          </a:prstGeom>
-        </p:spPr>
-        <p:style>
-          <a:lnRef idx="2">
-            <a:schemeClr val="accent1">
-              <a:shade val="50000"/>
-            </a:schemeClr>
-          </a:lnRef>
-          <a:fillRef idx="1">
-            <a:schemeClr val="accent1"/>
-          </a:fillRef>
-          <a:effectRef idx="0">
-            <a:schemeClr val="accent1"/>
-          </a:effectRef>
-          <a:fontRef idx="minor">
-            <a:schemeClr val="lt1"/>
-          </a:fontRef>
-        </p:style>
-        <p:txBody>
-          <a:bodyPr rtlCol="0" anchor="ctr"/>
-          <a:lstStyle/>
-          <a:p>
-            <a:pPr algn="ctr"/>
             <a:r>
-              <a:rPr lang="en-US" altLang="ko-KR" dirty="0"/>
-              <a:t>Q</a:t>
+              <a:rPr lang="ko-KR" altLang="en-US" dirty="0">
+                <a:latin typeface="+mj-ea"/>
+                <a:ea typeface="+mj-ea"/>
+              </a:rPr>
+              <a:t>스크립트 출력</a:t>
             </a:r>
-            <a:endParaRPr lang="ko-KR" altLang="en-US" dirty="0"/>
-          </a:p>
-        </p:txBody>
-      </p:sp>
-      <p:sp>
-        <p:nvSpPr>
-          <p:cNvPr id="31" name="직사각형 30">
-            <a:hlinkClick r:id="rId5" action="ppaction://hlinksldjump"/>
-            <a:extLst>
-              <a:ext uri="{FF2B5EF4-FFF2-40B4-BE49-F238E27FC236}">
-                <a16:creationId xmlns:a16="http://schemas.microsoft.com/office/drawing/2014/main" id="{D9FFC27C-C6A0-4803-A606-3A151716CC17}"/>
-              </a:ext>
-            </a:extLst>
-          </p:cNvPr>
-          <p:cNvSpPr/>
-          <p:nvPr/>
-        </p:nvSpPr>
-        <p:spPr>
-          <a:xfrm>
-            <a:off x="2608385" y="6152533"/>
-            <a:ext cx="542163" cy="553674"/>
-          </a:xfrm>
-          <a:prstGeom prst="rect">
-            <a:avLst/>
-          </a:prstGeom>
-        </p:spPr>
-        <p:style>
-          <a:lnRef idx="2">
-            <a:schemeClr val="accent1">
-              <a:shade val="50000"/>
-            </a:schemeClr>
-          </a:lnRef>
-          <a:fillRef idx="1">
-            <a:schemeClr val="accent1"/>
-          </a:fillRef>
-          <a:effectRef idx="0">
-            <a:schemeClr val="accent1"/>
-          </a:effectRef>
-          <a:fontRef idx="minor">
-            <a:schemeClr val="lt1"/>
-          </a:fontRef>
-        </p:style>
-        <p:txBody>
-          <a:bodyPr rtlCol="0" anchor="ctr"/>
-          <a:lstStyle/>
-          <a:p>
-            <a:pPr algn="ctr"/>
-            <a:r>
-              <a:rPr lang="en-US" altLang="ko-KR" dirty="0"/>
-              <a:t>W</a:t>
-            </a:r>
-            <a:endParaRPr lang="ko-KR" altLang="en-US" dirty="0"/>
-          </a:p>
-        </p:txBody>
-      </p:sp>
-      <p:sp>
-        <p:nvSpPr>
-          <p:cNvPr id="43" name="직사각형 42">
-            <a:hlinkClick r:id="rId6" action="ppaction://hlinksldjump"/>
-            <a:extLst>
-              <a:ext uri="{FF2B5EF4-FFF2-40B4-BE49-F238E27FC236}">
-                <a16:creationId xmlns:a16="http://schemas.microsoft.com/office/drawing/2014/main" id="{80EA3023-D0D8-40CD-9109-414B80F0471A}"/>
-              </a:ext>
-            </a:extLst>
-          </p:cNvPr>
-          <p:cNvSpPr/>
-          <p:nvPr/>
-        </p:nvSpPr>
-        <p:spPr>
-          <a:xfrm>
-            <a:off x="3355005" y="6152533"/>
-            <a:ext cx="542163" cy="553674"/>
-          </a:xfrm>
-          <a:prstGeom prst="rect">
-            <a:avLst/>
-          </a:prstGeom>
-        </p:spPr>
-        <p:style>
-          <a:lnRef idx="2">
-            <a:schemeClr val="accent1">
-              <a:shade val="50000"/>
-            </a:schemeClr>
-          </a:lnRef>
-          <a:fillRef idx="1">
-            <a:schemeClr val="accent1"/>
-          </a:fillRef>
-          <a:effectRef idx="0">
-            <a:schemeClr val="accent1"/>
-          </a:effectRef>
-          <a:fontRef idx="minor">
-            <a:schemeClr val="lt1"/>
-          </a:fontRef>
-        </p:style>
-        <p:txBody>
-          <a:bodyPr rtlCol="0" anchor="ctr"/>
-          <a:lstStyle/>
-          <a:p>
-            <a:pPr algn="ctr"/>
-            <a:r>
-              <a:rPr lang="en-US" altLang="ko-KR" dirty="0"/>
-              <a:t>E</a:t>
-            </a:r>
-            <a:endParaRPr lang="ko-KR" altLang="en-US" dirty="0"/>
           </a:p>
         </p:txBody>
       </p:sp>
@@ -6709,13 +8118,13 @@
             <p:nvPr/>
           </p:nvPicPr>
           <p:blipFill>
-            <a:blip r:embed="rId7">
+            <a:blip r:embed="rId4">
               <a:extLst>
                 <a:ext uri="{28A0092B-C50C-407E-A947-70E740481C1C}">
                   <a14:useLocalDpi xmlns:a14="http://schemas.microsoft.com/office/drawing/2010/main" val="0"/>
                 </a:ext>
                 <a:ext uri="{96DAC541-7B7A-43D3-8B79-37D633B846F1}">
-                  <asvg:svgBlip xmlns:asvg="http://schemas.microsoft.com/office/drawing/2016/SVG/main" r:embed="rId8"/>
+                  <asvg:svgBlip xmlns:asvg="http://schemas.microsoft.com/office/drawing/2016/SVG/main" r:embed="rId5"/>
                 </a:ext>
               </a:extLst>
             </a:blip>
@@ -6749,13 +8158,13 @@
           <p:nvPr/>
         </p:nvPicPr>
         <p:blipFill>
-          <a:blip r:embed="rId9">
+          <a:blip r:embed="rId6">
             <a:extLst>
               <a:ext uri="{28A0092B-C50C-407E-A947-70E740481C1C}">
                 <a14:useLocalDpi xmlns:a14="http://schemas.microsoft.com/office/drawing/2010/main" val="0"/>
               </a:ext>
               <a:ext uri="{96DAC541-7B7A-43D3-8B79-37D633B846F1}">
-                <asvg:svgBlip xmlns:asvg="http://schemas.microsoft.com/office/drawing/2016/SVG/main" r:embed="rId10"/>
+                <asvg:svgBlip xmlns:asvg="http://schemas.microsoft.com/office/drawing/2016/SVG/main" r:embed="rId7"/>
               </a:ext>
             </a:extLst>
           </a:blip>
@@ -7436,11 +8845,11 @@
           <p:nvPr/>
         </p:nvPicPr>
         <p:blipFill>
-          <a:blip r:embed="rId11">
+          <a:blip r:embed="rId8">
             <a:extLst>
               <a:ext uri="{BEBA8EAE-BF5A-486C-A8C5-ECC9F3942E4B}">
                 <a14:imgProps xmlns:a14="http://schemas.microsoft.com/office/drawing/2010/main">
-                  <a14:imgLayer r:embed="rId12">
+                  <a14:imgLayer r:embed="rId9">
                     <a14:imgEffect>
                       <a14:backgroundRemoval t="8203" b="93555" l="9961" r="97266">
                         <a14:foregroundMark x1="37109" y1="41406" x2="32227" y2="44531"/>
@@ -7531,13 +8940,13 @@
           <p:nvPr/>
         </p:nvPicPr>
         <p:blipFill>
-          <a:blip r:embed="rId13">
+          <a:blip r:embed="rId10">
             <a:extLst>
               <a:ext uri="{28A0092B-C50C-407E-A947-70E740481C1C}">
                 <a14:useLocalDpi xmlns:a14="http://schemas.microsoft.com/office/drawing/2010/main" val="0"/>
               </a:ext>
               <a:ext uri="{96DAC541-7B7A-43D3-8B79-37D633B846F1}">
-                <asvg:svgBlip xmlns:asvg="http://schemas.microsoft.com/office/drawing/2016/SVG/main" r:embed="rId14"/>
+                <asvg:svgBlip xmlns:asvg="http://schemas.microsoft.com/office/drawing/2016/SVG/main" r:embed="rId11"/>
               </a:ext>
             </a:extLst>
           </a:blip>
@@ -7570,13 +8979,13 @@
           <p:nvPr/>
         </p:nvPicPr>
         <p:blipFill>
-          <a:blip r:embed="rId15">
+          <a:blip r:embed="rId12">
             <a:extLst>
               <a:ext uri="{28A0092B-C50C-407E-A947-70E740481C1C}">
                 <a14:useLocalDpi xmlns:a14="http://schemas.microsoft.com/office/drawing/2010/main" val="0"/>
               </a:ext>
               <a:ext uri="{96DAC541-7B7A-43D3-8B79-37D633B846F1}">
-                <asvg:svgBlip xmlns:asvg="http://schemas.microsoft.com/office/drawing/2016/SVG/main" r:embed="rId16"/>
+                <asvg:svgBlip xmlns:asvg="http://schemas.microsoft.com/office/drawing/2016/SVG/main" r:embed="rId13"/>
               </a:ext>
             </a:extLst>
           </a:blip>
@@ -7609,13 +9018,13 @@
           <p:nvPr/>
         </p:nvPicPr>
         <p:blipFill>
-          <a:blip r:embed="rId17">
+          <a:blip r:embed="rId14">
             <a:extLst>
               <a:ext uri="{28A0092B-C50C-407E-A947-70E740481C1C}">
                 <a14:useLocalDpi xmlns:a14="http://schemas.microsoft.com/office/drawing/2010/main" val="0"/>
               </a:ext>
               <a:ext uri="{96DAC541-7B7A-43D3-8B79-37D633B846F1}">
-                <asvg:svgBlip xmlns:asvg="http://schemas.microsoft.com/office/drawing/2016/SVG/main" r:embed="rId18"/>
+                <asvg:svgBlip xmlns:asvg="http://schemas.microsoft.com/office/drawing/2016/SVG/main" r:embed="rId15"/>
               </a:ext>
             </a:extLst>
           </a:blip>
@@ -7648,13 +9057,13 @@
           <p:nvPr/>
         </p:nvPicPr>
         <p:blipFill>
-          <a:blip r:embed="rId19">
+          <a:blip r:embed="rId16">
             <a:extLst>
               <a:ext uri="{28A0092B-C50C-407E-A947-70E740481C1C}">
                 <a14:useLocalDpi xmlns:a14="http://schemas.microsoft.com/office/drawing/2010/main" val="0"/>
               </a:ext>
               <a:ext uri="{96DAC541-7B7A-43D3-8B79-37D633B846F1}">
-                <asvg:svgBlip xmlns:asvg="http://schemas.microsoft.com/office/drawing/2016/SVG/main" r:embed="rId20"/>
+                <asvg:svgBlip xmlns:asvg="http://schemas.microsoft.com/office/drawing/2016/SVG/main" r:embed="rId17"/>
               </a:ext>
             </a:extLst>
           </a:blip>
@@ -7687,13 +9096,13 @@
           <p:nvPr/>
         </p:nvPicPr>
         <p:blipFill>
-          <a:blip r:embed="rId21">
+          <a:blip r:embed="rId18">
             <a:extLst>
               <a:ext uri="{28A0092B-C50C-407E-A947-70E740481C1C}">
                 <a14:useLocalDpi xmlns:a14="http://schemas.microsoft.com/office/drawing/2010/main" val="0"/>
               </a:ext>
               <a:ext uri="{96DAC541-7B7A-43D3-8B79-37D633B846F1}">
-                <asvg:svgBlip xmlns:asvg="http://schemas.microsoft.com/office/drawing/2016/SVG/main" r:embed="rId22"/>
+                <asvg:svgBlip xmlns:asvg="http://schemas.microsoft.com/office/drawing/2016/SVG/main" r:embed="rId19"/>
               </a:ext>
             </a:extLst>
           </a:blip>
@@ -7726,13 +9135,13 @@
           <p:nvPr/>
         </p:nvPicPr>
         <p:blipFill>
-          <a:blip r:embed="rId23">
+          <a:blip r:embed="rId20">
             <a:extLst>
               <a:ext uri="{28A0092B-C50C-407E-A947-70E740481C1C}">
                 <a14:useLocalDpi xmlns:a14="http://schemas.microsoft.com/office/drawing/2010/main" val="0"/>
               </a:ext>
               <a:ext uri="{96DAC541-7B7A-43D3-8B79-37D633B846F1}">
-                <asvg:svgBlip xmlns:asvg="http://schemas.microsoft.com/office/drawing/2016/SVG/main" r:embed="rId24"/>
+                <asvg:svgBlip xmlns:asvg="http://schemas.microsoft.com/office/drawing/2016/SVG/main" r:embed="rId21"/>
               </a:ext>
             </a:extLst>
           </a:blip>
@@ -7765,13 +9174,13 @@
           <p:nvPr/>
         </p:nvPicPr>
         <p:blipFill>
-          <a:blip r:embed="rId25">
+          <a:blip r:embed="rId22">
             <a:extLst>
               <a:ext uri="{28A0092B-C50C-407E-A947-70E740481C1C}">
                 <a14:useLocalDpi xmlns:a14="http://schemas.microsoft.com/office/drawing/2010/main" val="0"/>
               </a:ext>
               <a:ext uri="{96DAC541-7B7A-43D3-8B79-37D633B846F1}">
-                <asvg:svgBlip xmlns:asvg="http://schemas.microsoft.com/office/drawing/2016/SVG/main" r:embed="rId26"/>
+                <asvg:svgBlip xmlns:asvg="http://schemas.microsoft.com/office/drawing/2016/SVG/main" r:embed="rId23"/>
               </a:ext>
             </a:extLst>
           </a:blip>
@@ -7804,13 +9213,13 @@
           <p:nvPr/>
         </p:nvPicPr>
         <p:blipFill>
-          <a:blip r:embed="rId27">
+          <a:blip r:embed="rId24">
             <a:extLst>
               <a:ext uri="{28A0092B-C50C-407E-A947-70E740481C1C}">
                 <a14:useLocalDpi xmlns:a14="http://schemas.microsoft.com/office/drawing/2010/main" val="0"/>
               </a:ext>
               <a:ext uri="{96DAC541-7B7A-43D3-8B79-37D633B846F1}">
-                <asvg:svgBlip xmlns:asvg="http://schemas.microsoft.com/office/drawing/2016/SVG/main" r:embed="rId28"/>
+                <asvg:svgBlip xmlns:asvg="http://schemas.microsoft.com/office/drawing/2016/SVG/main" r:embed="rId25"/>
               </a:ext>
             </a:extLst>
           </a:blip>
@@ -7843,13 +9252,13 @@
           <p:nvPr/>
         </p:nvPicPr>
         <p:blipFill>
-          <a:blip r:embed="rId29">
+          <a:blip r:embed="rId26">
             <a:extLst>
               <a:ext uri="{28A0092B-C50C-407E-A947-70E740481C1C}">
                 <a14:useLocalDpi xmlns:a14="http://schemas.microsoft.com/office/drawing/2010/main" val="0"/>
               </a:ext>
               <a:ext uri="{96DAC541-7B7A-43D3-8B79-37D633B846F1}">
-                <asvg:svgBlip xmlns:asvg="http://schemas.microsoft.com/office/drawing/2016/SVG/main" r:embed="rId30"/>
+                <asvg:svgBlip xmlns:asvg="http://schemas.microsoft.com/office/drawing/2016/SVG/main" r:embed="rId27"/>
               </a:ext>
             </a:extLst>
           </a:blip>
@@ -7882,13 +9291,13 @@
           <p:nvPr/>
         </p:nvPicPr>
         <p:blipFill>
-          <a:blip r:embed="rId31">
+          <a:blip r:embed="rId28">
             <a:extLst>
               <a:ext uri="{28A0092B-C50C-407E-A947-70E740481C1C}">
                 <a14:useLocalDpi xmlns:a14="http://schemas.microsoft.com/office/drawing/2010/main" val="0"/>
               </a:ext>
               <a:ext uri="{96DAC541-7B7A-43D3-8B79-37D633B846F1}">
-                <asvg:svgBlip xmlns:asvg="http://schemas.microsoft.com/office/drawing/2016/SVG/main" r:embed="rId32"/>
+                <asvg:svgBlip xmlns:asvg="http://schemas.microsoft.com/office/drawing/2016/SVG/main" r:embed="rId29"/>
               </a:ext>
             </a:extLst>
           </a:blip>
@@ -7921,13 +9330,13 @@
           <p:nvPr/>
         </p:nvPicPr>
         <p:blipFill>
-          <a:blip r:embed="rId33">
+          <a:blip r:embed="rId30">
             <a:extLst>
               <a:ext uri="{28A0092B-C50C-407E-A947-70E740481C1C}">
                 <a14:useLocalDpi xmlns:a14="http://schemas.microsoft.com/office/drawing/2010/main" val="0"/>
               </a:ext>
               <a:ext uri="{96DAC541-7B7A-43D3-8B79-37D633B846F1}">
-                <asvg:svgBlip xmlns:asvg="http://schemas.microsoft.com/office/drawing/2016/SVG/main" r:embed="rId34"/>
+                <asvg:svgBlip xmlns:asvg="http://schemas.microsoft.com/office/drawing/2016/SVG/main" r:embed="rId31"/>
               </a:ext>
             </a:extLst>
           </a:blip>
@@ -7960,13 +9369,13 @@
           <p:nvPr/>
         </p:nvPicPr>
         <p:blipFill>
-          <a:blip r:embed="rId35">
+          <a:blip r:embed="rId32">
             <a:extLst>
               <a:ext uri="{28A0092B-C50C-407E-A947-70E740481C1C}">
                 <a14:useLocalDpi xmlns:a14="http://schemas.microsoft.com/office/drawing/2010/main" val="0"/>
               </a:ext>
               <a:ext uri="{96DAC541-7B7A-43D3-8B79-37D633B846F1}">
-                <asvg:svgBlip xmlns:asvg="http://schemas.microsoft.com/office/drawing/2016/SVG/main" r:embed="rId36"/>
+                <asvg:svgBlip xmlns:asvg="http://schemas.microsoft.com/office/drawing/2016/SVG/main" r:embed="rId33"/>
               </a:ext>
             </a:extLst>
           </a:blip>
@@ -7999,13 +9408,13 @@
           <p:nvPr/>
         </p:nvPicPr>
         <p:blipFill>
-          <a:blip r:embed="rId37">
+          <a:blip r:embed="rId34">
             <a:extLst>
               <a:ext uri="{28A0092B-C50C-407E-A947-70E740481C1C}">
                 <a14:useLocalDpi xmlns:a14="http://schemas.microsoft.com/office/drawing/2010/main" val="0"/>
               </a:ext>
               <a:ext uri="{96DAC541-7B7A-43D3-8B79-37D633B846F1}">
-                <asvg:svgBlip xmlns:asvg="http://schemas.microsoft.com/office/drawing/2016/SVG/main" r:embed="rId38"/>
+                <asvg:svgBlip xmlns:asvg="http://schemas.microsoft.com/office/drawing/2016/SVG/main" r:embed="rId35"/>
               </a:ext>
             </a:extLst>
           </a:blip>
@@ -8576,52 +9985,6 @@
       </p:sp>
       <p:sp>
         <p:nvSpPr>
-          <p:cNvPr id="46" name="직사각형 45">
-            <a:extLst>
-              <a:ext uri="{FF2B5EF4-FFF2-40B4-BE49-F238E27FC236}">
-                <a16:creationId xmlns:a16="http://schemas.microsoft.com/office/drawing/2014/main" id="{09D6D177-F7B2-4724-B084-9252DAC21EF2}"/>
-              </a:ext>
-            </a:extLst>
-          </p:cNvPr>
-          <p:cNvSpPr/>
-          <p:nvPr/>
-        </p:nvSpPr>
-        <p:spPr>
-          <a:xfrm>
-            <a:off x="7820459" y="2538919"/>
-            <a:ext cx="3624470" cy="3912032"/>
-          </a:xfrm>
-          <a:prstGeom prst="rect">
-            <a:avLst/>
-          </a:prstGeom>
-        </p:spPr>
-        <p:style>
-          <a:lnRef idx="2">
-            <a:schemeClr val="accent6">
-              <a:shade val="50000"/>
-            </a:schemeClr>
-          </a:lnRef>
-          <a:fillRef idx="1">
-            <a:schemeClr val="accent6"/>
-          </a:fillRef>
-          <a:effectRef idx="0">
-            <a:schemeClr val="accent6"/>
-          </a:effectRef>
-          <a:fontRef idx="minor">
-            <a:schemeClr val="lt1"/>
-          </a:fontRef>
-        </p:style>
-        <p:txBody>
-          <a:bodyPr rtlCol="0" anchor="ctr"/>
-          <a:lstStyle/>
-          <a:p>
-            <a:pPr algn="ctr"/>
-            <a:endParaRPr lang="ko-KR" altLang="en-US"/>
-          </a:p>
-        </p:txBody>
-      </p:sp>
-      <p:sp>
-        <p:nvSpPr>
           <p:cNvPr id="40" name="사각형: 빗면 39">
             <a:extLst>
               <a:ext uri="{FF2B5EF4-FFF2-40B4-BE49-F238E27FC236}">
@@ -10181,6 +11544,58 @@
             <a:r>
               <a:rPr lang="ko-KR" altLang="en-US" dirty="0"/>
               <a:t>뒤로</a:t>
+            </a:r>
+          </a:p>
+        </p:txBody>
+      </p:sp>
+      <p:sp>
+        <p:nvSpPr>
+          <p:cNvPr id="48" name="직사각형 47">
+            <a:extLst>
+              <a:ext uri="{FF2B5EF4-FFF2-40B4-BE49-F238E27FC236}">
+                <a16:creationId xmlns:a16="http://schemas.microsoft.com/office/drawing/2014/main" id="{10B290E0-35B6-4CD1-BDB0-4E0CE4F1FBA8}"/>
+              </a:ext>
+            </a:extLst>
+          </p:cNvPr>
+          <p:cNvSpPr/>
+          <p:nvPr/>
+        </p:nvSpPr>
+        <p:spPr>
+          <a:xfrm>
+            <a:off x="7829593" y="2527371"/>
+            <a:ext cx="3624470" cy="3912032"/>
+          </a:xfrm>
+          <a:prstGeom prst="rect">
+            <a:avLst/>
+          </a:prstGeom>
+        </p:spPr>
+        <p:style>
+          <a:lnRef idx="2">
+            <a:schemeClr val="accent6">
+              <a:shade val="50000"/>
+            </a:schemeClr>
+          </a:lnRef>
+          <a:fillRef idx="1">
+            <a:schemeClr val="accent6"/>
+          </a:fillRef>
+          <a:effectRef idx="0">
+            <a:schemeClr val="accent6"/>
+          </a:effectRef>
+          <a:fontRef idx="minor">
+            <a:schemeClr val="lt1"/>
+          </a:fontRef>
+        </p:style>
+        <p:txBody>
+          <a:bodyPr rtlCol="0" anchor="ctr"/>
+          <a:lstStyle/>
+          <a:p>
+            <a:pPr algn="ctr"/>
+            <a:r>
+              <a:rPr lang="ko-KR" altLang="en-US" dirty="0">
+                <a:latin typeface="+mj-ea"/>
+                <a:ea typeface="+mj-ea"/>
+              </a:rPr>
+              <a:t>스크립트 출력</a:t>
             </a:r>
           </a:p>
         </p:txBody>
@@ -10738,52 +12153,6 @@
       </p:sp>
       <p:sp>
         <p:nvSpPr>
-          <p:cNvPr id="46" name="직사각형 45">
-            <a:extLst>
-              <a:ext uri="{FF2B5EF4-FFF2-40B4-BE49-F238E27FC236}">
-                <a16:creationId xmlns:a16="http://schemas.microsoft.com/office/drawing/2014/main" id="{09D6D177-F7B2-4724-B084-9252DAC21EF2}"/>
-              </a:ext>
-            </a:extLst>
-          </p:cNvPr>
-          <p:cNvSpPr/>
-          <p:nvPr/>
-        </p:nvSpPr>
-        <p:spPr>
-          <a:xfrm>
-            <a:off x="7820459" y="2538919"/>
-            <a:ext cx="3624470" cy="3912032"/>
-          </a:xfrm>
-          <a:prstGeom prst="rect">
-            <a:avLst/>
-          </a:prstGeom>
-        </p:spPr>
-        <p:style>
-          <a:lnRef idx="2">
-            <a:schemeClr val="accent6">
-              <a:shade val="50000"/>
-            </a:schemeClr>
-          </a:lnRef>
-          <a:fillRef idx="1">
-            <a:schemeClr val="accent6"/>
-          </a:fillRef>
-          <a:effectRef idx="0">
-            <a:schemeClr val="accent6"/>
-          </a:effectRef>
-          <a:fontRef idx="minor">
-            <a:schemeClr val="lt1"/>
-          </a:fontRef>
-        </p:style>
-        <p:txBody>
-          <a:bodyPr rtlCol="0" anchor="ctr"/>
-          <a:lstStyle/>
-          <a:p>
-            <a:pPr algn="ctr"/>
-            <a:endParaRPr lang="ko-KR" altLang="en-US"/>
-          </a:p>
-        </p:txBody>
-      </p:sp>
-      <p:sp>
-        <p:nvSpPr>
           <p:cNvPr id="40" name="사각형: 빗면 39">
             <a:extLst>
               <a:ext uri="{FF2B5EF4-FFF2-40B4-BE49-F238E27FC236}">
@@ -12322,6 +13691,58 @@
             <a:r>
               <a:rPr lang="ko-KR" altLang="en-US" dirty="0"/>
               <a:t>삭제 시스템으로</a:t>
+            </a:r>
+          </a:p>
+        </p:txBody>
+      </p:sp>
+      <p:sp>
+        <p:nvSpPr>
+          <p:cNvPr id="47" name="직사각형 46">
+            <a:extLst>
+              <a:ext uri="{FF2B5EF4-FFF2-40B4-BE49-F238E27FC236}">
+                <a16:creationId xmlns:a16="http://schemas.microsoft.com/office/drawing/2014/main" id="{AA56F817-A89B-4F67-B1CE-CD326DE730AB}"/>
+              </a:ext>
+            </a:extLst>
+          </p:cNvPr>
+          <p:cNvSpPr/>
+          <p:nvPr/>
+        </p:nvSpPr>
+        <p:spPr>
+          <a:xfrm>
+            <a:off x="7820459" y="2538919"/>
+            <a:ext cx="3624470" cy="3912032"/>
+          </a:xfrm>
+          <a:prstGeom prst="rect">
+            <a:avLst/>
+          </a:prstGeom>
+        </p:spPr>
+        <p:style>
+          <a:lnRef idx="2">
+            <a:schemeClr val="accent6">
+              <a:shade val="50000"/>
+            </a:schemeClr>
+          </a:lnRef>
+          <a:fillRef idx="1">
+            <a:schemeClr val="accent6"/>
+          </a:fillRef>
+          <a:effectRef idx="0">
+            <a:schemeClr val="accent6"/>
+          </a:effectRef>
+          <a:fontRef idx="minor">
+            <a:schemeClr val="lt1"/>
+          </a:fontRef>
+        </p:style>
+        <p:txBody>
+          <a:bodyPr rtlCol="0" anchor="ctr"/>
+          <a:lstStyle/>
+          <a:p>
+            <a:pPr algn="ctr"/>
+            <a:r>
+              <a:rPr lang="ko-KR" altLang="en-US" dirty="0">
+                <a:latin typeface="+mj-ea"/>
+                <a:ea typeface="+mj-ea"/>
+              </a:rPr>
+              <a:t>스크립트 출력</a:t>
             </a:r>
           </a:p>
         </p:txBody>
@@ -12879,52 +14300,6 @@
       </p:sp>
       <p:sp>
         <p:nvSpPr>
-          <p:cNvPr id="46" name="직사각형 45">
-            <a:extLst>
-              <a:ext uri="{FF2B5EF4-FFF2-40B4-BE49-F238E27FC236}">
-                <a16:creationId xmlns:a16="http://schemas.microsoft.com/office/drawing/2014/main" id="{09D6D177-F7B2-4724-B084-9252DAC21EF2}"/>
-              </a:ext>
-            </a:extLst>
-          </p:cNvPr>
-          <p:cNvSpPr/>
-          <p:nvPr/>
-        </p:nvSpPr>
-        <p:spPr>
-          <a:xfrm>
-            <a:off x="7820459" y="2538919"/>
-            <a:ext cx="3624470" cy="3912032"/>
-          </a:xfrm>
-          <a:prstGeom prst="rect">
-            <a:avLst/>
-          </a:prstGeom>
-        </p:spPr>
-        <p:style>
-          <a:lnRef idx="2">
-            <a:schemeClr val="accent6">
-              <a:shade val="50000"/>
-            </a:schemeClr>
-          </a:lnRef>
-          <a:fillRef idx="1">
-            <a:schemeClr val="accent6"/>
-          </a:fillRef>
-          <a:effectRef idx="0">
-            <a:schemeClr val="accent6"/>
-          </a:effectRef>
-          <a:fontRef idx="minor">
-            <a:schemeClr val="lt1"/>
-          </a:fontRef>
-        </p:style>
-        <p:txBody>
-          <a:bodyPr rtlCol="0" anchor="ctr"/>
-          <a:lstStyle/>
-          <a:p>
-            <a:pPr algn="ctr"/>
-            <a:endParaRPr lang="ko-KR" altLang="en-US"/>
-          </a:p>
-        </p:txBody>
-      </p:sp>
-      <p:sp>
-        <p:nvSpPr>
           <p:cNvPr id="40" name="사각형: 빗면 39">
             <a:extLst>
               <a:ext uri="{FF2B5EF4-FFF2-40B4-BE49-F238E27FC236}">
@@ -14484,6 +15859,58 @@
             <a:r>
               <a:rPr lang="ko-KR" altLang="en-US" dirty="0"/>
               <a:t>삭제 시스템으로</a:t>
+            </a:r>
+          </a:p>
+        </p:txBody>
+      </p:sp>
+      <p:sp>
+        <p:nvSpPr>
+          <p:cNvPr id="48" name="직사각형 47">
+            <a:extLst>
+              <a:ext uri="{FF2B5EF4-FFF2-40B4-BE49-F238E27FC236}">
+                <a16:creationId xmlns:a16="http://schemas.microsoft.com/office/drawing/2014/main" id="{151E55D3-FA02-4165-A526-A4FD6250ED73}"/>
+              </a:ext>
+            </a:extLst>
+          </p:cNvPr>
+          <p:cNvSpPr/>
+          <p:nvPr/>
+        </p:nvSpPr>
+        <p:spPr>
+          <a:xfrm>
+            <a:off x="7820459" y="2538919"/>
+            <a:ext cx="3624470" cy="3912032"/>
+          </a:xfrm>
+          <a:prstGeom prst="rect">
+            <a:avLst/>
+          </a:prstGeom>
+        </p:spPr>
+        <p:style>
+          <a:lnRef idx="2">
+            <a:schemeClr val="accent6">
+              <a:shade val="50000"/>
+            </a:schemeClr>
+          </a:lnRef>
+          <a:fillRef idx="1">
+            <a:schemeClr val="accent6"/>
+          </a:fillRef>
+          <a:effectRef idx="0">
+            <a:schemeClr val="accent6"/>
+          </a:effectRef>
+          <a:fontRef idx="minor">
+            <a:schemeClr val="lt1"/>
+          </a:fontRef>
+        </p:style>
+        <p:txBody>
+          <a:bodyPr rtlCol="0" anchor="ctr"/>
+          <a:lstStyle/>
+          <a:p>
+            <a:pPr algn="ctr"/>
+            <a:r>
+              <a:rPr lang="ko-KR" altLang="en-US" dirty="0">
+                <a:latin typeface="+mj-ea"/>
+                <a:ea typeface="+mj-ea"/>
+              </a:rPr>
+              <a:t>스크립트 출력</a:t>
             </a:r>
           </a:p>
         </p:txBody>
@@ -15041,52 +16468,6 @@
       </p:sp>
       <p:sp>
         <p:nvSpPr>
-          <p:cNvPr id="46" name="직사각형 45">
-            <a:extLst>
-              <a:ext uri="{FF2B5EF4-FFF2-40B4-BE49-F238E27FC236}">
-                <a16:creationId xmlns:a16="http://schemas.microsoft.com/office/drawing/2014/main" id="{09D6D177-F7B2-4724-B084-9252DAC21EF2}"/>
-              </a:ext>
-            </a:extLst>
-          </p:cNvPr>
-          <p:cNvSpPr/>
-          <p:nvPr/>
-        </p:nvSpPr>
-        <p:spPr>
-          <a:xfrm>
-            <a:off x="7820459" y="2538919"/>
-            <a:ext cx="3624470" cy="3912032"/>
-          </a:xfrm>
-          <a:prstGeom prst="rect">
-            <a:avLst/>
-          </a:prstGeom>
-        </p:spPr>
-        <p:style>
-          <a:lnRef idx="2">
-            <a:schemeClr val="accent6">
-              <a:shade val="50000"/>
-            </a:schemeClr>
-          </a:lnRef>
-          <a:fillRef idx="1">
-            <a:schemeClr val="accent6"/>
-          </a:fillRef>
-          <a:effectRef idx="0">
-            <a:schemeClr val="accent6"/>
-          </a:effectRef>
-          <a:fontRef idx="minor">
-            <a:schemeClr val="lt1"/>
-          </a:fontRef>
-        </p:style>
-        <p:txBody>
-          <a:bodyPr rtlCol="0" anchor="ctr"/>
-          <a:lstStyle/>
-          <a:p>
-            <a:pPr algn="ctr"/>
-            <a:endParaRPr lang="ko-KR" altLang="en-US"/>
-          </a:p>
-        </p:txBody>
-      </p:sp>
-      <p:sp>
-        <p:nvSpPr>
           <p:cNvPr id="40" name="사각형: 빗면 39">
             <a:extLst>
               <a:ext uri="{FF2B5EF4-FFF2-40B4-BE49-F238E27FC236}">
@@ -16601,6 +17982,58 @@
           </a:p>
         </p:txBody>
       </p:sp>
+      <p:sp>
+        <p:nvSpPr>
+          <p:cNvPr id="48" name="직사각형 47">
+            <a:extLst>
+              <a:ext uri="{FF2B5EF4-FFF2-40B4-BE49-F238E27FC236}">
+                <a16:creationId xmlns:a16="http://schemas.microsoft.com/office/drawing/2014/main" id="{F1BE8E0A-B031-4D6B-B71E-B2722797340E}"/>
+              </a:ext>
+            </a:extLst>
+          </p:cNvPr>
+          <p:cNvSpPr/>
+          <p:nvPr/>
+        </p:nvSpPr>
+        <p:spPr>
+          <a:xfrm>
+            <a:off x="7820459" y="2538919"/>
+            <a:ext cx="3624470" cy="3912032"/>
+          </a:xfrm>
+          <a:prstGeom prst="rect">
+            <a:avLst/>
+          </a:prstGeom>
+        </p:spPr>
+        <p:style>
+          <a:lnRef idx="2">
+            <a:schemeClr val="accent6">
+              <a:shade val="50000"/>
+            </a:schemeClr>
+          </a:lnRef>
+          <a:fillRef idx="1">
+            <a:schemeClr val="accent6"/>
+          </a:fillRef>
+          <a:effectRef idx="0">
+            <a:schemeClr val="accent6"/>
+          </a:effectRef>
+          <a:fontRef idx="minor">
+            <a:schemeClr val="lt1"/>
+          </a:fontRef>
+        </p:style>
+        <p:txBody>
+          <a:bodyPr rtlCol="0" anchor="ctr"/>
+          <a:lstStyle/>
+          <a:p>
+            <a:pPr algn="ctr"/>
+            <a:r>
+              <a:rPr lang="ko-KR" altLang="en-US" dirty="0">
+                <a:latin typeface="+mj-ea"/>
+                <a:ea typeface="+mj-ea"/>
+              </a:rPr>
+              <a:t>스크립트 출력</a:t>
+            </a:r>
+          </a:p>
+        </p:txBody>
+      </p:sp>
     </p:spTree>
     <p:extLst>
       <p:ext uri="{BB962C8B-B14F-4D97-AF65-F5344CB8AC3E}">
@@ -16691,8 +18124,8 @@
         </p:nvGrpSpPr>
         <p:grpSpPr>
           <a:xfrm>
-            <a:off x="4411342" y="366051"/>
-            <a:ext cx="7780658" cy="1647825"/>
+            <a:off x="4578686" y="366051"/>
+            <a:ext cx="7613314" cy="1647825"/>
             <a:chOff x="307974" y="371472"/>
             <a:chExt cx="9636191" cy="1647825"/>
           </a:xfrm>
@@ -17152,52 +18585,6 @@
           </a:p>
         </p:txBody>
       </p:sp>
-      <p:sp>
-        <p:nvSpPr>
-          <p:cNvPr id="46" name="직사각형 45">
-            <a:extLst>
-              <a:ext uri="{FF2B5EF4-FFF2-40B4-BE49-F238E27FC236}">
-                <a16:creationId xmlns:a16="http://schemas.microsoft.com/office/drawing/2014/main" id="{09D6D177-F7B2-4724-B084-9252DAC21EF2}"/>
-              </a:ext>
-            </a:extLst>
-          </p:cNvPr>
-          <p:cNvSpPr/>
-          <p:nvPr/>
-        </p:nvSpPr>
-        <p:spPr>
-          <a:xfrm>
-            <a:off x="7820459" y="2538919"/>
-            <a:ext cx="3624470" cy="3912032"/>
-          </a:xfrm>
-          <a:prstGeom prst="rect">
-            <a:avLst/>
-          </a:prstGeom>
-        </p:spPr>
-        <p:style>
-          <a:lnRef idx="2">
-            <a:schemeClr val="accent6">
-              <a:shade val="50000"/>
-            </a:schemeClr>
-          </a:lnRef>
-          <a:fillRef idx="1">
-            <a:schemeClr val="accent6"/>
-          </a:fillRef>
-          <a:effectRef idx="0">
-            <a:schemeClr val="accent6"/>
-          </a:effectRef>
-          <a:fontRef idx="minor">
-            <a:schemeClr val="lt1"/>
-          </a:fontRef>
-        </p:style>
-        <p:txBody>
-          <a:bodyPr rtlCol="0" anchor="ctr"/>
-          <a:lstStyle/>
-          <a:p>
-            <a:pPr algn="ctr"/>
-            <a:endParaRPr lang="ko-KR" altLang="en-US"/>
-          </a:p>
-        </p:txBody>
-      </p:sp>
       <p:grpSp>
         <p:nvGrpSpPr>
           <p:cNvPr id="51" name="그룹 50">
@@ -18636,6 +20023,58 @@
           </a:p>
         </p:txBody>
       </p:sp>
+      <p:sp>
+        <p:nvSpPr>
+          <p:cNvPr id="47" name="직사각형 46">
+            <a:extLst>
+              <a:ext uri="{FF2B5EF4-FFF2-40B4-BE49-F238E27FC236}">
+                <a16:creationId xmlns:a16="http://schemas.microsoft.com/office/drawing/2014/main" id="{2CAB0A98-77E4-42F7-B384-D44C684DBB9B}"/>
+              </a:ext>
+            </a:extLst>
+          </p:cNvPr>
+          <p:cNvSpPr/>
+          <p:nvPr/>
+        </p:nvSpPr>
+        <p:spPr>
+          <a:xfrm>
+            <a:off x="7820459" y="2538919"/>
+            <a:ext cx="3624470" cy="3912032"/>
+          </a:xfrm>
+          <a:prstGeom prst="rect">
+            <a:avLst/>
+          </a:prstGeom>
+        </p:spPr>
+        <p:style>
+          <a:lnRef idx="2">
+            <a:schemeClr val="accent6">
+              <a:shade val="50000"/>
+            </a:schemeClr>
+          </a:lnRef>
+          <a:fillRef idx="1">
+            <a:schemeClr val="accent6"/>
+          </a:fillRef>
+          <a:effectRef idx="0">
+            <a:schemeClr val="accent6"/>
+          </a:effectRef>
+          <a:fontRef idx="minor">
+            <a:schemeClr val="lt1"/>
+          </a:fontRef>
+        </p:style>
+        <p:txBody>
+          <a:bodyPr rtlCol="0" anchor="ctr"/>
+          <a:lstStyle/>
+          <a:p>
+            <a:pPr algn="ctr"/>
+            <a:r>
+              <a:rPr lang="ko-KR" altLang="en-US" dirty="0">
+                <a:latin typeface="+mj-ea"/>
+                <a:ea typeface="+mj-ea"/>
+              </a:rPr>
+              <a:t>스크립트 출력</a:t>
+            </a:r>
+          </a:p>
+        </p:txBody>
+      </p:sp>
     </p:spTree>
     <p:extLst>
       <p:ext uri="{BB962C8B-B14F-4D97-AF65-F5344CB8AC3E}">
@@ -18666,58 +20105,12 @@
           <a:chExt cx="0" cy="0"/>
         </a:xfrm>
       </p:grpSpPr>
-      <p:sp>
-        <p:nvSpPr>
-          <p:cNvPr id="45" name="직사각형 44">
-            <a:extLst>
-              <a:ext uri="{FF2B5EF4-FFF2-40B4-BE49-F238E27FC236}">
-                <a16:creationId xmlns:a16="http://schemas.microsoft.com/office/drawing/2014/main" id="{6463EF08-31FF-40B3-9509-87709128ADCF}"/>
-              </a:ext>
-            </a:extLst>
-          </p:cNvPr>
-          <p:cNvSpPr/>
-          <p:nvPr/>
-        </p:nvSpPr>
-        <p:spPr>
-          <a:xfrm>
-            <a:off x="951443" y="1398046"/>
-            <a:ext cx="4126231" cy="4361202"/>
-          </a:xfrm>
-          <a:prstGeom prst="rect">
-            <a:avLst/>
-          </a:prstGeom>
-        </p:spPr>
-        <p:style>
-          <a:lnRef idx="2">
-            <a:schemeClr val="accent1">
-              <a:shade val="50000"/>
-            </a:schemeClr>
-          </a:lnRef>
-          <a:fillRef idx="1">
-            <a:schemeClr val="accent1"/>
-          </a:fillRef>
-          <a:effectRef idx="0">
-            <a:schemeClr val="accent1"/>
-          </a:effectRef>
-          <a:fontRef idx="minor">
-            <a:schemeClr val="lt1"/>
-          </a:fontRef>
-        </p:style>
-        <p:txBody>
-          <a:bodyPr rtlCol="0" anchor="ctr"/>
-          <a:lstStyle/>
-          <a:p>
-            <a:pPr algn="ctr"/>
-            <a:endParaRPr lang="ko-KR" altLang="en-US"/>
-          </a:p>
-        </p:txBody>
-      </p:sp>
       <p:grpSp>
         <p:nvGrpSpPr>
-          <p:cNvPr id="44" name="그룹 43">
-            <a:extLst>
-              <a:ext uri="{FF2B5EF4-FFF2-40B4-BE49-F238E27FC236}">
-                <a16:creationId xmlns:a16="http://schemas.microsoft.com/office/drawing/2014/main" id="{0F5F5F9E-93D9-44F4-9259-542C4A415DC2}"/>
+          <p:cNvPr id="26" name="그룹 25">
+            <a:extLst>
+              <a:ext uri="{FF2B5EF4-FFF2-40B4-BE49-F238E27FC236}">
+                <a16:creationId xmlns:a16="http://schemas.microsoft.com/office/drawing/2014/main" id="{1FF2E409-A154-4C94-AD47-655B4B3FF837}"/>
               </a:ext>
             </a:extLst>
           </p:cNvPr>
@@ -18725,19 +20118,19 @@
           <p:nvPr/>
         </p:nvGrpSpPr>
         <p:grpSpPr>
-          <a:xfrm>
-            <a:off x="4411342" y="366051"/>
-            <a:ext cx="7780658" cy="1647825"/>
-            <a:chOff x="307974" y="371472"/>
-            <a:chExt cx="9636191" cy="1647825"/>
+          <a:xfrm rot="5400000">
+            <a:off x="7565000" y="1671807"/>
+            <a:ext cx="2495655" cy="3371850"/>
+            <a:chOff x="944057" y="1152525"/>
+            <a:chExt cx="2495655" cy="3371850"/>
           </a:xfrm>
         </p:grpSpPr>
         <p:sp>
           <p:nvSpPr>
-            <p:cNvPr id="9" name="평행 사변형 8">
+            <p:cNvPr id="3" name="설명선: 오른쪽 화살표 2">
               <a:extLst>
                 <a:ext uri="{FF2B5EF4-FFF2-40B4-BE49-F238E27FC236}">
-                  <a16:creationId xmlns:a16="http://schemas.microsoft.com/office/drawing/2014/main" id="{87211217-5749-453E-9960-E957D1FB5168}"/>
+                  <a16:creationId xmlns:a16="http://schemas.microsoft.com/office/drawing/2014/main" id="{4AC0195D-0CDE-411D-86EF-4A9D0D8EE37B}"/>
                 </a:ext>
               </a:extLst>
             </p:cNvPr>
@@ -18745,18 +20138,13 @@
             <p:nvPr/>
           </p:nvSpPr>
           <p:spPr>
-            <a:xfrm flipV="1">
-              <a:off x="307974" y="371472"/>
-              <a:ext cx="9636191" cy="1647825"/>
+            <a:xfrm>
+              <a:off x="944057" y="1152525"/>
+              <a:ext cx="2495655" cy="3371850"/>
             </a:xfrm>
-            <a:prstGeom prst="parallelogram">
-              <a:avLst>
-                <a:gd name="adj" fmla="val 114041"/>
-              </a:avLst>
+            <a:prstGeom prst="rightArrowCallout">
+              <a:avLst/>
             </a:prstGeom>
-            <a:ln>
-              <a:noFill/>
-            </a:ln>
           </p:spPr>
           <p:style>
             <a:lnRef idx="2">
@@ -18783,62 +20171,305 @@
             </a:p>
           </p:txBody>
         </p:sp>
-        <p:sp>
-          <p:nvSpPr>
-            <p:cNvPr id="42" name="직사각형 41">
+        <p:grpSp>
+          <p:nvGrpSpPr>
+            <p:cNvPr id="4" name="그룹 3">
               <a:extLst>
                 <a:ext uri="{FF2B5EF4-FFF2-40B4-BE49-F238E27FC236}">
-                  <a16:creationId xmlns:a16="http://schemas.microsoft.com/office/drawing/2014/main" id="{FE180E80-526F-4AD1-8D02-F50BCB0B6A94}"/>
+                  <a16:creationId xmlns:a16="http://schemas.microsoft.com/office/drawing/2014/main" id="{C3417387-B649-4E68-B715-509C1C46A6F1}"/>
                 </a:ext>
               </a:extLst>
             </p:cNvPr>
-            <p:cNvSpPr/>
+            <p:cNvGrpSpPr/>
             <p:nvPr/>
-          </p:nvSpPr>
-          <p:spPr>
+          </p:nvGrpSpPr>
+          <p:grpSpPr>
             <a:xfrm>
-              <a:off x="7527168" y="371472"/>
-              <a:ext cx="2416997" cy="1647824"/>
+              <a:off x="1239332" y="1362075"/>
+              <a:ext cx="1193800" cy="1193800"/>
+              <a:chOff x="7886635" y="168275"/>
+              <a:chExt cx="838200" cy="838200"/>
             </a:xfrm>
-            <a:prstGeom prst="rect">
-              <a:avLst/>
-            </a:prstGeom>
-            <a:ln>
-              <a:noFill/>
-            </a:ln>
-          </p:spPr>
-          <p:style>
-            <a:lnRef idx="2">
-              <a:schemeClr val="accent1">
-                <a:shade val="50000"/>
-              </a:schemeClr>
-            </a:lnRef>
-            <a:fillRef idx="1">
-              <a:schemeClr val="accent1"/>
-            </a:fillRef>
-            <a:effectRef idx="0">
-              <a:schemeClr val="accent1"/>
-            </a:effectRef>
-            <a:fontRef idx="minor">
-              <a:schemeClr val="lt1"/>
-            </a:fontRef>
-          </p:style>
-          <p:txBody>
-            <a:bodyPr rtlCol="0" anchor="ctr"/>
-            <a:lstStyle/>
-            <a:p>
-              <a:pPr algn="ctr"/>
-              <a:endParaRPr lang="ko-KR" altLang="en-US"/>
-            </a:p>
-          </p:txBody>
-        </p:sp>
+          </p:grpSpPr>
+          <p:sp>
+            <p:nvSpPr>
+              <p:cNvPr id="5" name="사각형: 빗면 4">
+                <a:extLst>
+                  <a:ext uri="{FF2B5EF4-FFF2-40B4-BE49-F238E27FC236}">
+                    <a16:creationId xmlns:a16="http://schemas.microsoft.com/office/drawing/2014/main" id="{2C17CBE7-B73A-4970-84F7-D931C1EDF9BB}"/>
+                  </a:ext>
+                </a:extLst>
+              </p:cNvPr>
+              <p:cNvSpPr/>
+              <p:nvPr/>
+            </p:nvSpPr>
+            <p:spPr>
+              <a:xfrm>
+                <a:off x="7886635" y="168275"/>
+                <a:ext cx="838200" cy="838200"/>
+              </a:xfrm>
+              <a:prstGeom prst="bevel">
+                <a:avLst>
+                  <a:gd name="adj" fmla="val 5357"/>
+                </a:avLst>
+              </a:prstGeom>
+              <a:solidFill>
+                <a:schemeClr val="tx1">
+                  <a:lumMod val="50000"/>
+                  <a:lumOff val="50000"/>
+                </a:schemeClr>
+              </a:solidFill>
+            </p:spPr>
+            <p:style>
+              <a:lnRef idx="2">
+                <a:schemeClr val="accent3">
+                  <a:shade val="50000"/>
+                </a:schemeClr>
+              </a:lnRef>
+              <a:fillRef idx="1">
+                <a:schemeClr val="accent3"/>
+              </a:fillRef>
+              <a:effectRef idx="0">
+                <a:schemeClr val="accent3"/>
+              </a:effectRef>
+              <a:fontRef idx="minor">
+                <a:schemeClr val="lt1"/>
+              </a:fontRef>
+            </p:style>
+            <p:txBody>
+              <a:bodyPr rtlCol="0" anchor="ctr"/>
+              <a:lstStyle/>
+              <a:p>
+                <a:pPr algn="ctr"/>
+                <a:endParaRPr lang="ko-KR" altLang="en-US"/>
+              </a:p>
+            </p:txBody>
+          </p:sp>
+          <p:pic>
+            <p:nvPicPr>
+              <p:cNvPr id="6" name="그림 5">
+                <a:extLst>
+                  <a:ext uri="{FF2B5EF4-FFF2-40B4-BE49-F238E27FC236}">
+                    <a16:creationId xmlns:a16="http://schemas.microsoft.com/office/drawing/2014/main" id="{76303367-D2C9-4C87-AF3D-39F3437CF79A}"/>
+                  </a:ext>
+                </a:extLst>
+              </p:cNvPr>
+              <p:cNvPicPr>
+                <a:picLocks noChangeAspect="1"/>
+              </p:cNvPicPr>
+              <p:nvPr/>
+            </p:nvPicPr>
+            <p:blipFill>
+              <a:blip r:embed="rId2">
+                <a:extLst>
+                  <a:ext uri="{BEBA8EAE-BF5A-486C-A8C5-ECC9F3942E4B}">
+                    <a14:imgProps xmlns:a14="http://schemas.microsoft.com/office/drawing/2010/main">
+                      <a14:imgLayer r:embed="rId3">
+                        <a14:imgEffect>
+                          <a14:backgroundRemoval t="10000" b="90000" l="10000" r="90000">
+                            <a14:foregroundMark x1="25000" y1="61719" x2="25000" y2="61719"/>
+                            <a14:foregroundMark x1="60938" y1="76563" x2="60938" y2="76563"/>
+                          </a14:backgroundRemoval>
+                        </a14:imgEffect>
+                      </a14:imgLayer>
+                    </a14:imgProps>
+                  </a:ext>
+                  <a:ext uri="{28A0092B-C50C-407E-A947-70E740481C1C}">
+                    <a14:useLocalDpi xmlns:a14="http://schemas.microsoft.com/office/drawing/2010/main" val="0"/>
+                  </a:ext>
+                </a:extLst>
+              </a:blip>
+              <a:stretch>
+                <a:fillRect/>
+              </a:stretch>
+            </p:blipFill>
+            <p:spPr>
+              <a:xfrm>
+                <a:off x="8094069" y="375708"/>
+                <a:ext cx="423333" cy="423333"/>
+              </a:xfrm>
+              <a:prstGeom prst="rect">
+                <a:avLst/>
+              </a:prstGeom>
+            </p:spPr>
+          </p:pic>
+        </p:grpSp>
+        <p:grpSp>
+          <p:nvGrpSpPr>
+            <p:cNvPr id="7" name="그룹 6">
+              <a:extLst>
+                <a:ext uri="{FF2B5EF4-FFF2-40B4-BE49-F238E27FC236}">
+                  <a16:creationId xmlns:a16="http://schemas.microsoft.com/office/drawing/2014/main" id="{E1299BAD-234B-4D1C-9D51-E4DF662AA444}"/>
+                </a:ext>
+              </a:extLst>
+            </p:cNvPr>
+            <p:cNvGrpSpPr/>
+            <p:nvPr/>
+          </p:nvGrpSpPr>
+          <p:grpSpPr>
+            <a:xfrm>
+              <a:off x="1234601" y="3132694"/>
+              <a:ext cx="1193800" cy="1193800"/>
+              <a:chOff x="7886635" y="168275"/>
+              <a:chExt cx="838200" cy="838200"/>
+            </a:xfrm>
+          </p:grpSpPr>
+          <p:sp>
+            <p:nvSpPr>
+              <p:cNvPr id="8" name="사각형: 빗면 7">
+                <a:extLst>
+                  <a:ext uri="{FF2B5EF4-FFF2-40B4-BE49-F238E27FC236}">
+                    <a16:creationId xmlns:a16="http://schemas.microsoft.com/office/drawing/2014/main" id="{FC7DB373-A729-4B72-AE34-702075200171}"/>
+                  </a:ext>
+                </a:extLst>
+              </p:cNvPr>
+              <p:cNvSpPr/>
+              <p:nvPr/>
+            </p:nvSpPr>
+            <p:spPr>
+              <a:xfrm>
+                <a:off x="7886635" y="168275"/>
+                <a:ext cx="838200" cy="838200"/>
+              </a:xfrm>
+              <a:prstGeom prst="bevel">
+                <a:avLst>
+                  <a:gd name="adj" fmla="val 5357"/>
+                </a:avLst>
+              </a:prstGeom>
+              <a:solidFill>
+                <a:schemeClr val="tx1">
+                  <a:lumMod val="50000"/>
+                  <a:lumOff val="50000"/>
+                </a:schemeClr>
+              </a:solidFill>
+            </p:spPr>
+            <p:style>
+              <a:lnRef idx="2">
+                <a:schemeClr val="accent3">
+                  <a:shade val="50000"/>
+                </a:schemeClr>
+              </a:lnRef>
+              <a:fillRef idx="1">
+                <a:schemeClr val="accent3"/>
+              </a:fillRef>
+              <a:effectRef idx="0">
+                <a:schemeClr val="accent3"/>
+              </a:effectRef>
+              <a:fontRef idx="minor">
+                <a:schemeClr val="lt1"/>
+              </a:fontRef>
+            </p:style>
+            <p:txBody>
+              <a:bodyPr rtlCol="0" anchor="ctr"/>
+              <a:lstStyle/>
+              <a:p>
+                <a:pPr algn="ctr"/>
+                <a:endParaRPr lang="ko-KR" altLang="en-US"/>
+              </a:p>
+            </p:txBody>
+          </p:sp>
+          <p:pic>
+            <p:nvPicPr>
+              <p:cNvPr id="9" name="그림 8">
+                <a:extLst>
+                  <a:ext uri="{FF2B5EF4-FFF2-40B4-BE49-F238E27FC236}">
+                    <a16:creationId xmlns:a16="http://schemas.microsoft.com/office/drawing/2014/main" id="{820B493F-3C41-44B9-A1A3-A397C7EB2ECB}"/>
+                  </a:ext>
+                </a:extLst>
+              </p:cNvPr>
+              <p:cNvPicPr>
+                <a:picLocks noChangeAspect="1"/>
+              </p:cNvPicPr>
+              <p:nvPr/>
+            </p:nvPicPr>
+            <p:blipFill>
+              <a:blip r:embed="rId2">
+                <a:extLst>
+                  <a:ext uri="{BEBA8EAE-BF5A-486C-A8C5-ECC9F3942E4B}">
+                    <a14:imgProps xmlns:a14="http://schemas.microsoft.com/office/drawing/2010/main">
+                      <a14:imgLayer r:embed="rId3">
+                        <a14:imgEffect>
+                          <a14:backgroundRemoval t="10000" b="90000" l="10000" r="90000">
+                            <a14:foregroundMark x1="25000" y1="61719" x2="25000" y2="61719"/>
+                            <a14:foregroundMark x1="60938" y1="76563" x2="60938" y2="76563"/>
+                          </a14:backgroundRemoval>
+                        </a14:imgEffect>
+                      </a14:imgLayer>
+                    </a14:imgProps>
+                  </a:ext>
+                  <a:ext uri="{28A0092B-C50C-407E-A947-70E740481C1C}">
+                    <a14:useLocalDpi xmlns:a14="http://schemas.microsoft.com/office/drawing/2010/main" val="0"/>
+                  </a:ext>
+                </a:extLst>
+              </a:blip>
+              <a:stretch>
+                <a:fillRect/>
+              </a:stretch>
+            </p:blipFill>
+            <p:spPr>
+              <a:xfrm>
+                <a:off x="8094069" y="375708"/>
+                <a:ext cx="423333" cy="423333"/>
+              </a:xfrm>
+              <a:prstGeom prst="rect">
+                <a:avLst/>
+              </a:prstGeom>
+            </p:spPr>
+          </p:pic>
+        </p:grpSp>
       </p:grpSp>
+      <p:sp>
+        <p:nvSpPr>
+          <p:cNvPr id="2" name="직사각형 1">
+            <a:extLst>
+              <a:ext uri="{FF2B5EF4-FFF2-40B4-BE49-F238E27FC236}">
+                <a16:creationId xmlns:a16="http://schemas.microsoft.com/office/drawing/2014/main" id="{0457EB70-5ADC-46D1-A91E-E0E2A7D2585C}"/>
+              </a:ext>
+            </a:extLst>
+          </p:cNvPr>
+          <p:cNvSpPr/>
+          <p:nvPr/>
+        </p:nvSpPr>
+        <p:spPr>
+          <a:xfrm>
+            <a:off x="7836580" y="4710717"/>
+            <a:ext cx="1989458" cy="1647825"/>
+          </a:xfrm>
+          <a:prstGeom prst="rect">
+            <a:avLst/>
+          </a:prstGeom>
+        </p:spPr>
+        <p:style>
+          <a:lnRef idx="2">
+            <a:schemeClr val="accent1">
+              <a:shade val="50000"/>
+            </a:schemeClr>
+          </a:lnRef>
+          <a:fillRef idx="1">
+            <a:schemeClr val="accent1"/>
+          </a:fillRef>
+          <a:effectRef idx="0">
+            <a:schemeClr val="accent1"/>
+          </a:effectRef>
+          <a:fontRef idx="minor">
+            <a:schemeClr val="lt1"/>
+          </a:fontRef>
+        </p:style>
+        <p:txBody>
+          <a:bodyPr rtlCol="0" anchor="ctr"/>
+          <a:lstStyle/>
+          <a:p>
+            <a:pPr algn="ctr"/>
+            <a:endParaRPr lang="ko-KR" altLang="en-US"/>
+          </a:p>
+        </p:txBody>
+      </p:sp>
       <p:grpSp>
         <p:nvGrpSpPr>
           <p:cNvPr id="10" name="그룹 9">
             <a:extLst>
               <a:ext uri="{FF2B5EF4-FFF2-40B4-BE49-F238E27FC236}">
-                <a16:creationId xmlns:a16="http://schemas.microsoft.com/office/drawing/2014/main" id="{45C3EAD5-A1A7-4CBF-A5E7-70292D72B2B2}"/>
+                <a16:creationId xmlns:a16="http://schemas.microsoft.com/office/drawing/2014/main" id="{4D48B0D4-6250-40EE-8A5D-B65E908BCF7A}"/>
               </a:ext>
             </a:extLst>
           </p:cNvPr>
@@ -18847,7 +20478,7 @@
         </p:nvGrpSpPr>
         <p:grpSpPr>
           <a:xfrm>
-            <a:off x="6503602" y="563276"/>
+            <a:off x="8229893" y="4942923"/>
             <a:ext cx="1193800" cy="1193800"/>
             <a:chOff x="7886635" y="168275"/>
             <a:chExt cx="838200" cy="838200"/>
@@ -18858,7 +20489,7 @@
             <p:cNvPr id="11" name="사각형: 빗면 10">
               <a:extLst>
                 <a:ext uri="{FF2B5EF4-FFF2-40B4-BE49-F238E27FC236}">
-                  <a16:creationId xmlns:a16="http://schemas.microsoft.com/office/drawing/2014/main" id="{DF6C9B8B-F021-4673-BAAE-5CBAA9BFD22E}"/>
+                  <a16:creationId xmlns:a16="http://schemas.microsoft.com/office/drawing/2014/main" id="{3A1978EA-129D-4B89-BDF2-AECB964A23D8}"/>
                 </a:ext>
               </a:extLst>
             </p:cNvPr>
@@ -18912,7 +20543,7 @@
             <p:cNvPr id="12" name="그림 11">
               <a:extLst>
                 <a:ext uri="{FF2B5EF4-FFF2-40B4-BE49-F238E27FC236}">
-                  <a16:creationId xmlns:a16="http://schemas.microsoft.com/office/drawing/2014/main" id="{DBA1741E-4667-4B4D-A79C-F780C5753F2B}"/>
+                  <a16:creationId xmlns:a16="http://schemas.microsoft.com/office/drawing/2014/main" id="{3C79C17D-2A3D-4A8B-9493-60502EEA6C7F}"/>
                 </a:ext>
               </a:extLst>
             </p:cNvPr>
@@ -18956,12 +20587,1311 @@
           </p:spPr>
         </p:pic>
       </p:grpSp>
+      <p:sp>
+        <p:nvSpPr>
+          <p:cNvPr id="28" name="사각형: 빗면 27">
+            <a:extLst>
+              <a:ext uri="{FF2B5EF4-FFF2-40B4-BE49-F238E27FC236}">
+                <a16:creationId xmlns:a16="http://schemas.microsoft.com/office/drawing/2014/main" id="{22A6311E-3649-42B5-8523-BF52560A5910}"/>
+              </a:ext>
+            </a:extLst>
+          </p:cNvPr>
+          <p:cNvSpPr/>
+          <p:nvPr/>
+        </p:nvSpPr>
+        <p:spPr>
+          <a:xfrm>
+            <a:off x="467105" y="1777712"/>
+            <a:ext cx="1193800" cy="1193800"/>
+          </a:xfrm>
+          <a:prstGeom prst="bevel">
+            <a:avLst>
+              <a:gd name="adj" fmla="val 5357"/>
+            </a:avLst>
+          </a:prstGeom>
+          <a:solidFill>
+            <a:schemeClr val="tx1">
+              <a:lumMod val="50000"/>
+              <a:lumOff val="50000"/>
+            </a:schemeClr>
+          </a:solidFill>
+          <a:effectLst>
+            <a:glow rad="228600">
+              <a:schemeClr val="accent4">
+                <a:satMod val="175000"/>
+                <a:alpha val="40000"/>
+              </a:schemeClr>
+            </a:glow>
+          </a:effectLst>
+        </p:spPr>
+        <p:style>
+          <a:lnRef idx="2">
+            <a:schemeClr val="accent3">
+              <a:shade val="50000"/>
+            </a:schemeClr>
+          </a:lnRef>
+          <a:fillRef idx="1">
+            <a:schemeClr val="accent3"/>
+          </a:fillRef>
+          <a:effectRef idx="0">
+            <a:schemeClr val="accent3"/>
+          </a:effectRef>
+          <a:fontRef idx="minor">
+            <a:schemeClr val="lt1"/>
+          </a:fontRef>
+        </p:style>
+        <p:txBody>
+          <a:bodyPr rtlCol="0" anchor="ctr"/>
+          <a:lstStyle/>
+          <a:p>
+            <a:pPr algn="ctr"/>
+            <a:endParaRPr lang="ko-KR" altLang="en-US"/>
+          </a:p>
+        </p:txBody>
+      </p:sp>
+      <p:sp>
+        <p:nvSpPr>
+          <p:cNvPr id="29" name="사각형: 빗면 28">
+            <a:extLst>
+              <a:ext uri="{FF2B5EF4-FFF2-40B4-BE49-F238E27FC236}">
+                <a16:creationId xmlns:a16="http://schemas.microsoft.com/office/drawing/2014/main" id="{3EF2878F-8D28-41B9-AD91-8DA346F09F91}"/>
+              </a:ext>
+            </a:extLst>
+          </p:cNvPr>
+          <p:cNvSpPr/>
+          <p:nvPr/>
+        </p:nvSpPr>
+        <p:spPr>
+          <a:xfrm>
+            <a:off x="1892667" y="1769107"/>
+            <a:ext cx="1193800" cy="1193800"/>
+          </a:xfrm>
+          <a:prstGeom prst="bevel">
+            <a:avLst>
+              <a:gd name="adj" fmla="val 5357"/>
+            </a:avLst>
+          </a:prstGeom>
+          <a:solidFill>
+            <a:schemeClr val="tx1">
+              <a:lumMod val="50000"/>
+              <a:lumOff val="50000"/>
+            </a:schemeClr>
+          </a:solidFill>
+        </p:spPr>
+        <p:style>
+          <a:lnRef idx="2">
+            <a:schemeClr val="accent3">
+              <a:shade val="50000"/>
+            </a:schemeClr>
+          </a:lnRef>
+          <a:fillRef idx="1">
+            <a:schemeClr val="accent3"/>
+          </a:fillRef>
+          <a:effectRef idx="0">
+            <a:schemeClr val="accent3"/>
+          </a:effectRef>
+          <a:fontRef idx="minor">
+            <a:schemeClr val="lt1"/>
+          </a:fontRef>
+        </p:style>
+        <p:txBody>
+          <a:bodyPr rtlCol="0" anchor="ctr"/>
+          <a:lstStyle/>
+          <a:p>
+            <a:pPr algn="ctr"/>
+            <a:endParaRPr lang="ko-KR" altLang="en-US"/>
+          </a:p>
+        </p:txBody>
+      </p:sp>
+      <p:sp>
+        <p:nvSpPr>
+          <p:cNvPr id="30" name="사각형: 빗면 29">
+            <a:extLst>
+              <a:ext uri="{FF2B5EF4-FFF2-40B4-BE49-F238E27FC236}">
+                <a16:creationId xmlns:a16="http://schemas.microsoft.com/office/drawing/2014/main" id="{17255255-9CB1-41BE-BE63-1A0EE17574BC}"/>
+              </a:ext>
+            </a:extLst>
+          </p:cNvPr>
+          <p:cNvSpPr/>
+          <p:nvPr/>
+        </p:nvSpPr>
+        <p:spPr>
+          <a:xfrm>
+            <a:off x="3354424" y="1769107"/>
+            <a:ext cx="1193800" cy="1193800"/>
+          </a:xfrm>
+          <a:prstGeom prst="bevel">
+            <a:avLst>
+              <a:gd name="adj" fmla="val 5357"/>
+            </a:avLst>
+          </a:prstGeom>
+          <a:solidFill>
+            <a:schemeClr val="tx1">
+              <a:lumMod val="50000"/>
+              <a:lumOff val="50000"/>
+            </a:schemeClr>
+          </a:solidFill>
+        </p:spPr>
+        <p:style>
+          <a:lnRef idx="2">
+            <a:schemeClr val="accent3">
+              <a:shade val="50000"/>
+            </a:schemeClr>
+          </a:lnRef>
+          <a:fillRef idx="1">
+            <a:schemeClr val="accent3"/>
+          </a:fillRef>
+          <a:effectRef idx="0">
+            <a:schemeClr val="accent3"/>
+          </a:effectRef>
+          <a:fontRef idx="minor">
+            <a:schemeClr val="lt1"/>
+          </a:fontRef>
+        </p:style>
+        <p:txBody>
+          <a:bodyPr rtlCol="0" anchor="ctr"/>
+          <a:lstStyle/>
+          <a:p>
+            <a:pPr algn="ctr"/>
+            <a:endParaRPr lang="ko-KR" altLang="en-US"/>
+          </a:p>
+        </p:txBody>
+      </p:sp>
+      <p:sp>
+        <p:nvSpPr>
+          <p:cNvPr id="31" name="사각형: 빗면 30">
+            <a:extLst>
+              <a:ext uri="{FF2B5EF4-FFF2-40B4-BE49-F238E27FC236}">
+                <a16:creationId xmlns:a16="http://schemas.microsoft.com/office/drawing/2014/main" id="{0A53D2E7-940D-40FC-BF17-6CFCA7C71541}"/>
+              </a:ext>
+            </a:extLst>
+          </p:cNvPr>
+          <p:cNvSpPr/>
+          <p:nvPr/>
+        </p:nvSpPr>
+        <p:spPr>
+          <a:xfrm>
+            <a:off x="4816181" y="1777712"/>
+            <a:ext cx="1193800" cy="1193800"/>
+          </a:xfrm>
+          <a:prstGeom prst="bevel">
+            <a:avLst>
+              <a:gd name="adj" fmla="val 5357"/>
+            </a:avLst>
+          </a:prstGeom>
+          <a:solidFill>
+            <a:schemeClr val="tx1">
+              <a:lumMod val="50000"/>
+              <a:lumOff val="50000"/>
+            </a:schemeClr>
+          </a:solidFill>
+        </p:spPr>
+        <p:style>
+          <a:lnRef idx="2">
+            <a:schemeClr val="accent3">
+              <a:shade val="50000"/>
+            </a:schemeClr>
+          </a:lnRef>
+          <a:fillRef idx="1">
+            <a:schemeClr val="accent3"/>
+          </a:fillRef>
+          <a:effectRef idx="0">
+            <a:schemeClr val="accent3"/>
+          </a:effectRef>
+          <a:fontRef idx="minor">
+            <a:schemeClr val="lt1"/>
+          </a:fontRef>
+        </p:style>
+        <p:txBody>
+          <a:bodyPr rtlCol="0" anchor="ctr"/>
+          <a:lstStyle/>
+          <a:p>
+            <a:pPr algn="ctr"/>
+            <a:endParaRPr lang="ko-KR" altLang="en-US"/>
+          </a:p>
+        </p:txBody>
+      </p:sp>
+      <p:sp>
+        <p:nvSpPr>
+          <p:cNvPr id="32" name="사각형: 빗면 31">
+            <a:extLst>
+              <a:ext uri="{FF2B5EF4-FFF2-40B4-BE49-F238E27FC236}">
+                <a16:creationId xmlns:a16="http://schemas.microsoft.com/office/drawing/2014/main" id="{0EDB189A-6CE4-4771-BD0E-E17AC4288191}"/>
+              </a:ext>
+            </a:extLst>
+          </p:cNvPr>
+          <p:cNvSpPr/>
+          <p:nvPr/>
+        </p:nvSpPr>
+        <p:spPr>
+          <a:xfrm>
+            <a:off x="4828213" y="3262551"/>
+            <a:ext cx="1193800" cy="1193800"/>
+          </a:xfrm>
+          <a:prstGeom prst="bevel">
+            <a:avLst>
+              <a:gd name="adj" fmla="val 5357"/>
+            </a:avLst>
+          </a:prstGeom>
+          <a:solidFill>
+            <a:schemeClr val="tx1">
+              <a:lumMod val="50000"/>
+              <a:lumOff val="50000"/>
+            </a:schemeClr>
+          </a:solidFill>
+        </p:spPr>
+        <p:style>
+          <a:lnRef idx="2">
+            <a:schemeClr val="accent3">
+              <a:shade val="50000"/>
+            </a:schemeClr>
+          </a:lnRef>
+          <a:fillRef idx="1">
+            <a:schemeClr val="accent3"/>
+          </a:fillRef>
+          <a:effectRef idx="0">
+            <a:schemeClr val="accent3"/>
+          </a:effectRef>
+          <a:fontRef idx="minor">
+            <a:schemeClr val="lt1"/>
+          </a:fontRef>
+        </p:style>
+        <p:txBody>
+          <a:bodyPr rtlCol="0" anchor="ctr"/>
+          <a:lstStyle/>
+          <a:p>
+            <a:pPr algn="ctr"/>
+            <a:endParaRPr lang="ko-KR" altLang="en-US"/>
+          </a:p>
+        </p:txBody>
+      </p:sp>
+      <p:sp>
+        <p:nvSpPr>
+          <p:cNvPr id="33" name="사각형: 빗면 32">
+            <a:extLst>
+              <a:ext uri="{FF2B5EF4-FFF2-40B4-BE49-F238E27FC236}">
+                <a16:creationId xmlns:a16="http://schemas.microsoft.com/office/drawing/2014/main" id="{2E3159EC-E8AA-4CB2-8E22-16E7DAC965F1}"/>
+              </a:ext>
+            </a:extLst>
+          </p:cNvPr>
+          <p:cNvSpPr/>
+          <p:nvPr/>
+        </p:nvSpPr>
+        <p:spPr>
+          <a:xfrm>
+            <a:off x="3335321" y="3254197"/>
+            <a:ext cx="1193800" cy="1193800"/>
+          </a:xfrm>
+          <a:prstGeom prst="bevel">
+            <a:avLst>
+              <a:gd name="adj" fmla="val 5357"/>
+            </a:avLst>
+          </a:prstGeom>
+          <a:solidFill>
+            <a:schemeClr val="tx1">
+              <a:lumMod val="50000"/>
+              <a:lumOff val="50000"/>
+            </a:schemeClr>
+          </a:solidFill>
+        </p:spPr>
+        <p:style>
+          <a:lnRef idx="2">
+            <a:schemeClr val="accent3">
+              <a:shade val="50000"/>
+            </a:schemeClr>
+          </a:lnRef>
+          <a:fillRef idx="1">
+            <a:schemeClr val="accent3"/>
+          </a:fillRef>
+          <a:effectRef idx="0">
+            <a:schemeClr val="accent3"/>
+          </a:effectRef>
+          <a:fontRef idx="minor">
+            <a:schemeClr val="lt1"/>
+          </a:fontRef>
+        </p:style>
+        <p:txBody>
+          <a:bodyPr rtlCol="0" anchor="ctr"/>
+          <a:lstStyle/>
+          <a:p>
+            <a:pPr algn="ctr"/>
+            <a:endParaRPr lang="ko-KR" altLang="en-US"/>
+          </a:p>
+        </p:txBody>
+      </p:sp>
+      <p:sp>
+        <p:nvSpPr>
+          <p:cNvPr id="34" name="사각형: 빗면 33">
+            <a:extLst>
+              <a:ext uri="{FF2B5EF4-FFF2-40B4-BE49-F238E27FC236}">
+                <a16:creationId xmlns:a16="http://schemas.microsoft.com/office/drawing/2014/main" id="{F2E64A0F-DFED-4E9C-B27A-BCE51DE7CD55}"/>
+              </a:ext>
+            </a:extLst>
+          </p:cNvPr>
+          <p:cNvSpPr/>
+          <p:nvPr/>
+        </p:nvSpPr>
+        <p:spPr>
+          <a:xfrm>
+            <a:off x="1849161" y="3250519"/>
+            <a:ext cx="1193800" cy="1193800"/>
+          </a:xfrm>
+          <a:prstGeom prst="bevel">
+            <a:avLst>
+              <a:gd name="adj" fmla="val 5357"/>
+            </a:avLst>
+          </a:prstGeom>
+          <a:solidFill>
+            <a:schemeClr val="tx1">
+              <a:lumMod val="50000"/>
+              <a:lumOff val="50000"/>
+            </a:schemeClr>
+          </a:solidFill>
+        </p:spPr>
+        <p:style>
+          <a:lnRef idx="2">
+            <a:schemeClr val="accent3">
+              <a:shade val="50000"/>
+            </a:schemeClr>
+          </a:lnRef>
+          <a:fillRef idx="1">
+            <a:schemeClr val="accent3"/>
+          </a:fillRef>
+          <a:effectRef idx="0">
+            <a:schemeClr val="accent3"/>
+          </a:effectRef>
+          <a:fontRef idx="minor">
+            <a:schemeClr val="lt1"/>
+          </a:fontRef>
+        </p:style>
+        <p:txBody>
+          <a:bodyPr rtlCol="0" anchor="ctr"/>
+          <a:lstStyle/>
+          <a:p>
+            <a:pPr algn="ctr"/>
+            <a:endParaRPr lang="ko-KR" altLang="en-US"/>
+          </a:p>
+        </p:txBody>
+      </p:sp>
+      <p:sp>
+        <p:nvSpPr>
+          <p:cNvPr id="35" name="사각형: 빗면 34">
+            <a:extLst>
+              <a:ext uri="{FF2B5EF4-FFF2-40B4-BE49-F238E27FC236}">
+                <a16:creationId xmlns:a16="http://schemas.microsoft.com/office/drawing/2014/main" id="{B0D82ED6-CC06-48C7-981F-B523E1C13DD5}"/>
+              </a:ext>
+            </a:extLst>
+          </p:cNvPr>
+          <p:cNvSpPr/>
+          <p:nvPr/>
+        </p:nvSpPr>
+        <p:spPr>
+          <a:xfrm>
+            <a:off x="429810" y="3250230"/>
+            <a:ext cx="1193800" cy="1193800"/>
+          </a:xfrm>
+          <a:prstGeom prst="bevel">
+            <a:avLst>
+              <a:gd name="adj" fmla="val 5357"/>
+            </a:avLst>
+          </a:prstGeom>
+          <a:solidFill>
+            <a:schemeClr val="tx1">
+              <a:lumMod val="50000"/>
+              <a:lumOff val="50000"/>
+            </a:schemeClr>
+          </a:solidFill>
+        </p:spPr>
+        <p:style>
+          <a:lnRef idx="2">
+            <a:schemeClr val="accent3">
+              <a:shade val="50000"/>
+            </a:schemeClr>
+          </a:lnRef>
+          <a:fillRef idx="1">
+            <a:schemeClr val="accent3"/>
+          </a:fillRef>
+          <a:effectRef idx="0">
+            <a:schemeClr val="accent3"/>
+          </a:effectRef>
+          <a:fontRef idx="minor">
+            <a:schemeClr val="lt1"/>
+          </a:fontRef>
+        </p:style>
+        <p:txBody>
+          <a:bodyPr rtlCol="0" anchor="ctr"/>
+          <a:lstStyle/>
+          <a:p>
+            <a:pPr algn="ctr"/>
+            <a:endParaRPr lang="ko-KR" altLang="en-US"/>
+          </a:p>
+        </p:txBody>
+      </p:sp>
+      <p:sp>
+        <p:nvSpPr>
+          <p:cNvPr id="36" name="사각형: 빗면 35">
+            <a:extLst>
+              <a:ext uri="{FF2B5EF4-FFF2-40B4-BE49-F238E27FC236}">
+                <a16:creationId xmlns:a16="http://schemas.microsoft.com/office/drawing/2014/main" id="{F76642C4-3F46-4419-B6C4-66E7D79F6F99}"/>
+              </a:ext>
+            </a:extLst>
+          </p:cNvPr>
+          <p:cNvSpPr/>
+          <p:nvPr/>
+        </p:nvSpPr>
+        <p:spPr>
+          <a:xfrm>
+            <a:off x="468066" y="4698685"/>
+            <a:ext cx="1193800" cy="1193800"/>
+          </a:xfrm>
+          <a:prstGeom prst="bevel">
+            <a:avLst>
+              <a:gd name="adj" fmla="val 5357"/>
+            </a:avLst>
+          </a:prstGeom>
+          <a:solidFill>
+            <a:schemeClr val="tx1">
+              <a:lumMod val="50000"/>
+              <a:lumOff val="50000"/>
+            </a:schemeClr>
+          </a:solidFill>
+        </p:spPr>
+        <p:style>
+          <a:lnRef idx="2">
+            <a:schemeClr val="accent3">
+              <a:shade val="50000"/>
+            </a:schemeClr>
+          </a:lnRef>
+          <a:fillRef idx="1">
+            <a:schemeClr val="accent3"/>
+          </a:fillRef>
+          <a:effectRef idx="0">
+            <a:schemeClr val="accent3"/>
+          </a:effectRef>
+          <a:fontRef idx="minor">
+            <a:schemeClr val="lt1"/>
+          </a:fontRef>
+        </p:style>
+        <p:txBody>
+          <a:bodyPr rtlCol="0" anchor="ctr"/>
+          <a:lstStyle/>
+          <a:p>
+            <a:pPr algn="ctr"/>
+            <a:endParaRPr lang="ko-KR" altLang="en-US"/>
+          </a:p>
+        </p:txBody>
+      </p:sp>
+      <p:sp>
+        <p:nvSpPr>
+          <p:cNvPr id="37" name="사각형: 빗면 36">
+            <a:extLst>
+              <a:ext uri="{FF2B5EF4-FFF2-40B4-BE49-F238E27FC236}">
+                <a16:creationId xmlns:a16="http://schemas.microsoft.com/office/drawing/2014/main" id="{8D315A87-4A6C-46CB-928F-6883620D06AC}"/>
+              </a:ext>
+            </a:extLst>
+          </p:cNvPr>
+          <p:cNvSpPr/>
+          <p:nvPr/>
+        </p:nvSpPr>
+        <p:spPr>
+          <a:xfrm>
+            <a:off x="1842362" y="4698685"/>
+            <a:ext cx="1193800" cy="1193800"/>
+          </a:xfrm>
+          <a:prstGeom prst="bevel">
+            <a:avLst>
+              <a:gd name="adj" fmla="val 5357"/>
+            </a:avLst>
+          </a:prstGeom>
+          <a:solidFill>
+            <a:schemeClr val="tx1">
+              <a:lumMod val="50000"/>
+              <a:lumOff val="50000"/>
+            </a:schemeClr>
+          </a:solidFill>
+        </p:spPr>
+        <p:style>
+          <a:lnRef idx="2">
+            <a:schemeClr val="accent3">
+              <a:shade val="50000"/>
+            </a:schemeClr>
+          </a:lnRef>
+          <a:fillRef idx="1">
+            <a:schemeClr val="accent3"/>
+          </a:fillRef>
+          <a:effectRef idx="0">
+            <a:schemeClr val="accent3"/>
+          </a:effectRef>
+          <a:fontRef idx="minor">
+            <a:schemeClr val="lt1"/>
+          </a:fontRef>
+        </p:style>
+        <p:txBody>
+          <a:bodyPr rtlCol="0" anchor="ctr"/>
+          <a:lstStyle/>
+          <a:p>
+            <a:pPr algn="ctr"/>
+            <a:endParaRPr lang="ko-KR" altLang="en-US"/>
+          </a:p>
+        </p:txBody>
+      </p:sp>
+      <p:sp>
+        <p:nvSpPr>
+          <p:cNvPr id="38" name="사각형: 빗면 37">
+            <a:extLst>
+              <a:ext uri="{FF2B5EF4-FFF2-40B4-BE49-F238E27FC236}">
+                <a16:creationId xmlns:a16="http://schemas.microsoft.com/office/drawing/2014/main" id="{94FD8009-CE10-441F-B758-740AD7D1BEE9}"/>
+              </a:ext>
+            </a:extLst>
+          </p:cNvPr>
+          <p:cNvSpPr/>
+          <p:nvPr/>
+        </p:nvSpPr>
+        <p:spPr>
+          <a:xfrm>
+            <a:off x="3349666" y="4698685"/>
+            <a:ext cx="1193800" cy="1193800"/>
+          </a:xfrm>
+          <a:prstGeom prst="bevel">
+            <a:avLst>
+              <a:gd name="adj" fmla="val 5357"/>
+            </a:avLst>
+          </a:prstGeom>
+          <a:solidFill>
+            <a:schemeClr val="tx1">
+              <a:lumMod val="50000"/>
+              <a:lumOff val="50000"/>
+            </a:schemeClr>
+          </a:solidFill>
+        </p:spPr>
+        <p:style>
+          <a:lnRef idx="2">
+            <a:schemeClr val="accent3">
+              <a:shade val="50000"/>
+            </a:schemeClr>
+          </a:lnRef>
+          <a:fillRef idx="1">
+            <a:schemeClr val="accent3"/>
+          </a:fillRef>
+          <a:effectRef idx="0">
+            <a:schemeClr val="accent3"/>
+          </a:effectRef>
+          <a:fontRef idx="minor">
+            <a:schemeClr val="lt1"/>
+          </a:fontRef>
+        </p:style>
+        <p:txBody>
+          <a:bodyPr rtlCol="0" anchor="ctr"/>
+          <a:lstStyle/>
+          <a:p>
+            <a:pPr algn="ctr"/>
+            <a:endParaRPr lang="ko-KR" altLang="en-US"/>
+          </a:p>
+        </p:txBody>
+      </p:sp>
+      <p:sp>
+        <p:nvSpPr>
+          <p:cNvPr id="39" name="사각형: 빗면 38">
+            <a:extLst>
+              <a:ext uri="{FF2B5EF4-FFF2-40B4-BE49-F238E27FC236}">
+                <a16:creationId xmlns:a16="http://schemas.microsoft.com/office/drawing/2014/main" id="{7FEF0719-A50D-45F1-B756-BC75A6736562}"/>
+              </a:ext>
+            </a:extLst>
+          </p:cNvPr>
+          <p:cNvSpPr/>
+          <p:nvPr/>
+        </p:nvSpPr>
+        <p:spPr>
+          <a:xfrm>
+            <a:off x="4839471" y="4710717"/>
+            <a:ext cx="1193800" cy="1193800"/>
+          </a:xfrm>
+          <a:prstGeom prst="bevel">
+            <a:avLst>
+              <a:gd name="adj" fmla="val 5357"/>
+            </a:avLst>
+          </a:prstGeom>
+          <a:solidFill>
+            <a:schemeClr val="tx1">
+              <a:lumMod val="50000"/>
+              <a:lumOff val="50000"/>
+            </a:schemeClr>
+          </a:solidFill>
+        </p:spPr>
+        <p:style>
+          <a:lnRef idx="2">
+            <a:schemeClr val="accent3">
+              <a:shade val="50000"/>
+            </a:schemeClr>
+          </a:lnRef>
+          <a:fillRef idx="1">
+            <a:schemeClr val="accent3"/>
+          </a:fillRef>
+          <a:effectRef idx="0">
+            <a:schemeClr val="accent3"/>
+          </a:effectRef>
+          <a:fontRef idx="minor">
+            <a:schemeClr val="lt1"/>
+          </a:fontRef>
+        </p:style>
+        <p:txBody>
+          <a:bodyPr rtlCol="0" anchor="ctr"/>
+          <a:lstStyle/>
+          <a:p>
+            <a:pPr algn="ctr"/>
+            <a:endParaRPr lang="ko-KR" altLang="en-US"/>
+          </a:p>
+        </p:txBody>
+      </p:sp>
+      <p:pic>
+        <p:nvPicPr>
+          <p:cNvPr id="40" name="그래픽 39" descr="여자 아이가 있는 가족">
+            <a:extLst>
+              <a:ext uri="{FF2B5EF4-FFF2-40B4-BE49-F238E27FC236}">
+                <a16:creationId xmlns:a16="http://schemas.microsoft.com/office/drawing/2014/main" id="{94389CFA-4442-41E6-9C58-ECAE0D9385BC}"/>
+              </a:ext>
+            </a:extLst>
+          </p:cNvPr>
+          <p:cNvPicPr>
+            <a:picLocks noChangeAspect="1"/>
+          </p:cNvPicPr>
+          <p:nvPr/>
+        </p:nvPicPr>
+        <p:blipFill>
+          <a:blip r:embed="rId4">
+            <a:extLst>
+              <a:ext uri="{28A0092B-C50C-407E-A947-70E740481C1C}">
+                <a14:useLocalDpi xmlns:a14="http://schemas.microsoft.com/office/drawing/2010/main" val="0"/>
+              </a:ext>
+              <a:ext uri="{96DAC541-7B7A-43D3-8B79-37D633B846F1}">
+                <asvg:svgBlip xmlns:asvg="http://schemas.microsoft.com/office/drawing/2016/SVG/main" r:embed="rId5"/>
+              </a:ext>
+            </a:extLst>
+          </a:blip>
+          <a:stretch>
+            <a:fillRect/>
+          </a:stretch>
+        </p:blipFill>
+        <p:spPr>
+          <a:xfrm>
+            <a:off x="2029899" y="1908807"/>
+            <a:ext cx="914400" cy="914400"/>
+          </a:xfrm>
+          <a:prstGeom prst="rect">
+            <a:avLst/>
+          </a:prstGeom>
+        </p:spPr>
+      </p:pic>
+      <p:pic>
+        <p:nvPicPr>
+          <p:cNvPr id="41" name="그래픽 40" descr="링크">
+            <a:extLst>
+              <a:ext uri="{FF2B5EF4-FFF2-40B4-BE49-F238E27FC236}">
+                <a16:creationId xmlns:a16="http://schemas.microsoft.com/office/drawing/2014/main" id="{FE61AE61-81D0-43BA-93D3-B3059AE26709}"/>
+              </a:ext>
+            </a:extLst>
+          </p:cNvPr>
+          <p:cNvPicPr>
+            <a:picLocks noChangeAspect="1"/>
+          </p:cNvPicPr>
+          <p:nvPr/>
+        </p:nvPicPr>
+        <p:blipFill>
+          <a:blip r:embed="rId6">
+            <a:extLst>
+              <a:ext uri="{28A0092B-C50C-407E-A947-70E740481C1C}">
+                <a14:useLocalDpi xmlns:a14="http://schemas.microsoft.com/office/drawing/2010/main" val="0"/>
+              </a:ext>
+              <a:ext uri="{96DAC541-7B7A-43D3-8B79-37D633B846F1}">
+                <asvg:svgBlip xmlns:asvg="http://schemas.microsoft.com/office/drawing/2016/SVG/main" r:embed="rId7"/>
+              </a:ext>
+            </a:extLst>
+          </a:blip>
+          <a:stretch>
+            <a:fillRect/>
+          </a:stretch>
+        </p:blipFill>
+        <p:spPr>
+          <a:xfrm>
+            <a:off x="556715" y="3422265"/>
+            <a:ext cx="914400" cy="914400"/>
+          </a:xfrm>
+          <a:prstGeom prst="rect">
+            <a:avLst/>
+          </a:prstGeom>
+        </p:spPr>
+      </p:pic>
+      <p:pic>
+        <p:nvPicPr>
+          <p:cNvPr id="42" name="그래픽 41" descr="상향 추세">
+            <a:extLst>
+              <a:ext uri="{FF2B5EF4-FFF2-40B4-BE49-F238E27FC236}">
+                <a16:creationId xmlns:a16="http://schemas.microsoft.com/office/drawing/2014/main" id="{063CA1CD-B865-4D79-B70E-05FEBEC3F68B}"/>
+              </a:ext>
+            </a:extLst>
+          </p:cNvPr>
+          <p:cNvPicPr>
+            <a:picLocks noChangeAspect="1"/>
+          </p:cNvPicPr>
+          <p:nvPr/>
+        </p:nvPicPr>
+        <p:blipFill>
+          <a:blip r:embed="rId8">
+            <a:extLst>
+              <a:ext uri="{28A0092B-C50C-407E-A947-70E740481C1C}">
+                <a14:useLocalDpi xmlns:a14="http://schemas.microsoft.com/office/drawing/2010/main" val="0"/>
+              </a:ext>
+              <a:ext uri="{96DAC541-7B7A-43D3-8B79-37D633B846F1}">
+                <asvg:svgBlip xmlns:asvg="http://schemas.microsoft.com/office/drawing/2016/SVG/main" r:embed="rId9"/>
+              </a:ext>
+            </a:extLst>
+          </a:blip>
+          <a:stretch>
+            <a:fillRect/>
+          </a:stretch>
+        </p:blipFill>
+        <p:spPr>
+          <a:xfrm>
+            <a:off x="1975685" y="3397795"/>
+            <a:ext cx="914400" cy="914400"/>
+          </a:xfrm>
+          <a:prstGeom prst="rect">
+            <a:avLst/>
+          </a:prstGeom>
+        </p:spPr>
+      </p:pic>
+      <p:pic>
+        <p:nvPicPr>
+          <p:cNvPr id="43" name="그래픽 42" descr="톱니바퀴">
+            <a:extLst>
+              <a:ext uri="{FF2B5EF4-FFF2-40B4-BE49-F238E27FC236}">
+                <a16:creationId xmlns:a16="http://schemas.microsoft.com/office/drawing/2014/main" id="{3B18F7B7-021B-4443-ABDD-6F2689950BC4}"/>
+              </a:ext>
+            </a:extLst>
+          </p:cNvPr>
+          <p:cNvPicPr>
+            <a:picLocks noChangeAspect="1"/>
+          </p:cNvPicPr>
+          <p:nvPr/>
+        </p:nvPicPr>
+        <p:blipFill>
+          <a:blip r:embed="rId10">
+            <a:extLst>
+              <a:ext uri="{28A0092B-C50C-407E-A947-70E740481C1C}">
+                <a14:useLocalDpi xmlns:a14="http://schemas.microsoft.com/office/drawing/2010/main" val="0"/>
+              </a:ext>
+              <a:ext uri="{96DAC541-7B7A-43D3-8B79-37D633B846F1}">
+                <asvg:svgBlip xmlns:asvg="http://schemas.microsoft.com/office/drawing/2016/SVG/main" r:embed="rId11"/>
+              </a:ext>
+            </a:extLst>
+          </a:blip>
+          <a:stretch>
+            <a:fillRect/>
+          </a:stretch>
+        </p:blipFill>
+        <p:spPr>
+          <a:xfrm>
+            <a:off x="3468577" y="3354999"/>
+            <a:ext cx="914400" cy="914400"/>
+          </a:xfrm>
+          <a:prstGeom prst="rect">
+            <a:avLst/>
+          </a:prstGeom>
+        </p:spPr>
+      </p:pic>
+      <p:pic>
+        <p:nvPicPr>
+          <p:cNvPr id="44" name="그래픽 43" descr="머리와 톱니바퀴">
+            <a:extLst>
+              <a:ext uri="{FF2B5EF4-FFF2-40B4-BE49-F238E27FC236}">
+                <a16:creationId xmlns:a16="http://schemas.microsoft.com/office/drawing/2014/main" id="{517E87FA-7EF6-4A22-8C76-E2BC7BBDF795}"/>
+              </a:ext>
+            </a:extLst>
+          </p:cNvPr>
+          <p:cNvPicPr>
+            <a:picLocks noChangeAspect="1"/>
+          </p:cNvPicPr>
+          <p:nvPr/>
+        </p:nvPicPr>
+        <p:blipFill>
+          <a:blip r:embed="rId12">
+            <a:extLst>
+              <a:ext uri="{28A0092B-C50C-407E-A947-70E740481C1C}">
+                <a14:useLocalDpi xmlns:a14="http://schemas.microsoft.com/office/drawing/2010/main" val="0"/>
+              </a:ext>
+              <a:ext uri="{96DAC541-7B7A-43D3-8B79-37D633B846F1}">
+                <asvg:svgBlip xmlns:asvg="http://schemas.microsoft.com/office/drawing/2016/SVG/main" r:embed="rId13"/>
+              </a:ext>
+            </a:extLst>
+          </a:blip>
+          <a:stretch>
+            <a:fillRect/>
+          </a:stretch>
+        </p:blipFill>
+        <p:spPr>
+          <a:xfrm>
+            <a:off x="610525" y="4854474"/>
+            <a:ext cx="914400" cy="914400"/>
+          </a:xfrm>
+          <a:prstGeom prst="rect">
+            <a:avLst/>
+          </a:prstGeom>
+        </p:spPr>
+      </p:pic>
+      <p:pic>
+        <p:nvPicPr>
+          <p:cNvPr id="45" name="그래픽 44" descr="바코드">
+            <a:extLst>
+              <a:ext uri="{FF2B5EF4-FFF2-40B4-BE49-F238E27FC236}">
+                <a16:creationId xmlns:a16="http://schemas.microsoft.com/office/drawing/2014/main" id="{E66D79AB-0626-4BB9-B278-45CC41468013}"/>
+              </a:ext>
+            </a:extLst>
+          </p:cNvPr>
+          <p:cNvPicPr>
+            <a:picLocks noChangeAspect="1"/>
+          </p:cNvPicPr>
+          <p:nvPr/>
+        </p:nvPicPr>
+        <p:blipFill>
+          <a:blip r:embed="rId14">
+            <a:extLst>
+              <a:ext uri="{28A0092B-C50C-407E-A947-70E740481C1C}">
+                <a14:useLocalDpi xmlns:a14="http://schemas.microsoft.com/office/drawing/2010/main" val="0"/>
+              </a:ext>
+              <a:ext uri="{96DAC541-7B7A-43D3-8B79-37D633B846F1}">
+                <asvg:svgBlip xmlns:asvg="http://schemas.microsoft.com/office/drawing/2016/SVG/main" r:embed="rId15"/>
+              </a:ext>
+            </a:extLst>
+          </a:blip>
+          <a:stretch>
+            <a:fillRect/>
+          </a:stretch>
+        </p:blipFill>
+        <p:spPr>
+          <a:xfrm>
+            <a:off x="1988861" y="4850417"/>
+            <a:ext cx="914400" cy="914400"/>
+          </a:xfrm>
+          <a:prstGeom prst="rect">
+            <a:avLst/>
+          </a:prstGeom>
+        </p:spPr>
+      </p:pic>
+      <p:pic>
+        <p:nvPicPr>
+          <p:cNvPr id="46" name="그래픽 45" descr="가위">
+            <a:extLst>
+              <a:ext uri="{FF2B5EF4-FFF2-40B4-BE49-F238E27FC236}">
+                <a16:creationId xmlns:a16="http://schemas.microsoft.com/office/drawing/2014/main" id="{EDD57709-E6EB-45C5-ACEC-72FB577D0299}"/>
+              </a:ext>
+            </a:extLst>
+          </p:cNvPr>
+          <p:cNvPicPr>
+            <a:picLocks noChangeAspect="1"/>
+          </p:cNvPicPr>
+          <p:nvPr/>
+        </p:nvPicPr>
+        <p:blipFill>
+          <a:blip r:embed="rId16">
+            <a:extLst>
+              <a:ext uri="{28A0092B-C50C-407E-A947-70E740481C1C}">
+                <a14:useLocalDpi xmlns:a14="http://schemas.microsoft.com/office/drawing/2010/main" val="0"/>
+              </a:ext>
+              <a:ext uri="{96DAC541-7B7A-43D3-8B79-37D633B846F1}">
+                <asvg:svgBlip xmlns:asvg="http://schemas.microsoft.com/office/drawing/2016/SVG/main" r:embed="rId17"/>
+              </a:ext>
+            </a:extLst>
+          </a:blip>
+          <a:stretch>
+            <a:fillRect/>
+          </a:stretch>
+        </p:blipFill>
+        <p:spPr>
+          <a:xfrm>
+            <a:off x="3496942" y="4838385"/>
+            <a:ext cx="914400" cy="914400"/>
+          </a:xfrm>
+          <a:prstGeom prst="rect">
+            <a:avLst/>
+          </a:prstGeom>
+        </p:spPr>
+      </p:pic>
+      <p:pic>
+        <p:nvPicPr>
+          <p:cNvPr id="47" name="그래픽 46" descr="태양계">
+            <a:extLst>
+              <a:ext uri="{FF2B5EF4-FFF2-40B4-BE49-F238E27FC236}">
+                <a16:creationId xmlns:a16="http://schemas.microsoft.com/office/drawing/2014/main" id="{E789E988-04B2-4474-84FA-1E9234181847}"/>
+              </a:ext>
+            </a:extLst>
+          </p:cNvPr>
+          <p:cNvPicPr>
+            <a:picLocks noChangeAspect="1"/>
+          </p:cNvPicPr>
+          <p:nvPr/>
+        </p:nvPicPr>
+        <p:blipFill>
+          <a:blip r:embed="rId18">
+            <a:extLst>
+              <a:ext uri="{28A0092B-C50C-407E-A947-70E740481C1C}">
+                <a14:useLocalDpi xmlns:a14="http://schemas.microsoft.com/office/drawing/2010/main" val="0"/>
+              </a:ext>
+              <a:ext uri="{96DAC541-7B7A-43D3-8B79-37D633B846F1}">
+                <asvg:svgBlip xmlns:asvg="http://schemas.microsoft.com/office/drawing/2016/SVG/main" r:embed="rId19"/>
+              </a:ext>
+            </a:extLst>
+          </a:blip>
+          <a:stretch>
+            <a:fillRect/>
+          </a:stretch>
+        </p:blipFill>
+        <p:spPr>
+          <a:xfrm>
+            <a:off x="4948746" y="4850417"/>
+            <a:ext cx="914400" cy="914400"/>
+          </a:xfrm>
+          <a:prstGeom prst="rect">
+            <a:avLst/>
+          </a:prstGeom>
+        </p:spPr>
+      </p:pic>
+      <p:pic>
+        <p:nvPicPr>
+          <p:cNvPr id="48" name="그래픽 47" descr="메달">
+            <a:extLst>
+              <a:ext uri="{FF2B5EF4-FFF2-40B4-BE49-F238E27FC236}">
+                <a16:creationId xmlns:a16="http://schemas.microsoft.com/office/drawing/2014/main" id="{EAB496AE-8FC0-42D8-9950-F2C3452AE7C3}"/>
+              </a:ext>
+            </a:extLst>
+          </p:cNvPr>
+          <p:cNvPicPr>
+            <a:picLocks noChangeAspect="1"/>
+          </p:cNvPicPr>
+          <p:nvPr/>
+        </p:nvPicPr>
+        <p:blipFill>
+          <a:blip r:embed="rId20">
+            <a:extLst>
+              <a:ext uri="{28A0092B-C50C-407E-A947-70E740481C1C}">
+                <a14:useLocalDpi xmlns:a14="http://schemas.microsoft.com/office/drawing/2010/main" val="0"/>
+              </a:ext>
+              <a:ext uri="{96DAC541-7B7A-43D3-8B79-37D633B846F1}">
+                <asvg:svgBlip xmlns:asvg="http://schemas.microsoft.com/office/drawing/2016/SVG/main" r:embed="rId21"/>
+              </a:ext>
+            </a:extLst>
+          </a:blip>
+          <a:stretch>
+            <a:fillRect/>
+          </a:stretch>
+        </p:blipFill>
+        <p:spPr>
+          <a:xfrm>
+            <a:off x="4925070" y="3425537"/>
+            <a:ext cx="914400" cy="914400"/>
+          </a:xfrm>
+          <a:prstGeom prst="rect">
+            <a:avLst/>
+          </a:prstGeom>
+        </p:spPr>
+      </p:pic>
+      <p:pic>
+        <p:nvPicPr>
+          <p:cNvPr id="49" name="그래픽 48" descr="별">
+            <a:extLst>
+              <a:ext uri="{FF2B5EF4-FFF2-40B4-BE49-F238E27FC236}">
+                <a16:creationId xmlns:a16="http://schemas.microsoft.com/office/drawing/2014/main" id="{2CB92000-C49C-4195-A0C6-4A34310376E3}"/>
+              </a:ext>
+            </a:extLst>
+          </p:cNvPr>
+          <p:cNvPicPr>
+            <a:picLocks noChangeAspect="1"/>
+          </p:cNvPicPr>
+          <p:nvPr/>
+        </p:nvPicPr>
+        <p:blipFill>
+          <a:blip r:embed="rId22">
+            <a:extLst>
+              <a:ext uri="{28A0092B-C50C-407E-A947-70E740481C1C}">
+                <a14:useLocalDpi xmlns:a14="http://schemas.microsoft.com/office/drawing/2010/main" val="0"/>
+              </a:ext>
+              <a:ext uri="{96DAC541-7B7A-43D3-8B79-37D633B846F1}">
+                <asvg:svgBlip xmlns:asvg="http://schemas.microsoft.com/office/drawing/2016/SVG/main" r:embed="rId23"/>
+              </a:ext>
+            </a:extLst>
+          </a:blip>
+          <a:stretch>
+            <a:fillRect/>
+          </a:stretch>
+        </p:blipFill>
+        <p:spPr>
+          <a:xfrm>
+            <a:off x="3467850" y="1885978"/>
+            <a:ext cx="914400" cy="914400"/>
+          </a:xfrm>
+          <a:prstGeom prst="rect">
+            <a:avLst/>
+          </a:prstGeom>
+        </p:spPr>
+      </p:pic>
+      <p:pic>
+        <p:nvPicPr>
+          <p:cNvPr id="50" name="그래픽 49" descr="방사능">
+            <a:extLst>
+              <a:ext uri="{FF2B5EF4-FFF2-40B4-BE49-F238E27FC236}">
+                <a16:creationId xmlns:a16="http://schemas.microsoft.com/office/drawing/2014/main" id="{5866C0B6-9F03-422E-8E57-33A744AC6A48}"/>
+              </a:ext>
+            </a:extLst>
+          </p:cNvPr>
+          <p:cNvPicPr>
+            <a:picLocks noChangeAspect="1"/>
+          </p:cNvPicPr>
+          <p:nvPr/>
+        </p:nvPicPr>
+        <p:blipFill>
+          <a:blip r:embed="rId24">
+            <a:extLst>
+              <a:ext uri="{28A0092B-C50C-407E-A947-70E740481C1C}">
+                <a14:useLocalDpi xmlns:a14="http://schemas.microsoft.com/office/drawing/2010/main" val="0"/>
+              </a:ext>
+              <a:ext uri="{96DAC541-7B7A-43D3-8B79-37D633B846F1}">
+                <asvg:svgBlip xmlns:asvg="http://schemas.microsoft.com/office/drawing/2016/SVG/main" r:embed="rId25"/>
+              </a:ext>
+            </a:extLst>
+          </a:blip>
+          <a:stretch>
+            <a:fillRect/>
+          </a:stretch>
+        </p:blipFill>
+        <p:spPr>
+          <a:xfrm>
+            <a:off x="4965002" y="1936488"/>
+            <a:ext cx="914400" cy="914400"/>
+          </a:xfrm>
+          <a:prstGeom prst="rect">
+            <a:avLst/>
+          </a:prstGeom>
+        </p:spPr>
+      </p:pic>
+      <p:pic>
+        <p:nvPicPr>
+          <p:cNvPr id="51" name="그래픽 50" descr="눈꽃">
+            <a:extLst>
+              <a:ext uri="{FF2B5EF4-FFF2-40B4-BE49-F238E27FC236}">
+                <a16:creationId xmlns:a16="http://schemas.microsoft.com/office/drawing/2014/main" id="{5EA8FBC2-5320-4949-993D-FBCB87E4F816}"/>
+              </a:ext>
+            </a:extLst>
+          </p:cNvPr>
+          <p:cNvPicPr>
+            <a:picLocks noChangeAspect="1"/>
+          </p:cNvPicPr>
+          <p:nvPr/>
+        </p:nvPicPr>
+        <p:blipFill>
+          <a:blip r:embed="rId26">
+            <a:extLst>
+              <a:ext uri="{28A0092B-C50C-407E-A947-70E740481C1C}">
+                <a14:useLocalDpi xmlns:a14="http://schemas.microsoft.com/office/drawing/2010/main" val="0"/>
+              </a:ext>
+              <a:ext uri="{96DAC541-7B7A-43D3-8B79-37D633B846F1}">
+                <asvg:svgBlip xmlns:asvg="http://schemas.microsoft.com/office/drawing/2016/SVG/main" r:embed="rId27"/>
+              </a:ext>
+            </a:extLst>
+          </a:blip>
+          <a:stretch>
+            <a:fillRect/>
+          </a:stretch>
+        </p:blipFill>
+        <p:spPr>
+          <a:xfrm>
+            <a:off x="610525" y="1917412"/>
+            <a:ext cx="914400" cy="914400"/>
+          </a:xfrm>
+          <a:prstGeom prst="rect">
+            <a:avLst/>
+          </a:prstGeom>
+        </p:spPr>
+      </p:pic>
       <p:grpSp>
         <p:nvGrpSpPr>
-          <p:cNvPr id="13" name="그룹 12">
-            <a:extLst>
-              <a:ext uri="{FF2B5EF4-FFF2-40B4-BE49-F238E27FC236}">
-                <a16:creationId xmlns:a16="http://schemas.microsoft.com/office/drawing/2014/main" id="{1E360EF3-1851-46B7-86DD-C2D263A43421}"/>
+          <p:cNvPr id="52" name="그룹 51">
+            <a:extLst>
+              <a:ext uri="{FF2B5EF4-FFF2-40B4-BE49-F238E27FC236}">
+                <a16:creationId xmlns:a16="http://schemas.microsoft.com/office/drawing/2014/main" id="{8326DB77-47A5-477C-976A-FE9D810E7158}"/>
+              </a:ext>
+            </a:extLst>
+          </p:cNvPr>
+          <p:cNvGrpSpPr/>
+          <p:nvPr/>
+        </p:nvGrpSpPr>
+        <p:grpSpPr>
+          <a:xfrm>
+            <a:off x="4661650" y="366051"/>
+            <a:ext cx="7530350" cy="1647825"/>
+            <a:chOff x="307974" y="371472"/>
+            <a:chExt cx="9636191" cy="1647825"/>
+          </a:xfrm>
+        </p:grpSpPr>
+        <p:sp>
+          <p:nvSpPr>
+            <p:cNvPr id="53" name="평행 사변형 52">
+              <a:extLst>
+                <a:ext uri="{FF2B5EF4-FFF2-40B4-BE49-F238E27FC236}">
+                  <a16:creationId xmlns:a16="http://schemas.microsoft.com/office/drawing/2014/main" id="{ED529CC9-DB5E-45D8-B213-7A4C9CC09704}"/>
+                </a:ext>
+              </a:extLst>
+            </p:cNvPr>
+            <p:cNvSpPr/>
+            <p:nvPr/>
+          </p:nvSpPr>
+          <p:spPr>
+            <a:xfrm flipV="1">
+              <a:off x="307974" y="371472"/>
+              <a:ext cx="9636191" cy="1647825"/>
+            </a:xfrm>
+            <a:prstGeom prst="parallelogram">
+              <a:avLst>
+                <a:gd name="adj" fmla="val 114041"/>
+              </a:avLst>
+            </a:prstGeom>
+            <a:ln>
+              <a:noFill/>
+            </a:ln>
+          </p:spPr>
+          <p:style>
+            <a:lnRef idx="2">
+              <a:schemeClr val="accent1">
+                <a:shade val="50000"/>
+              </a:schemeClr>
+            </a:lnRef>
+            <a:fillRef idx="1">
+              <a:schemeClr val="accent1"/>
+            </a:fillRef>
+            <a:effectRef idx="0">
+              <a:schemeClr val="accent1"/>
+            </a:effectRef>
+            <a:fontRef idx="minor">
+              <a:schemeClr val="lt1"/>
+            </a:fontRef>
+          </p:style>
+          <p:txBody>
+            <a:bodyPr rtlCol="0" anchor="ctr"/>
+            <a:lstStyle/>
+            <a:p>
+              <a:pPr algn="ctr"/>
+              <a:endParaRPr lang="ko-KR" altLang="en-US"/>
+            </a:p>
+          </p:txBody>
+        </p:sp>
+        <p:sp>
+          <p:nvSpPr>
+            <p:cNvPr id="54" name="직사각형 53">
+              <a:extLst>
+                <a:ext uri="{FF2B5EF4-FFF2-40B4-BE49-F238E27FC236}">
+                  <a16:creationId xmlns:a16="http://schemas.microsoft.com/office/drawing/2014/main" id="{BCFCF666-EF96-4B1B-A48F-AFF5EC921CDD}"/>
+                </a:ext>
+              </a:extLst>
+            </p:cNvPr>
+            <p:cNvSpPr/>
+            <p:nvPr/>
+          </p:nvSpPr>
+          <p:spPr>
+            <a:xfrm>
+              <a:off x="7527168" y="371472"/>
+              <a:ext cx="2416997" cy="1647824"/>
+            </a:xfrm>
+            <a:prstGeom prst="rect">
+              <a:avLst/>
+            </a:prstGeom>
+            <a:ln>
+              <a:noFill/>
+            </a:ln>
+          </p:spPr>
+          <p:style>
+            <a:lnRef idx="2">
+              <a:schemeClr val="accent1">
+                <a:shade val="50000"/>
+              </a:schemeClr>
+            </a:lnRef>
+            <a:fillRef idx="1">
+              <a:schemeClr val="accent1"/>
+            </a:fillRef>
+            <a:effectRef idx="0">
+              <a:schemeClr val="accent1"/>
+            </a:effectRef>
+            <a:fontRef idx="minor">
+              <a:schemeClr val="lt1"/>
+            </a:fontRef>
+          </p:style>
+          <p:txBody>
+            <a:bodyPr rtlCol="0" anchor="ctr"/>
+            <a:lstStyle/>
+            <a:p>
+              <a:pPr algn="ctr"/>
+              <a:endParaRPr lang="ko-KR" altLang="en-US"/>
+            </a:p>
+          </p:txBody>
+        </p:sp>
+      </p:grpSp>
+      <p:sp>
+        <p:nvSpPr>
+          <p:cNvPr id="55" name="사각형: 빗면 54">
+            <a:extLst>
+              <a:ext uri="{FF2B5EF4-FFF2-40B4-BE49-F238E27FC236}">
+                <a16:creationId xmlns:a16="http://schemas.microsoft.com/office/drawing/2014/main" id="{8F0B0D27-EAC0-4CDB-8884-E82FE2B301CE}"/>
+              </a:ext>
+            </a:extLst>
+          </p:cNvPr>
+          <p:cNvSpPr/>
+          <p:nvPr/>
+        </p:nvSpPr>
+        <p:spPr>
+          <a:xfrm>
+            <a:off x="6503602" y="563276"/>
+            <a:ext cx="1193800" cy="1193800"/>
+          </a:xfrm>
+          <a:prstGeom prst="bevel">
+            <a:avLst>
+              <a:gd name="adj" fmla="val 5357"/>
+            </a:avLst>
+          </a:prstGeom>
+          <a:solidFill>
+            <a:schemeClr val="tx1">
+              <a:lumMod val="50000"/>
+              <a:lumOff val="50000"/>
+            </a:schemeClr>
+          </a:solidFill>
+        </p:spPr>
+        <p:style>
+          <a:lnRef idx="2">
+            <a:schemeClr val="accent3">
+              <a:shade val="50000"/>
+            </a:schemeClr>
+          </a:lnRef>
+          <a:fillRef idx="1">
+            <a:schemeClr val="accent3"/>
+          </a:fillRef>
+          <a:effectRef idx="0">
+            <a:schemeClr val="accent3"/>
+          </a:effectRef>
+          <a:fontRef idx="minor">
+            <a:schemeClr val="lt1"/>
+          </a:fontRef>
+        </p:style>
+        <p:txBody>
+          <a:bodyPr rtlCol="0" anchor="ctr"/>
+          <a:lstStyle/>
+          <a:p>
+            <a:pPr algn="ctr"/>
+            <a:endParaRPr lang="ko-KR" altLang="en-US"/>
+          </a:p>
+        </p:txBody>
+      </p:sp>
+      <p:grpSp>
+        <p:nvGrpSpPr>
+          <p:cNvPr id="56" name="그룹 55">
+            <a:extLst>
+              <a:ext uri="{FF2B5EF4-FFF2-40B4-BE49-F238E27FC236}">
+                <a16:creationId xmlns:a16="http://schemas.microsoft.com/office/drawing/2014/main" id="{E1EC41B9-8638-43AC-9848-87A52A0D1FD3}"/>
               </a:ext>
             </a:extLst>
           </p:cNvPr>
@@ -18978,10 +21908,10 @@
         </p:grpSpPr>
         <p:sp>
           <p:nvSpPr>
-            <p:cNvPr id="14" name="사각형: 빗면 13">
+            <p:cNvPr id="57" name="사각형: 빗면 56">
               <a:extLst>
                 <a:ext uri="{FF2B5EF4-FFF2-40B4-BE49-F238E27FC236}">
-                  <a16:creationId xmlns:a16="http://schemas.microsoft.com/office/drawing/2014/main" id="{28412DFC-59FF-4664-BD75-A2F7F81C84FF}"/>
+                  <a16:creationId xmlns:a16="http://schemas.microsoft.com/office/drawing/2014/main" id="{674EEDCB-4E46-483A-B0B3-D49876A1F118}"/>
                 </a:ext>
               </a:extLst>
             </p:cNvPr>
@@ -19032,10 +21962,10 @@
         </p:sp>
         <p:pic>
           <p:nvPicPr>
-            <p:cNvPr id="15" name="그림 14">
+            <p:cNvPr id="58" name="그림 57">
               <a:extLst>
                 <a:ext uri="{FF2B5EF4-FFF2-40B4-BE49-F238E27FC236}">
-                  <a16:creationId xmlns:a16="http://schemas.microsoft.com/office/drawing/2014/main" id="{BE8AFD19-74B5-4FD3-A268-17EE22F47EB8}"/>
+                  <a16:creationId xmlns:a16="http://schemas.microsoft.com/office/drawing/2014/main" id="{C80B0C8B-C65E-4B97-885B-0BA8B6AC08B5}"/>
                 </a:ext>
               </a:extLst>
             </p:cNvPr>
@@ -19081,10 +22011,10 @@
       </p:grpSp>
       <p:grpSp>
         <p:nvGrpSpPr>
-          <p:cNvPr id="16" name="그룹 15">
-            <a:extLst>
-              <a:ext uri="{FF2B5EF4-FFF2-40B4-BE49-F238E27FC236}">
-                <a16:creationId xmlns:a16="http://schemas.microsoft.com/office/drawing/2014/main" id="{A9BFE9D1-B1FA-428C-B8B2-C669D3B0F3D3}"/>
+          <p:cNvPr id="59" name="그룹 58">
+            <a:extLst>
+              <a:ext uri="{FF2B5EF4-FFF2-40B4-BE49-F238E27FC236}">
+                <a16:creationId xmlns:a16="http://schemas.microsoft.com/office/drawing/2014/main" id="{6A2E993B-5F25-4E3B-BEEC-169F5D20D915}"/>
               </a:ext>
             </a:extLst>
           </p:cNvPr>
@@ -19101,10 +22031,10 @@
         </p:grpSpPr>
         <p:sp>
           <p:nvSpPr>
-            <p:cNvPr id="17" name="사각형: 빗면 16">
+            <p:cNvPr id="60" name="사각형: 빗면 59">
               <a:extLst>
                 <a:ext uri="{FF2B5EF4-FFF2-40B4-BE49-F238E27FC236}">
-                  <a16:creationId xmlns:a16="http://schemas.microsoft.com/office/drawing/2014/main" id="{FAD012B5-1654-452F-BC90-DF99D2F04A3F}"/>
+                  <a16:creationId xmlns:a16="http://schemas.microsoft.com/office/drawing/2014/main" id="{6FA356AB-22E7-4AD9-8602-5E66B0B71711}"/>
                 </a:ext>
               </a:extLst>
             </p:cNvPr>
@@ -19155,10 +22085,10 @@
         </p:sp>
         <p:pic>
           <p:nvPicPr>
-            <p:cNvPr id="18" name="그림 17">
+            <p:cNvPr id="61" name="그림 60">
               <a:extLst>
                 <a:ext uri="{FF2B5EF4-FFF2-40B4-BE49-F238E27FC236}">
-                  <a16:creationId xmlns:a16="http://schemas.microsoft.com/office/drawing/2014/main" id="{3C656561-9522-486A-B972-34AEA6A86EA2}"/>
+                  <a16:creationId xmlns:a16="http://schemas.microsoft.com/office/drawing/2014/main" id="{2A951D99-219F-4E40-A647-402625FC5F10}"/>
                 </a:ext>
               </a:extLst>
             </p:cNvPr>
@@ -19202,408 +22132,46 @@
           </p:spPr>
         </p:pic>
       </p:grpSp>
-      <p:grpSp>
-        <p:nvGrpSpPr>
-          <p:cNvPr id="19" name="그룹 18">
-            <a:extLst>
-              <a:ext uri="{FF2B5EF4-FFF2-40B4-BE49-F238E27FC236}">
-                <a16:creationId xmlns:a16="http://schemas.microsoft.com/office/drawing/2014/main" id="{A8A0CFEC-C2AA-443E-B62E-D538DE68C0D6}"/>
-              </a:ext>
-            </a:extLst>
-          </p:cNvPr>
-          <p:cNvGrpSpPr/>
-          <p:nvPr/>
-        </p:nvGrpSpPr>
-        <p:grpSpPr>
+      <p:sp>
+        <p:nvSpPr>
+          <p:cNvPr id="62" name="사각형: 빗면 61">
+            <a:extLst>
+              <a:ext uri="{FF2B5EF4-FFF2-40B4-BE49-F238E27FC236}">
+                <a16:creationId xmlns:a16="http://schemas.microsoft.com/office/drawing/2014/main" id="{5B221793-C1E9-44F6-AF29-6A8C7E9C468D}"/>
+              </a:ext>
+            </a:extLst>
+          </p:cNvPr>
+          <p:cNvSpPr/>
+          <p:nvPr/>
+        </p:nvSpPr>
+        <p:spPr>
           <a:xfrm>
             <a:off x="10675552" y="563275"/>
             <a:ext cx="1193800" cy="1193800"/>
-            <a:chOff x="7886635" y="168275"/>
-            <a:chExt cx="838200" cy="838200"/>
-          </a:xfrm>
-        </p:grpSpPr>
-        <p:sp>
-          <p:nvSpPr>
-            <p:cNvPr id="20" name="사각형: 빗면 19">
-              <a:extLst>
-                <a:ext uri="{FF2B5EF4-FFF2-40B4-BE49-F238E27FC236}">
-                  <a16:creationId xmlns:a16="http://schemas.microsoft.com/office/drawing/2014/main" id="{A8AAAAD4-B19C-45E4-8FFB-97F2551B1119}"/>
-                </a:ext>
-              </a:extLst>
-            </p:cNvPr>
-            <p:cNvSpPr/>
-            <p:nvPr/>
-          </p:nvSpPr>
-          <p:spPr>
-            <a:xfrm>
-              <a:off x="7886635" y="168275"/>
-              <a:ext cx="838200" cy="838200"/>
-            </a:xfrm>
-            <a:prstGeom prst="bevel">
-              <a:avLst>
-                <a:gd name="adj" fmla="val 5357"/>
-              </a:avLst>
-            </a:prstGeom>
-            <a:solidFill>
-              <a:schemeClr val="tx1">
-                <a:lumMod val="50000"/>
-                <a:lumOff val="50000"/>
-              </a:schemeClr>
-            </a:solidFill>
-          </p:spPr>
-          <p:style>
-            <a:lnRef idx="2">
-              <a:schemeClr val="accent3">
-                <a:shade val="50000"/>
-              </a:schemeClr>
-            </a:lnRef>
-            <a:fillRef idx="1">
-              <a:schemeClr val="accent3"/>
-            </a:fillRef>
-            <a:effectRef idx="0">
-              <a:schemeClr val="accent3"/>
-            </a:effectRef>
-            <a:fontRef idx="minor">
-              <a:schemeClr val="lt1"/>
-            </a:fontRef>
-          </p:style>
-          <p:txBody>
-            <a:bodyPr rtlCol="0" anchor="ctr"/>
-            <a:lstStyle/>
-            <a:p>
-              <a:pPr algn="ctr"/>
-              <a:endParaRPr lang="ko-KR" altLang="en-US"/>
-            </a:p>
-          </p:txBody>
-        </p:sp>
-        <p:pic>
-          <p:nvPicPr>
-            <p:cNvPr id="21" name="그림 20">
-              <a:extLst>
-                <a:ext uri="{FF2B5EF4-FFF2-40B4-BE49-F238E27FC236}">
-                  <a16:creationId xmlns:a16="http://schemas.microsoft.com/office/drawing/2014/main" id="{0B8A01A3-5B26-42C5-93B1-47BC06A87170}"/>
-                </a:ext>
-              </a:extLst>
-            </p:cNvPr>
-            <p:cNvPicPr>
-              <a:picLocks noChangeAspect="1"/>
-            </p:cNvPicPr>
-            <p:nvPr/>
-          </p:nvPicPr>
-          <p:blipFill>
-            <a:blip r:embed="rId2">
-              <a:extLst>
-                <a:ext uri="{BEBA8EAE-BF5A-486C-A8C5-ECC9F3942E4B}">
-                  <a14:imgProps xmlns:a14="http://schemas.microsoft.com/office/drawing/2010/main">
-                    <a14:imgLayer r:embed="rId3">
-                      <a14:imgEffect>
-                        <a14:backgroundRemoval t="10000" b="90000" l="10000" r="90000">
-                          <a14:foregroundMark x1="25000" y1="61719" x2="25000" y2="61719"/>
-                          <a14:foregroundMark x1="60938" y1="76563" x2="60938" y2="76563"/>
-                        </a14:backgroundRemoval>
-                      </a14:imgEffect>
-                    </a14:imgLayer>
-                  </a14:imgProps>
-                </a:ext>
-                <a:ext uri="{28A0092B-C50C-407E-A947-70E740481C1C}">
-                  <a14:useLocalDpi xmlns:a14="http://schemas.microsoft.com/office/drawing/2010/main" val="0"/>
-                </a:ext>
-              </a:extLst>
-            </a:blip>
-            <a:stretch>
-              <a:fillRect/>
-            </a:stretch>
-          </p:blipFill>
-          <p:spPr>
-            <a:xfrm>
-              <a:off x="8094069" y="375708"/>
-              <a:ext cx="423333" cy="423333"/>
-            </a:xfrm>
-            <a:prstGeom prst="rect">
-              <a:avLst/>
-            </a:prstGeom>
-          </p:spPr>
-        </p:pic>
-      </p:grpSp>
-      <p:grpSp>
-        <p:nvGrpSpPr>
-          <p:cNvPr id="38" name="그룹 37">
-            <a:extLst>
-              <a:ext uri="{FF2B5EF4-FFF2-40B4-BE49-F238E27FC236}">
-                <a16:creationId xmlns:a16="http://schemas.microsoft.com/office/drawing/2014/main" id="{7B492A0E-691D-49D0-9E69-36711CFCAFCA}"/>
-              </a:ext>
-            </a:extLst>
-          </p:cNvPr>
-          <p:cNvGrpSpPr/>
-          <p:nvPr/>
-        </p:nvGrpSpPr>
-        <p:grpSpPr>
-          <a:xfrm>
-            <a:off x="427342" y="2915872"/>
-            <a:ext cx="5238750" cy="323851"/>
-            <a:chOff x="1044607" y="3814762"/>
-            <a:chExt cx="5996021" cy="323851"/>
-          </a:xfrm>
-        </p:grpSpPr>
-        <p:grpSp>
-          <p:nvGrpSpPr>
-            <p:cNvPr id="34" name="그룹 33">
-              <a:extLst>
-                <a:ext uri="{FF2B5EF4-FFF2-40B4-BE49-F238E27FC236}">
-                  <a16:creationId xmlns:a16="http://schemas.microsoft.com/office/drawing/2014/main" id="{BE6C180E-F4AB-48E3-86F4-88122E698354}"/>
-                </a:ext>
-              </a:extLst>
-            </p:cNvPr>
-            <p:cNvGrpSpPr/>
-            <p:nvPr/>
-          </p:nvGrpSpPr>
-          <p:grpSpPr>
-            <a:xfrm>
-              <a:off x="1044607" y="3814762"/>
-              <a:ext cx="352528" cy="323851"/>
-              <a:chOff x="1044607" y="3814762"/>
-              <a:chExt cx="352528" cy="323851"/>
-            </a:xfrm>
-          </p:grpSpPr>
-          <p:sp>
-            <p:nvSpPr>
-              <p:cNvPr id="32" name="이등변 삼각형 31">
-                <a:extLst>
-                  <a:ext uri="{FF2B5EF4-FFF2-40B4-BE49-F238E27FC236}">
-                    <a16:creationId xmlns:a16="http://schemas.microsoft.com/office/drawing/2014/main" id="{98901386-6D8C-46EF-9738-328F0D085C63}"/>
-                  </a:ext>
-                </a:extLst>
-              </p:cNvPr>
-              <p:cNvSpPr/>
-              <p:nvPr/>
-            </p:nvSpPr>
-            <p:spPr>
-              <a:xfrm rot="16200000">
-                <a:off x="1018415" y="3840955"/>
-                <a:ext cx="323850" cy="271465"/>
-              </a:xfrm>
-              <a:prstGeom prst="triangle">
-                <a:avLst/>
-              </a:prstGeom>
-            </p:spPr>
-            <p:style>
-              <a:lnRef idx="2">
-                <a:schemeClr val="accent1">
-                  <a:shade val="50000"/>
-                </a:schemeClr>
-              </a:lnRef>
-              <a:fillRef idx="1">
-                <a:schemeClr val="accent1"/>
-              </a:fillRef>
-              <a:effectRef idx="0">
-                <a:schemeClr val="accent1"/>
-              </a:effectRef>
-              <a:fontRef idx="minor">
-                <a:schemeClr val="lt1"/>
-              </a:fontRef>
-            </p:style>
-            <p:txBody>
-              <a:bodyPr rtlCol="0" anchor="ctr"/>
-              <a:lstStyle/>
-              <a:p>
-                <a:pPr algn="ctr"/>
-                <a:endParaRPr lang="ko-KR" altLang="en-US"/>
-              </a:p>
-            </p:txBody>
-          </p:sp>
-          <p:sp>
-            <p:nvSpPr>
-              <p:cNvPr id="33" name="직사각형 32">
-                <a:extLst>
-                  <a:ext uri="{FF2B5EF4-FFF2-40B4-BE49-F238E27FC236}">
-                    <a16:creationId xmlns:a16="http://schemas.microsoft.com/office/drawing/2014/main" id="{65C1D4BD-37BD-4A2F-B764-ECD3991B045D}"/>
-                  </a:ext>
-                </a:extLst>
-              </p:cNvPr>
-              <p:cNvSpPr/>
-              <p:nvPr/>
-            </p:nvSpPr>
-            <p:spPr>
-              <a:xfrm>
-                <a:off x="1351416" y="3814762"/>
-                <a:ext cx="45719" cy="323851"/>
-              </a:xfrm>
-              <a:prstGeom prst="rect">
-                <a:avLst/>
-              </a:prstGeom>
-            </p:spPr>
-            <p:style>
-              <a:lnRef idx="2">
-                <a:schemeClr val="accent1">
-                  <a:shade val="50000"/>
-                </a:schemeClr>
-              </a:lnRef>
-              <a:fillRef idx="1">
-                <a:schemeClr val="accent1"/>
-              </a:fillRef>
-              <a:effectRef idx="0">
-                <a:schemeClr val="accent1"/>
-              </a:effectRef>
-              <a:fontRef idx="minor">
-                <a:schemeClr val="lt1"/>
-              </a:fontRef>
-            </p:style>
-            <p:txBody>
-              <a:bodyPr rtlCol="0" anchor="ctr"/>
-              <a:lstStyle/>
-              <a:p>
-                <a:pPr algn="ctr"/>
-                <a:endParaRPr lang="ko-KR" altLang="en-US"/>
-              </a:p>
-            </p:txBody>
-          </p:sp>
-        </p:grpSp>
-        <p:grpSp>
-          <p:nvGrpSpPr>
-            <p:cNvPr id="35" name="그룹 34">
-              <a:extLst>
-                <a:ext uri="{FF2B5EF4-FFF2-40B4-BE49-F238E27FC236}">
-                  <a16:creationId xmlns:a16="http://schemas.microsoft.com/office/drawing/2014/main" id="{B4202743-9593-444E-95C9-00E352004DF5}"/>
-                </a:ext>
-              </a:extLst>
-            </p:cNvPr>
-            <p:cNvGrpSpPr/>
-            <p:nvPr/>
-          </p:nvGrpSpPr>
-          <p:grpSpPr>
-            <a:xfrm flipH="1">
-              <a:off x="6735624" y="3814762"/>
-              <a:ext cx="305004" cy="323851"/>
-              <a:chOff x="1044607" y="3814762"/>
-              <a:chExt cx="352528" cy="323851"/>
-            </a:xfrm>
-          </p:grpSpPr>
-          <p:sp>
-            <p:nvSpPr>
-              <p:cNvPr id="36" name="이등변 삼각형 35">
-                <a:extLst>
-                  <a:ext uri="{FF2B5EF4-FFF2-40B4-BE49-F238E27FC236}">
-                    <a16:creationId xmlns:a16="http://schemas.microsoft.com/office/drawing/2014/main" id="{BC658ECF-41A2-4C40-B627-FDD3A33AEA69}"/>
-                  </a:ext>
-                </a:extLst>
-              </p:cNvPr>
-              <p:cNvSpPr/>
-              <p:nvPr/>
-            </p:nvSpPr>
-            <p:spPr>
-              <a:xfrm rot="16200000">
-                <a:off x="1018415" y="3840955"/>
-                <a:ext cx="323850" cy="271465"/>
-              </a:xfrm>
-              <a:prstGeom prst="triangle">
-                <a:avLst/>
-              </a:prstGeom>
-            </p:spPr>
-            <p:style>
-              <a:lnRef idx="2">
-                <a:schemeClr val="accent1">
-                  <a:shade val="50000"/>
-                </a:schemeClr>
-              </a:lnRef>
-              <a:fillRef idx="1">
-                <a:schemeClr val="accent1"/>
-              </a:fillRef>
-              <a:effectRef idx="0">
-                <a:schemeClr val="accent1"/>
-              </a:effectRef>
-              <a:fontRef idx="minor">
-                <a:schemeClr val="lt1"/>
-              </a:fontRef>
-            </p:style>
-            <p:txBody>
-              <a:bodyPr rtlCol="0" anchor="ctr"/>
-              <a:lstStyle/>
-              <a:p>
-                <a:pPr algn="ctr"/>
-                <a:endParaRPr lang="ko-KR" altLang="en-US" dirty="0"/>
-              </a:p>
-            </p:txBody>
-          </p:sp>
-          <p:sp>
-            <p:nvSpPr>
-              <p:cNvPr id="37" name="직사각형 36">
-                <a:extLst>
-                  <a:ext uri="{FF2B5EF4-FFF2-40B4-BE49-F238E27FC236}">
-                    <a16:creationId xmlns:a16="http://schemas.microsoft.com/office/drawing/2014/main" id="{BF2B5285-F902-447D-9B24-B46B3D7D2A40}"/>
-                  </a:ext>
-                </a:extLst>
-              </p:cNvPr>
-              <p:cNvSpPr/>
-              <p:nvPr/>
-            </p:nvSpPr>
-            <p:spPr>
-              <a:xfrm>
-                <a:off x="1351416" y="3814762"/>
-                <a:ext cx="45719" cy="323851"/>
-              </a:xfrm>
-              <a:prstGeom prst="rect">
-                <a:avLst/>
-              </a:prstGeom>
-            </p:spPr>
-            <p:style>
-              <a:lnRef idx="2">
-                <a:schemeClr val="accent1">
-                  <a:shade val="50000"/>
-                </a:schemeClr>
-              </a:lnRef>
-              <a:fillRef idx="1">
-                <a:schemeClr val="accent1"/>
-              </a:fillRef>
-              <a:effectRef idx="0">
-                <a:schemeClr val="accent1"/>
-              </a:effectRef>
-              <a:fontRef idx="minor">
-                <a:schemeClr val="lt1"/>
-              </a:fontRef>
-            </p:style>
-            <p:txBody>
-              <a:bodyPr rtlCol="0" anchor="ctr"/>
-              <a:lstStyle/>
-              <a:p>
-                <a:pPr algn="ctr"/>
-                <a:endParaRPr lang="ko-KR" altLang="en-US"/>
-              </a:p>
-            </p:txBody>
-          </p:sp>
-        </p:grpSp>
-      </p:grpSp>
-      <p:sp>
-        <p:nvSpPr>
-          <p:cNvPr id="46" name="직사각형 45">
-            <a:extLst>
-              <a:ext uri="{FF2B5EF4-FFF2-40B4-BE49-F238E27FC236}">
-                <a16:creationId xmlns:a16="http://schemas.microsoft.com/office/drawing/2014/main" id="{09D6D177-F7B2-4724-B084-9252DAC21EF2}"/>
-              </a:ext>
-            </a:extLst>
-          </p:cNvPr>
-          <p:cNvSpPr/>
-          <p:nvPr/>
-        </p:nvSpPr>
-        <p:spPr>
-          <a:xfrm>
-            <a:off x="1234482" y="3141299"/>
-            <a:ext cx="3624470" cy="2442490"/>
-          </a:xfrm>
-          <a:prstGeom prst="rect">
-            <a:avLst/>
-          </a:prstGeom>
+          </a:xfrm>
+          <a:prstGeom prst="bevel">
+            <a:avLst>
+              <a:gd name="adj" fmla="val 5357"/>
+            </a:avLst>
+          </a:prstGeom>
+          <a:solidFill>
+            <a:schemeClr val="tx1">
+              <a:lumMod val="50000"/>
+              <a:lumOff val="50000"/>
+            </a:schemeClr>
+          </a:solidFill>
         </p:spPr>
         <p:style>
           <a:lnRef idx="2">
-            <a:schemeClr val="accent6">
+            <a:schemeClr val="accent3">
               <a:shade val="50000"/>
             </a:schemeClr>
           </a:lnRef>
           <a:fillRef idx="1">
-            <a:schemeClr val="accent6"/>
+            <a:schemeClr val="accent3"/>
           </a:fillRef>
           <a:effectRef idx="0">
-            <a:schemeClr val="accent6"/>
+            <a:schemeClr val="accent3"/>
           </a:effectRef>
           <a:fontRef idx="minor">
             <a:schemeClr val="lt1"/>
@@ -19618,312 +22186,12 @@
           </a:p>
         </p:txBody>
       </p:sp>
-      <p:sp>
-        <p:nvSpPr>
-          <p:cNvPr id="63" name="직사각형 62">
-            <a:extLst>
-              <a:ext uri="{FF2B5EF4-FFF2-40B4-BE49-F238E27FC236}">
-                <a16:creationId xmlns:a16="http://schemas.microsoft.com/office/drawing/2014/main" id="{7920BFF1-6530-4753-8C4B-DF460922C12A}"/>
-              </a:ext>
-            </a:extLst>
-          </p:cNvPr>
-          <p:cNvSpPr/>
-          <p:nvPr/>
-        </p:nvSpPr>
-        <p:spPr>
-          <a:xfrm>
-            <a:off x="7244757" y="3141299"/>
-            <a:ext cx="3624470" cy="2442490"/>
-          </a:xfrm>
-          <a:prstGeom prst="rect">
-            <a:avLst/>
-          </a:prstGeom>
-        </p:spPr>
-        <p:style>
-          <a:lnRef idx="2">
-            <a:schemeClr val="accent6">
-              <a:shade val="50000"/>
-            </a:schemeClr>
-          </a:lnRef>
-          <a:fillRef idx="1">
-            <a:schemeClr val="accent6"/>
-          </a:fillRef>
-          <a:effectRef idx="0">
-            <a:schemeClr val="accent6"/>
-          </a:effectRef>
-          <a:fontRef idx="minor">
-            <a:schemeClr val="lt1"/>
-          </a:fontRef>
-        </p:style>
-        <p:txBody>
-          <a:bodyPr rtlCol="0" anchor="ctr"/>
-          <a:lstStyle/>
-          <a:p>
-            <a:pPr algn="ctr"/>
-            <a:endParaRPr lang="ko-KR" altLang="en-US"/>
-          </a:p>
-        </p:txBody>
-      </p:sp>
-      <p:sp>
-        <p:nvSpPr>
-          <p:cNvPr id="2" name="직사각형 1">
-            <a:extLst>
-              <a:ext uri="{FF2B5EF4-FFF2-40B4-BE49-F238E27FC236}">
-                <a16:creationId xmlns:a16="http://schemas.microsoft.com/office/drawing/2014/main" id="{2F2D33B6-0029-4CE4-B4AB-07A4A5D4876E}"/>
-              </a:ext>
-            </a:extLst>
-          </p:cNvPr>
-          <p:cNvSpPr/>
-          <p:nvPr/>
-        </p:nvSpPr>
-        <p:spPr>
-          <a:xfrm>
-            <a:off x="1861765" y="6152533"/>
-            <a:ext cx="542163" cy="553674"/>
-          </a:xfrm>
-          <a:prstGeom prst="rect">
-            <a:avLst/>
-          </a:prstGeom>
-        </p:spPr>
-        <p:style>
-          <a:lnRef idx="2">
-            <a:schemeClr val="accent1">
-              <a:shade val="50000"/>
-            </a:schemeClr>
-          </a:lnRef>
-          <a:fillRef idx="1">
-            <a:schemeClr val="accent1"/>
-          </a:fillRef>
-          <a:effectRef idx="0">
-            <a:schemeClr val="accent1"/>
-          </a:effectRef>
-          <a:fontRef idx="minor">
-            <a:schemeClr val="lt1"/>
-          </a:fontRef>
-        </p:style>
-        <p:txBody>
-          <a:bodyPr rtlCol="0" anchor="ctr"/>
-          <a:lstStyle/>
-          <a:p>
-            <a:pPr algn="ctr"/>
-            <a:r>
-              <a:rPr lang="en-US" altLang="ko-KR" dirty="0"/>
-              <a:t>Q</a:t>
-            </a:r>
-            <a:endParaRPr lang="ko-KR" altLang="en-US" dirty="0"/>
-          </a:p>
-        </p:txBody>
-      </p:sp>
-      <p:sp>
-        <p:nvSpPr>
-          <p:cNvPr id="31" name="직사각형 30">
-            <a:extLst>
-              <a:ext uri="{FF2B5EF4-FFF2-40B4-BE49-F238E27FC236}">
-                <a16:creationId xmlns:a16="http://schemas.microsoft.com/office/drawing/2014/main" id="{D9FFC27C-C6A0-4803-A606-3A151716CC17}"/>
-              </a:ext>
-            </a:extLst>
-          </p:cNvPr>
-          <p:cNvSpPr/>
-          <p:nvPr/>
-        </p:nvSpPr>
-        <p:spPr>
-          <a:xfrm>
-            <a:off x="2608385" y="6152533"/>
-            <a:ext cx="542163" cy="553674"/>
-          </a:xfrm>
-          <a:prstGeom prst="rect">
-            <a:avLst/>
-          </a:prstGeom>
-        </p:spPr>
-        <p:style>
-          <a:lnRef idx="2">
-            <a:schemeClr val="accent1">
-              <a:shade val="50000"/>
-            </a:schemeClr>
-          </a:lnRef>
-          <a:fillRef idx="1">
-            <a:schemeClr val="accent1"/>
-          </a:fillRef>
-          <a:effectRef idx="0">
-            <a:schemeClr val="accent1"/>
-          </a:effectRef>
-          <a:fontRef idx="minor">
-            <a:schemeClr val="lt1"/>
-          </a:fontRef>
-        </p:style>
-        <p:txBody>
-          <a:bodyPr rtlCol="0" anchor="ctr"/>
-          <a:lstStyle/>
-          <a:p>
-            <a:pPr algn="ctr"/>
-            <a:r>
-              <a:rPr lang="en-US" altLang="ko-KR" dirty="0"/>
-              <a:t>W</a:t>
-            </a:r>
-            <a:endParaRPr lang="ko-KR" altLang="en-US" dirty="0"/>
-          </a:p>
-        </p:txBody>
-      </p:sp>
-      <p:sp>
-        <p:nvSpPr>
-          <p:cNvPr id="43" name="직사각형 42">
-            <a:extLst>
-              <a:ext uri="{FF2B5EF4-FFF2-40B4-BE49-F238E27FC236}">
-                <a16:creationId xmlns:a16="http://schemas.microsoft.com/office/drawing/2014/main" id="{80EA3023-D0D8-40CD-9109-414B80F0471A}"/>
-              </a:ext>
-            </a:extLst>
-          </p:cNvPr>
-          <p:cNvSpPr/>
-          <p:nvPr/>
-        </p:nvSpPr>
-        <p:spPr>
-          <a:xfrm>
-            <a:off x="3355005" y="6152533"/>
-            <a:ext cx="542163" cy="553674"/>
-          </a:xfrm>
-          <a:prstGeom prst="rect">
-            <a:avLst/>
-          </a:prstGeom>
-        </p:spPr>
-        <p:style>
-          <a:lnRef idx="2">
-            <a:schemeClr val="accent1">
-              <a:shade val="50000"/>
-            </a:schemeClr>
-          </a:lnRef>
-          <a:fillRef idx="1">
-            <a:schemeClr val="accent1"/>
-          </a:fillRef>
-          <a:effectRef idx="0">
-            <a:schemeClr val="accent1"/>
-          </a:effectRef>
-          <a:fontRef idx="minor">
-            <a:schemeClr val="lt1"/>
-          </a:fontRef>
-        </p:style>
-        <p:txBody>
-          <a:bodyPr rtlCol="0" anchor="ctr"/>
-          <a:lstStyle/>
-          <a:p>
-            <a:pPr algn="ctr"/>
-            <a:r>
-              <a:rPr lang="en-US" altLang="ko-KR" dirty="0"/>
-              <a:t>E</a:t>
-            </a:r>
-            <a:endParaRPr lang="ko-KR" altLang="en-US" dirty="0"/>
-          </a:p>
-        </p:txBody>
-      </p:sp>
-      <p:sp>
-        <p:nvSpPr>
-          <p:cNvPr id="47" name="직사각형 46">
-            <a:extLst>
-              <a:ext uri="{FF2B5EF4-FFF2-40B4-BE49-F238E27FC236}">
-                <a16:creationId xmlns:a16="http://schemas.microsoft.com/office/drawing/2014/main" id="{A0CCB4FB-BC44-4AD3-B338-A66989843C32}"/>
-              </a:ext>
-            </a:extLst>
-          </p:cNvPr>
-          <p:cNvSpPr/>
-          <p:nvPr/>
-        </p:nvSpPr>
-        <p:spPr>
-          <a:xfrm>
-            <a:off x="4101625" y="6152533"/>
-            <a:ext cx="542163" cy="553674"/>
-          </a:xfrm>
-          <a:prstGeom prst="rect">
-            <a:avLst/>
-          </a:prstGeom>
-        </p:spPr>
-        <p:style>
-          <a:lnRef idx="2">
-            <a:schemeClr val="accent1">
-              <a:shade val="50000"/>
-            </a:schemeClr>
-          </a:lnRef>
-          <a:fillRef idx="1">
-            <a:schemeClr val="accent1"/>
-          </a:fillRef>
-          <a:effectRef idx="0">
-            <a:schemeClr val="accent1"/>
-          </a:effectRef>
-          <a:fontRef idx="minor">
-            <a:schemeClr val="lt1"/>
-          </a:fontRef>
-        </p:style>
-        <p:txBody>
-          <a:bodyPr rtlCol="0" anchor="ctr"/>
-          <a:lstStyle/>
-          <a:p>
-            <a:pPr algn="ctr"/>
-            <a:r>
-              <a:rPr lang="en-US" altLang="ko-KR" dirty="0"/>
-              <a:t>R</a:t>
-            </a:r>
-            <a:endParaRPr lang="ko-KR" altLang="en-US" dirty="0"/>
-          </a:p>
-        </p:txBody>
-      </p:sp>
-      <p:sp>
-        <p:nvSpPr>
-          <p:cNvPr id="40" name="사각형: 빗면 39">
-            <a:extLst>
-              <a:ext uri="{FF2B5EF4-FFF2-40B4-BE49-F238E27FC236}">
-                <a16:creationId xmlns:a16="http://schemas.microsoft.com/office/drawing/2014/main" id="{9049D0C6-2601-45E6-B8B1-41AF474B3197}"/>
-              </a:ext>
-            </a:extLst>
-          </p:cNvPr>
-          <p:cNvSpPr/>
-          <p:nvPr/>
-        </p:nvSpPr>
-        <p:spPr>
-          <a:xfrm>
-            <a:off x="1234482" y="1791331"/>
-            <a:ext cx="1193800" cy="1193800"/>
-          </a:xfrm>
-          <a:prstGeom prst="bevel">
-            <a:avLst>
-              <a:gd name="adj" fmla="val 5357"/>
-            </a:avLst>
-          </a:prstGeom>
-          <a:solidFill>
-            <a:schemeClr val="tx1">
-              <a:lumMod val="50000"/>
-              <a:lumOff val="50000"/>
-            </a:schemeClr>
-          </a:solidFill>
-        </p:spPr>
-        <p:style>
-          <a:lnRef idx="2">
-            <a:schemeClr val="accent3">
-              <a:shade val="50000"/>
-            </a:schemeClr>
-          </a:lnRef>
-          <a:fillRef idx="1">
-            <a:schemeClr val="accent3"/>
-          </a:fillRef>
-          <a:effectRef idx="0">
-            <a:schemeClr val="accent3"/>
-          </a:effectRef>
-          <a:fontRef idx="minor">
-            <a:schemeClr val="lt1"/>
-          </a:fontRef>
-        </p:style>
-        <p:txBody>
-          <a:bodyPr rtlCol="0" anchor="ctr"/>
-          <a:lstStyle/>
-          <a:p>
-            <a:pPr algn="ctr"/>
-            <a:endParaRPr lang="ko-KR" altLang="en-US"/>
-          </a:p>
-        </p:txBody>
-      </p:sp>
       <p:grpSp>
         <p:nvGrpSpPr>
-          <p:cNvPr id="51" name="그룹 50">
-            <a:extLst>
-              <a:ext uri="{FF2B5EF4-FFF2-40B4-BE49-F238E27FC236}">
-                <a16:creationId xmlns:a16="http://schemas.microsoft.com/office/drawing/2014/main" id="{ADD8F756-7348-42BF-A5F5-2291A9BDCA1E}"/>
+          <p:cNvPr id="63" name="그룹 62">
+            <a:extLst>
+              <a:ext uri="{FF2B5EF4-FFF2-40B4-BE49-F238E27FC236}">
+                <a16:creationId xmlns:a16="http://schemas.microsoft.com/office/drawing/2014/main" id="{1321442C-556F-4AA2-8BA3-7EDB424D89B4}"/>
               </a:ext>
             </a:extLst>
           </p:cNvPr>
@@ -19940,10 +22208,10 @@
         </p:grpSpPr>
         <p:sp>
           <p:nvSpPr>
-            <p:cNvPr id="52" name="사각형: 빗면 51">
+            <p:cNvPr id="64" name="사각형: 빗면 63">
               <a:extLst>
                 <a:ext uri="{FF2B5EF4-FFF2-40B4-BE49-F238E27FC236}">
-                  <a16:creationId xmlns:a16="http://schemas.microsoft.com/office/drawing/2014/main" id="{9D4669A4-893C-4997-9C14-D820BB59AB51}"/>
+                  <a16:creationId xmlns:a16="http://schemas.microsoft.com/office/drawing/2014/main" id="{0AA5446D-863C-48B8-9207-365593E23F45}"/>
                 </a:ext>
               </a:extLst>
             </p:cNvPr>
@@ -19994,10 +22262,10 @@
         </p:sp>
         <p:pic>
           <p:nvPicPr>
-            <p:cNvPr id="53" name="그래픽 52" descr="사용자">
+            <p:cNvPr id="65" name="그래픽 64" descr="사용자">
               <a:extLst>
                 <a:ext uri="{FF2B5EF4-FFF2-40B4-BE49-F238E27FC236}">
-                  <a16:creationId xmlns:a16="http://schemas.microsoft.com/office/drawing/2014/main" id="{6CF70ABB-10C4-40C7-9E36-DC145E82AE81}"/>
+                  <a16:creationId xmlns:a16="http://schemas.microsoft.com/office/drawing/2014/main" id="{FDC89FE5-069A-4FE9-AD3F-D442E7590440}"/>
                 </a:ext>
               </a:extLst>
             </p:cNvPr>
@@ -20007,13 +22275,13 @@
             <p:nvPr/>
           </p:nvPicPr>
           <p:blipFill>
-            <a:blip r:embed="rId4">
+            <a:blip r:embed="rId28">
               <a:extLst>
                 <a:ext uri="{28A0092B-C50C-407E-A947-70E740481C1C}">
                   <a14:useLocalDpi xmlns:a14="http://schemas.microsoft.com/office/drawing/2010/main" val="0"/>
                 </a:ext>
                 <a:ext uri="{96DAC541-7B7A-43D3-8B79-37D633B846F1}">
-                  <asvg:svgBlip xmlns:asvg="http://schemas.microsoft.com/office/drawing/2016/SVG/main" r:embed="rId5"/>
+                  <asvg:svgBlip xmlns:asvg="http://schemas.microsoft.com/office/drawing/2016/SVG/main" r:embed="rId29"/>
                 </a:ext>
               </a:extLst>
             </a:blip>
@@ -20032,51 +22300,12 @@
           </p:spPr>
         </p:pic>
       </p:grpSp>
-      <p:pic>
-        <p:nvPicPr>
-          <p:cNvPr id="7" name="그래픽 6" descr="리모콘">
-            <a:extLst>
-              <a:ext uri="{FF2B5EF4-FFF2-40B4-BE49-F238E27FC236}">
-                <a16:creationId xmlns:a16="http://schemas.microsoft.com/office/drawing/2014/main" id="{314D5163-E1C8-4FCF-A3C5-BDAB6A5B29DD}"/>
-              </a:ext>
-            </a:extLst>
-          </p:cNvPr>
-          <p:cNvPicPr>
-            <a:picLocks noChangeAspect="1"/>
-          </p:cNvPicPr>
-          <p:nvPr/>
-        </p:nvPicPr>
-        <p:blipFill>
-          <a:blip r:embed="rId6">
-            <a:extLst>
-              <a:ext uri="{28A0092B-C50C-407E-A947-70E740481C1C}">
-                <a14:useLocalDpi xmlns:a14="http://schemas.microsoft.com/office/drawing/2010/main" val="0"/>
-              </a:ext>
-              <a:ext uri="{96DAC541-7B7A-43D3-8B79-37D633B846F1}">
-                <asvg:svgBlip xmlns:asvg="http://schemas.microsoft.com/office/drawing/2016/SVG/main" r:embed="rId7"/>
-              </a:ext>
-            </a:extLst>
-          </a:blip>
-          <a:stretch>
-            <a:fillRect/>
-          </a:stretch>
-        </p:blipFill>
-        <p:spPr>
-          <a:xfrm>
-            <a:off x="1372771" y="1970101"/>
-            <a:ext cx="914400" cy="914400"/>
-          </a:xfrm>
-          <a:prstGeom prst="rect">
-            <a:avLst/>
-          </a:prstGeom>
-        </p:spPr>
-      </p:pic>
       <p:sp>
         <p:nvSpPr>
-          <p:cNvPr id="54" name="사각형: 빗면 53">
-            <a:extLst>
-              <a:ext uri="{FF2B5EF4-FFF2-40B4-BE49-F238E27FC236}">
-                <a16:creationId xmlns:a16="http://schemas.microsoft.com/office/drawing/2014/main" id="{2C5E89C9-2878-4C63-9E79-733FB184D0DF}"/>
+          <p:cNvPr id="66" name="사각형: 빗면 65">
+            <a:extLst>
+              <a:ext uri="{FF2B5EF4-FFF2-40B4-BE49-F238E27FC236}">
+                <a16:creationId xmlns:a16="http://schemas.microsoft.com/office/drawing/2014/main" id="{3CB7B5D2-B475-460A-9165-A676305B7BC4}"/>
               </a:ext>
             </a:extLst>
           </p:cNvPr>
@@ -20127,10 +22356,10 @@
       </p:sp>
       <p:pic>
         <p:nvPicPr>
-          <p:cNvPr id="55" name="그래픽 54" descr="리모콘">
-            <a:extLst>
-              <a:ext uri="{FF2B5EF4-FFF2-40B4-BE49-F238E27FC236}">
-                <a16:creationId xmlns:a16="http://schemas.microsoft.com/office/drawing/2014/main" id="{CBDCBE14-68E6-4456-8CA2-B3AE0538F8E3}"/>
+          <p:cNvPr id="67" name="그래픽 66" descr="리모콘">
+            <a:extLst>
+              <a:ext uri="{FF2B5EF4-FFF2-40B4-BE49-F238E27FC236}">
+                <a16:creationId xmlns:a16="http://schemas.microsoft.com/office/drawing/2014/main" id="{84CAD786-8E66-42F0-BC3B-BF0F15029192}"/>
               </a:ext>
             </a:extLst>
           </p:cNvPr>
@@ -20140,13 +22369,13 @@
           <p:nvPr/>
         </p:nvPicPr>
         <p:blipFill>
-          <a:blip r:embed="rId6">
+          <a:blip r:embed="rId30">
             <a:extLst>
               <a:ext uri="{28A0092B-C50C-407E-A947-70E740481C1C}">
                 <a14:useLocalDpi xmlns:a14="http://schemas.microsoft.com/office/drawing/2010/main" val="0"/>
               </a:ext>
               <a:ext uri="{96DAC541-7B7A-43D3-8B79-37D633B846F1}">
-                <asvg:svgBlip xmlns:asvg="http://schemas.microsoft.com/office/drawing/2016/SVG/main" r:embed="rId7"/>
+                <asvg:svgBlip xmlns:asvg="http://schemas.microsoft.com/office/drawing/2016/SVG/main" r:embed="rId31"/>
               </a:ext>
             </a:extLst>
           </a:blip>
@@ -20164,10 +22393,261 @@
           </a:prstGeom>
         </p:spPr>
       </p:pic>
+      <p:pic>
+        <p:nvPicPr>
+          <p:cNvPr id="68" name="그림 67">
+            <a:extLst>
+              <a:ext uri="{FF2B5EF4-FFF2-40B4-BE49-F238E27FC236}">
+                <a16:creationId xmlns:a16="http://schemas.microsoft.com/office/drawing/2014/main" id="{0525322B-BDB1-4C99-B77B-22F4AC09D583}"/>
+              </a:ext>
+            </a:extLst>
+          </p:cNvPr>
+          <p:cNvPicPr>
+            <a:picLocks noChangeAspect="1"/>
+          </p:cNvPicPr>
+          <p:nvPr/>
+        </p:nvPicPr>
+        <p:blipFill>
+          <a:blip r:embed="rId32">
+            <a:extLst>
+              <a:ext uri="{BEBA8EAE-BF5A-486C-A8C5-ECC9F3942E4B}">
+                <a14:imgProps xmlns:a14="http://schemas.microsoft.com/office/drawing/2010/main">
+                  <a14:imgLayer r:embed="rId33">
+                    <a14:imgEffect>
+                      <a14:backgroundRemoval t="8203" b="93555" l="9961" r="97266">
+                        <a14:foregroundMark x1="37109" y1="41406" x2="32227" y2="44531"/>
+                        <a14:foregroundMark x1="32422" y1="47461" x2="31641" y2="89063"/>
+                        <a14:foregroundMark x1="31641" y1="89063" x2="37109" y2="94141"/>
+                        <a14:foregroundMark x1="37109" y1="94141" x2="61914" y2="94336"/>
+                        <a14:foregroundMark x1="61914" y1="94336" x2="89063" y2="93555"/>
+                        <a14:foregroundMark x1="89063" y1="93555" x2="94727" y2="91992"/>
+                        <a14:foregroundMark x1="42773" y1="42188" x2="51172" y2="42188"/>
+                        <a14:foregroundMark x1="51172" y1="42188" x2="68945" y2="41016"/>
+                        <a14:foregroundMark x1="68945" y1="41016" x2="88477" y2="41797"/>
+                        <a14:foregroundMark x1="94531" y1="42969" x2="96680" y2="48633"/>
+                        <a14:foregroundMark x1="96680" y1="51172" x2="95898" y2="72852"/>
+                        <a14:foregroundMark x1="97070" y1="50977" x2="97266" y2="49414"/>
+                        <a14:foregroundMark x1="96484" y1="48828" x2="96680" y2="51563"/>
+                        <a14:foregroundMark x1="95898" y1="73047" x2="97070" y2="91211"/>
+                        <a14:foregroundMark x1="63867" y1="72852" x2="63867" y2="63672"/>
+                        <a14:foregroundMark x1="53320" y1="11914" x2="60352" y2="8984"/>
+                        <a14:foregroundMark x1="60352" y1="8984" x2="68359" y2="8594"/>
+                        <a14:foregroundMark x1="68359" y1="8594" x2="75195" y2="11328"/>
+                        <a14:foregroundMark x1="75195" y1="11328" x2="75586" y2="11719"/>
+                        <a14:foregroundMark x1="55469" y1="8984" x2="57422" y2="8203"/>
+                        <a14:backgroundMark x1="14648" y1="14648" x2="14648" y2="14648"/>
+                        <a14:backgroundMark x1="19922" y1="21875" x2="9961" y2="41211"/>
+                        <a14:backgroundMark x1="9961" y1="41211" x2="17383" y2="46094"/>
+                        <a14:backgroundMark x1="17383" y1="46094" x2="25195" y2="34766"/>
+                        <a14:backgroundMark x1="25195" y1="34766" x2="34180" y2="4297"/>
+                        <a14:backgroundMark x1="34180" y1="4297" x2="16406" y2="52148"/>
+                        <a14:backgroundMark x1="6055" y1="47461" x2="5664" y2="21289"/>
+                        <a14:backgroundMark x1="5664" y1="21289" x2="10742" y2="14648"/>
+                        <a14:backgroundMark x1="10742" y1="14648" x2="16016" y2="25977"/>
+                        <a14:backgroundMark x1="16016" y1="25977" x2="13281" y2="44531"/>
+                        <a14:backgroundMark x1="13281" y1="44531" x2="5273" y2="62500"/>
+                        <a14:backgroundMark x1="5273" y1="62500" x2="11328" y2="72852"/>
+                        <a14:backgroundMark x1="11328" y1="72852" x2="12305" y2="80273"/>
+                        <a14:backgroundMark x1="12305" y1="80273" x2="15039" y2="87109"/>
+                        <a14:backgroundMark x1="28351" y1="87307" x2="23828" y2="59570"/>
+                        <a14:backgroundMark x1="28965" y1="91070" x2="28628" y2="89006"/>
+                        <a14:backgroundMark x1="29688" y1="95508" x2="28992" y2="91241"/>
+                        <a14:backgroundMark x1="23828" y1="59570" x2="26758" y2="41602"/>
+                        <a14:backgroundMark x1="26758" y1="41602" x2="44336" y2="8984"/>
+                        <a14:backgroundMark x1="44336" y1="8984" x2="56029" y2="7893"/>
+                        <a14:backgroundMark x1="77176" y1="10470" x2="83203" y2="12695"/>
+                        <a14:backgroundMark x1="76215" y1="10115" x2="76572" y2="10247"/>
+                        <a14:backgroundMark x1="83203" y1="12695" x2="90820" y2="19922"/>
+                        <a14:backgroundMark x1="90820" y1="19922" x2="96094" y2="28906"/>
+                        <a14:backgroundMark x1="96629" y1="48651" x2="96633" y2="48817"/>
+                        <a14:backgroundMark x1="96094" y1="28906" x2="96456" y2="42271"/>
+                        <a14:backgroundMark x1="91929" y1="95245" x2="89063" y2="99609"/>
+                        <a14:backgroundMark x1="35697" y1="96349" x2="28320" y2="95898"/>
+                        <a14:backgroundMark x1="89063" y1="99609" x2="46842" y2="97030"/>
+                      </a14:backgroundRemoval>
+                    </a14:imgEffect>
+                  </a14:imgLayer>
+                </a14:imgProps>
+              </a:ext>
+              <a:ext uri="{28A0092B-C50C-407E-A947-70E740481C1C}">
+                <a14:useLocalDpi xmlns:a14="http://schemas.microsoft.com/office/drawing/2010/main" val="0"/>
+              </a:ext>
+            </a:extLst>
+          </a:blip>
+          <a:stretch>
+            <a:fillRect/>
+          </a:stretch>
+        </p:blipFill>
+        <p:spPr>
+          <a:xfrm flipH="1">
+            <a:off x="11048523" y="830755"/>
+            <a:ext cx="651521" cy="651521"/>
+          </a:xfrm>
+          <a:prstGeom prst="rect">
+            <a:avLst/>
+          </a:prstGeom>
+        </p:spPr>
+      </p:pic>
+      <p:pic>
+        <p:nvPicPr>
+          <p:cNvPr id="69" name="그래픽 68" descr="혜성">
+            <a:extLst>
+              <a:ext uri="{FF2B5EF4-FFF2-40B4-BE49-F238E27FC236}">
+                <a16:creationId xmlns:a16="http://schemas.microsoft.com/office/drawing/2014/main" id="{E168B11F-8EA6-4485-951A-1DC1F85D2866}"/>
+              </a:ext>
+            </a:extLst>
+          </p:cNvPr>
+          <p:cNvPicPr>
+            <a:picLocks noChangeAspect="1"/>
+          </p:cNvPicPr>
+          <p:nvPr/>
+        </p:nvPicPr>
+        <p:blipFill>
+          <a:blip r:embed="rId34">
+            <a:extLst>
+              <a:ext uri="{28A0092B-C50C-407E-A947-70E740481C1C}">
+                <a14:useLocalDpi xmlns:a14="http://schemas.microsoft.com/office/drawing/2010/main" val="0"/>
+              </a:ext>
+              <a:ext uri="{96DAC541-7B7A-43D3-8B79-37D633B846F1}">
+                <asvg:svgBlip xmlns:asvg="http://schemas.microsoft.com/office/drawing/2016/SVG/main" r:embed="rId35"/>
+              </a:ext>
+            </a:extLst>
+          </a:blip>
+          <a:stretch>
+            <a:fillRect/>
+          </a:stretch>
+        </p:blipFill>
+        <p:spPr>
+          <a:xfrm>
+            <a:off x="6669703" y="699315"/>
+            <a:ext cx="914400" cy="914400"/>
+          </a:xfrm>
+          <a:prstGeom prst="rect">
+            <a:avLst/>
+          </a:prstGeom>
+        </p:spPr>
+      </p:pic>
+      <p:pic>
+        <p:nvPicPr>
+          <p:cNvPr id="70" name="그래픽 69" descr="여자 아이가 있는 가족">
+            <a:extLst>
+              <a:ext uri="{FF2B5EF4-FFF2-40B4-BE49-F238E27FC236}">
+                <a16:creationId xmlns:a16="http://schemas.microsoft.com/office/drawing/2014/main" id="{79C2A22D-6143-4798-9F9B-A86E8EC0B471}"/>
+              </a:ext>
+            </a:extLst>
+          </p:cNvPr>
+          <p:cNvPicPr>
+            <a:picLocks noChangeAspect="1"/>
+          </p:cNvPicPr>
+          <p:nvPr/>
+        </p:nvPicPr>
+        <p:blipFill>
+          <a:blip r:embed="rId4">
+            <a:extLst>
+              <a:ext uri="{28A0092B-C50C-407E-A947-70E740481C1C}">
+                <a14:useLocalDpi xmlns:a14="http://schemas.microsoft.com/office/drawing/2010/main" val="0"/>
+              </a:ext>
+              <a:ext uri="{96DAC541-7B7A-43D3-8B79-37D633B846F1}">
+                <asvg:svgBlip xmlns:asvg="http://schemas.microsoft.com/office/drawing/2016/SVG/main" r:embed="rId5"/>
+              </a:ext>
+            </a:extLst>
+          </a:blip>
+          <a:stretch>
+            <a:fillRect/>
+          </a:stretch>
+        </p:blipFill>
+        <p:spPr>
+          <a:xfrm>
+            <a:off x="7484417" y="2537429"/>
+            <a:ext cx="914400" cy="914400"/>
+          </a:xfrm>
+          <a:prstGeom prst="rect">
+            <a:avLst/>
+          </a:prstGeom>
+        </p:spPr>
+      </p:pic>
+      <p:pic>
+        <p:nvPicPr>
+          <p:cNvPr id="71" name="그래픽 70" descr="별">
+            <a:extLst>
+              <a:ext uri="{FF2B5EF4-FFF2-40B4-BE49-F238E27FC236}">
+                <a16:creationId xmlns:a16="http://schemas.microsoft.com/office/drawing/2014/main" id="{13BCDBC5-613B-410D-AB2F-F99C4647ED77}"/>
+              </a:ext>
+            </a:extLst>
+          </p:cNvPr>
+          <p:cNvPicPr>
+            <a:picLocks noChangeAspect="1"/>
+          </p:cNvPicPr>
+          <p:nvPr/>
+        </p:nvPicPr>
+        <p:blipFill>
+          <a:blip r:embed="rId22">
+            <a:extLst>
+              <a:ext uri="{28A0092B-C50C-407E-A947-70E740481C1C}">
+                <a14:useLocalDpi xmlns:a14="http://schemas.microsoft.com/office/drawing/2010/main" val="0"/>
+              </a:ext>
+              <a:ext uri="{96DAC541-7B7A-43D3-8B79-37D633B846F1}">
+                <asvg:svgBlip xmlns:asvg="http://schemas.microsoft.com/office/drawing/2016/SVG/main" r:embed="rId23"/>
+              </a:ext>
+            </a:extLst>
+          </a:blip>
+          <a:stretch>
+            <a:fillRect/>
+          </a:stretch>
+        </p:blipFill>
+        <p:spPr>
+          <a:xfrm>
+            <a:off x="9235103" y="2537429"/>
+            <a:ext cx="914400" cy="914400"/>
+          </a:xfrm>
+          <a:prstGeom prst="rect">
+            <a:avLst/>
+          </a:prstGeom>
+        </p:spPr>
+      </p:pic>
+      <p:pic>
+        <p:nvPicPr>
+          <p:cNvPr id="74" name="그래픽 73" descr="드라마">
+            <a:extLst>
+              <a:ext uri="{FF2B5EF4-FFF2-40B4-BE49-F238E27FC236}">
+                <a16:creationId xmlns:a16="http://schemas.microsoft.com/office/drawing/2014/main" id="{83106C7A-B931-40F2-970C-0B35F8DD2D18}"/>
+              </a:ext>
+            </a:extLst>
+          </p:cNvPr>
+          <p:cNvPicPr>
+            <a:picLocks noChangeAspect="1"/>
+          </p:cNvPicPr>
+          <p:nvPr/>
+        </p:nvPicPr>
+        <p:blipFill>
+          <a:blip r:embed="rId36">
+            <a:extLst>
+              <a:ext uri="{28A0092B-C50C-407E-A947-70E740481C1C}">
+                <a14:useLocalDpi xmlns:a14="http://schemas.microsoft.com/office/drawing/2010/main" val="0"/>
+              </a:ext>
+              <a:ext uri="{96DAC541-7B7A-43D3-8B79-37D633B846F1}">
+                <asvg:svgBlip xmlns:asvg="http://schemas.microsoft.com/office/drawing/2016/SVG/main" r:embed="rId37"/>
+              </a:ext>
+            </a:extLst>
+          </a:blip>
+          <a:stretch>
+            <a:fillRect/>
+          </a:stretch>
+        </p:blipFill>
+        <p:spPr>
+          <a:xfrm>
+            <a:off x="8355627" y="5097852"/>
+            <a:ext cx="914400" cy="914400"/>
+          </a:xfrm>
+          <a:prstGeom prst="rect">
+            <a:avLst/>
+          </a:prstGeom>
+        </p:spPr>
+      </p:pic>
     </p:spTree>
     <p:extLst>
       <p:ext uri="{BB962C8B-B14F-4D97-AF65-F5344CB8AC3E}">
-        <p14:creationId xmlns:p14="http://schemas.microsoft.com/office/powerpoint/2010/main" val="1836050644"/>
+        <p14:creationId xmlns:p14="http://schemas.microsoft.com/office/powerpoint/2010/main" val="1710254888"/>
       </p:ext>
     </p:extLst>
   </p:cSld>
